--- a/SpringSample/Spring.pptx
+++ b/SpringSample/Spring.pptx
@@ -5,7 +5,7 @@
     <p:sldMasterId id="2147483648" r:id="rId1"/>
   </p:sldMasterIdLst>
   <p:notesMasterIdLst>
-    <p:notesMasterId r:id="rId35"/>
+    <p:notesMasterId r:id="rId41"/>
   </p:notesMasterIdLst>
   <p:sldIdLst>
     <p:sldId id="259" r:id="rId2"/>
@@ -39,8 +39,14 @@
     <p:sldId id="295" r:id="rId30"/>
     <p:sldId id="292" r:id="rId31"/>
     <p:sldId id="296" r:id="rId32"/>
-    <p:sldId id="281" r:id="rId33"/>
-    <p:sldId id="258" r:id="rId34"/>
+    <p:sldId id="297" r:id="rId33"/>
+    <p:sldId id="298" r:id="rId34"/>
+    <p:sldId id="281" r:id="rId35"/>
+    <p:sldId id="299" r:id="rId36"/>
+    <p:sldId id="300" r:id="rId37"/>
+    <p:sldId id="303" r:id="rId38"/>
+    <p:sldId id="301" r:id="rId39"/>
+    <p:sldId id="302" r:id="rId40"/>
   </p:sldIdLst>
   <p:sldSz cx="12192000" cy="6858000"/>
   <p:notesSz cx="6858000" cy="9144000"/>
@@ -141,7 +147,7 @@
   </p:defaultTextStyle>
   <p:extLst>
     <p:ext uri="{EFAFB233-063F-42B5-8137-9DF3F51BA10A}">
-      <p15:sldGuideLst xmlns:p15="http://schemas.microsoft.com/office/powerpoint/2012/main" xmlns="">
+      <p15:sldGuideLst xmlns:p15="http://schemas.microsoft.com/office/powerpoint/2012/main">
         <p15:guide id="1" orient="horz" pos="2160">
           <p15:clr>
             <a:srgbClr val="A4A3A4"/>
@@ -155,7 +161,7 @@
       </p15:sldGuideLst>
     </p:ext>
     <p:ext uri="{2D200454-40CA-4A62-9FC3-DE9A4176ACB9}">
-      <p15:notesGuideLst xmlns:p15="http://schemas.microsoft.com/office/powerpoint/2012/main" xmlns="">
+      <p15:notesGuideLst xmlns:p15="http://schemas.microsoft.com/office/powerpoint/2012/main">
         <p15:guide id="1" orient="horz" pos="2880">
           <p15:clr>
             <a:srgbClr val="A4A3A4"/>
@@ -177,7 +183,7 @@
   <p:cmAuthor id="1" name="Casamassa Simone" initials="CS" lastIdx="32" clrIdx="0">
     <p:extLst>
       <p:ext uri="{19B8F6BF-5375-455C-9EA6-DF929625EA0E}">
-        <p15:presenceInfo xmlns:p15="http://schemas.microsoft.com/office/powerpoint/2012/main" xmlns="" userId="S-1-5-21-417365229-399659180-1714775081-164679" providerId="AD"/>
+        <p15:presenceInfo xmlns:p15="http://schemas.microsoft.com/office/powerpoint/2012/main" userId="S-1-5-21-417365229-399659180-1714775081-164679" providerId="AD"/>
       </p:ext>
     </p:extLst>
   </p:cmAuthor>
@@ -192,7 +198,7 @@
     <p:text/>
     <p:extLst>
       <p:ext uri="{C676402C-5697-4E1C-873F-D02D1690AC5C}">
-        <p15:threadingInfo xmlns:p15="http://schemas.microsoft.com/office/powerpoint/2012/main" xmlns="" timeZoneBias="-120"/>
+        <p15:threadingInfo xmlns:p15="http://schemas.microsoft.com/office/powerpoint/2012/main" timeZoneBias="-120"/>
       </p:ext>
     </p:extLst>
   </p:cm>
@@ -201,7 +207,7 @@
     <p:text/>
     <p:extLst>
       <p:ext uri="{C676402C-5697-4E1C-873F-D02D1690AC5C}">
-        <p15:threadingInfo xmlns:p15="http://schemas.microsoft.com/office/powerpoint/2012/main" xmlns="" timeZoneBias="-120"/>
+        <p15:threadingInfo xmlns:p15="http://schemas.microsoft.com/office/powerpoint/2012/main" timeZoneBias="-120"/>
       </p:ext>
     </p:extLst>
   </p:cm>
@@ -215,7 +221,7 @@
     <p:text/>
     <p:extLst>
       <p:ext uri="{C676402C-5697-4E1C-873F-D02D1690AC5C}">
-        <p15:threadingInfo xmlns:p15="http://schemas.microsoft.com/office/powerpoint/2012/main" xmlns="" timeZoneBias="-120"/>
+        <p15:threadingInfo xmlns:p15="http://schemas.microsoft.com/office/powerpoint/2012/main" timeZoneBias="-120"/>
       </p:ext>
     </p:extLst>
   </p:cm>
@@ -224,7 +230,7 @@
     <p:text/>
     <p:extLst>
       <p:ext uri="{C676402C-5697-4E1C-873F-D02D1690AC5C}">
-        <p15:threadingInfo xmlns:p15="http://schemas.microsoft.com/office/powerpoint/2012/main" xmlns="" timeZoneBias="-120"/>
+        <p15:threadingInfo xmlns:p15="http://schemas.microsoft.com/office/powerpoint/2012/main" timeZoneBias="-120"/>
       </p:ext>
     </p:extLst>
   </p:cm>
@@ -238,7 +244,7 @@
     <p:text/>
     <p:extLst>
       <p:ext uri="{C676402C-5697-4E1C-873F-D02D1690AC5C}">
-        <p15:threadingInfo xmlns:p15="http://schemas.microsoft.com/office/powerpoint/2012/main" xmlns="" timeZoneBias="-120"/>
+        <p15:threadingInfo xmlns:p15="http://schemas.microsoft.com/office/powerpoint/2012/main" timeZoneBias="-120"/>
       </p:ext>
     </p:extLst>
   </p:cm>
@@ -247,7 +253,7 @@
     <p:text/>
     <p:extLst>
       <p:ext uri="{C676402C-5697-4E1C-873F-D02D1690AC5C}">
-        <p15:threadingInfo xmlns:p15="http://schemas.microsoft.com/office/powerpoint/2012/main" xmlns="" timeZoneBias="-120"/>
+        <p15:threadingInfo xmlns:p15="http://schemas.microsoft.com/office/powerpoint/2012/main" timeZoneBias="-120"/>
       </p:ext>
     </p:extLst>
   </p:cm>
@@ -300,7 +306,7 @@
     <p:text/>
     <p:extLst>
       <p:ext uri="{C676402C-5697-4E1C-873F-D02D1690AC5C}">
-        <p15:threadingInfo xmlns:p15="http://schemas.microsoft.com/office/powerpoint/2012/main" xmlns="" timeZoneBias="-120"/>
+        <p15:threadingInfo xmlns:p15="http://schemas.microsoft.com/office/powerpoint/2012/main" timeZoneBias="-120"/>
       </p:ext>
     </p:extLst>
   </p:cm>
@@ -309,7 +315,7 @@
     <p:text/>
     <p:extLst>
       <p:ext uri="{C676402C-5697-4E1C-873F-D02D1690AC5C}">
-        <p15:threadingInfo xmlns:p15="http://schemas.microsoft.com/office/powerpoint/2012/main" xmlns="" timeZoneBias="-120"/>
+        <p15:threadingInfo xmlns:p15="http://schemas.microsoft.com/office/powerpoint/2012/main" timeZoneBias="-120"/>
       </p:ext>
     </p:extLst>
   </p:cm>
@@ -336,7 +342,7 @@
     <p:text/>
     <p:extLst>
       <p:ext uri="{C676402C-5697-4E1C-873F-D02D1690AC5C}">
-        <p15:threadingInfo xmlns:p15="http://schemas.microsoft.com/office/powerpoint/2012/main" xmlns="" timeZoneBias="-120"/>
+        <p15:threadingInfo xmlns:p15="http://schemas.microsoft.com/office/powerpoint/2012/main" timeZoneBias="-120"/>
       </p:ext>
     </p:extLst>
   </p:cm>
@@ -345,7 +351,7 @@
     <p:text/>
     <p:extLst>
       <p:ext uri="{C676402C-5697-4E1C-873F-D02D1690AC5C}">
-        <p15:threadingInfo xmlns:p15="http://schemas.microsoft.com/office/powerpoint/2012/main" xmlns="" timeZoneBias="-120"/>
+        <p15:threadingInfo xmlns:p15="http://schemas.microsoft.com/office/powerpoint/2012/main" timeZoneBias="-120"/>
       </p:ext>
     </p:extLst>
   </p:cm>
@@ -385,7 +391,7 @@
     <p:text/>
     <p:extLst>
       <p:ext uri="{C676402C-5697-4E1C-873F-D02D1690AC5C}">
-        <p15:threadingInfo xmlns:p15="http://schemas.microsoft.com/office/powerpoint/2012/main" xmlns="" timeZoneBias="-120"/>
+        <p15:threadingInfo xmlns:p15="http://schemas.microsoft.com/office/powerpoint/2012/main" timeZoneBias="-120"/>
       </p:ext>
     </p:extLst>
   </p:cm>
@@ -394,7 +400,7 @@
     <p:text/>
     <p:extLst>
       <p:ext uri="{C676402C-5697-4E1C-873F-D02D1690AC5C}">
-        <p15:threadingInfo xmlns:p15="http://schemas.microsoft.com/office/powerpoint/2012/main" xmlns="" timeZoneBias="-120"/>
+        <p15:threadingInfo xmlns:p15="http://schemas.microsoft.com/office/powerpoint/2012/main" timeZoneBias="-120"/>
       </p:ext>
     </p:extLst>
   </p:cm>
@@ -434,7 +440,7 @@
     <p:text/>
     <p:extLst>
       <p:ext uri="{C676402C-5697-4E1C-873F-D02D1690AC5C}">
-        <p15:threadingInfo xmlns:p15="http://schemas.microsoft.com/office/powerpoint/2012/main" xmlns="" timeZoneBias="-120"/>
+        <p15:threadingInfo xmlns:p15="http://schemas.microsoft.com/office/powerpoint/2012/main" timeZoneBias="-120"/>
       </p:ext>
     </p:extLst>
   </p:cm>
@@ -443,7 +449,99 @@
     <p:text/>
     <p:extLst>
       <p:ext uri="{C676402C-5697-4E1C-873F-D02D1690AC5C}">
-        <p15:threadingInfo xmlns:p15="http://schemas.microsoft.com/office/powerpoint/2012/main" xmlns="" timeZoneBias="-120"/>
+        <p15:threadingInfo xmlns:p15="http://schemas.microsoft.com/office/powerpoint/2012/main" timeZoneBias="-120"/>
+      </p:ext>
+    </p:extLst>
+  </p:cm>
+</p:cmLst>
+</file>
+
+<file path=ppt/comments/comment23.xml><?xml version="1.0" encoding="utf-8"?>
+<p:cmLst xmlns:a="http://schemas.openxmlformats.org/drawingml/2006/main" xmlns:r="http://schemas.openxmlformats.org/officeDocument/2006/relationships" xmlns:p="http://schemas.openxmlformats.org/presentationml/2006/main">
+  <p:cm authorId="1" dt="2016-05-25T01:26:32.229" idx="1">
+    <p:pos x="10" y="10"/>
+    <p:text/>
+    <p:extLst>
+      <p:ext uri="{C676402C-5697-4E1C-873F-D02D1690AC5C}">
+        <p15:threadingInfo xmlns:p15="http://schemas.microsoft.com/office/powerpoint/2012/main" timeZoneBias="-120"/>
+      </p:ext>
+    </p:extLst>
+  </p:cm>
+  <p:cm authorId="1" dt="2016-05-25T01:26:33.255" idx="2">
+    <p:pos x="106" y="106"/>
+    <p:text/>
+    <p:extLst>
+      <p:ext uri="{C676402C-5697-4E1C-873F-D02D1690AC5C}">
+        <p15:threadingInfo xmlns:p15="http://schemas.microsoft.com/office/powerpoint/2012/main" timeZoneBias="-120"/>
+      </p:ext>
+    </p:extLst>
+  </p:cm>
+</p:cmLst>
+</file>
+
+<file path=ppt/comments/comment24.xml><?xml version="1.0" encoding="utf-8"?>
+<p:cmLst xmlns:a="http://schemas.openxmlformats.org/drawingml/2006/main" xmlns:r="http://schemas.openxmlformats.org/officeDocument/2006/relationships" xmlns:p="http://schemas.openxmlformats.org/presentationml/2006/main">
+  <p:cm authorId="1" dt="2016-05-25T01:26:32.229" idx="1">
+    <p:pos x="10" y="10"/>
+    <p:text/>
+    <p:extLst>
+      <p:ext uri="{C676402C-5697-4E1C-873F-D02D1690AC5C}">
+        <p15:threadingInfo xmlns:p15="http://schemas.microsoft.com/office/powerpoint/2012/main" timeZoneBias="-120"/>
+      </p:ext>
+    </p:extLst>
+  </p:cm>
+  <p:cm authorId="1" dt="2016-05-25T01:26:33.255" idx="2">
+    <p:pos x="106" y="106"/>
+    <p:text/>
+    <p:extLst>
+      <p:ext uri="{C676402C-5697-4E1C-873F-D02D1690AC5C}">
+        <p15:threadingInfo xmlns:p15="http://schemas.microsoft.com/office/powerpoint/2012/main" timeZoneBias="-120"/>
+      </p:ext>
+    </p:extLst>
+  </p:cm>
+</p:cmLst>
+</file>
+
+<file path=ppt/comments/comment25.xml><?xml version="1.0" encoding="utf-8"?>
+<p:cmLst xmlns:a="http://schemas.openxmlformats.org/drawingml/2006/main" xmlns:r="http://schemas.openxmlformats.org/officeDocument/2006/relationships" xmlns:p="http://schemas.openxmlformats.org/presentationml/2006/main">
+  <p:cm authorId="1" dt="2016-05-25T01:26:32.229" idx="1">
+    <p:pos x="10" y="10"/>
+    <p:text/>
+    <p:extLst>
+      <p:ext uri="{C676402C-5697-4E1C-873F-D02D1690AC5C}">
+        <p15:threadingInfo xmlns:p15="http://schemas.microsoft.com/office/powerpoint/2012/main" timeZoneBias="-120"/>
+      </p:ext>
+    </p:extLst>
+  </p:cm>
+  <p:cm authorId="1" dt="2016-05-25T01:26:33.255" idx="2">
+    <p:pos x="106" y="106"/>
+    <p:text/>
+    <p:extLst>
+      <p:ext uri="{C676402C-5697-4E1C-873F-D02D1690AC5C}">
+        <p15:threadingInfo xmlns:p15="http://schemas.microsoft.com/office/powerpoint/2012/main" timeZoneBias="-120"/>
+      </p:ext>
+    </p:extLst>
+  </p:cm>
+</p:cmLst>
+</file>
+
+<file path=ppt/comments/comment26.xml><?xml version="1.0" encoding="utf-8"?>
+<p:cmLst xmlns:a="http://schemas.openxmlformats.org/drawingml/2006/main" xmlns:r="http://schemas.openxmlformats.org/officeDocument/2006/relationships" xmlns:p="http://schemas.openxmlformats.org/presentationml/2006/main">
+  <p:cm authorId="1" dt="2016-05-25T01:26:32.229" idx="1">
+    <p:pos x="10" y="10"/>
+    <p:text/>
+    <p:extLst>
+      <p:ext uri="{C676402C-5697-4E1C-873F-D02D1690AC5C}">
+        <p15:threadingInfo xmlns:p15="http://schemas.microsoft.com/office/powerpoint/2012/main" timeZoneBias="-120"/>
+      </p:ext>
+    </p:extLst>
+  </p:cm>
+  <p:cm authorId="1" dt="2016-05-25T01:26:33.255" idx="2">
+    <p:pos x="106" y="106"/>
+    <p:text/>
+    <p:extLst>
+      <p:ext uri="{C676402C-5697-4E1C-873F-D02D1690AC5C}">
+        <p15:threadingInfo xmlns:p15="http://schemas.microsoft.com/office/powerpoint/2012/main" timeZoneBias="-120"/>
       </p:ext>
     </p:extLst>
   </p:cm>
@@ -457,7 +555,7 @@
     <p:text/>
     <p:extLst>
       <p:ext uri="{C676402C-5697-4E1C-873F-D02D1690AC5C}">
-        <p15:threadingInfo xmlns:p15="http://schemas.microsoft.com/office/powerpoint/2012/main" xmlns="" timeZoneBias="-120"/>
+        <p15:threadingInfo xmlns:p15="http://schemas.microsoft.com/office/powerpoint/2012/main" timeZoneBias="-120"/>
       </p:ext>
     </p:extLst>
   </p:cm>
@@ -466,7 +564,7 @@
     <p:text/>
     <p:extLst>
       <p:ext uri="{C676402C-5697-4E1C-873F-D02D1690AC5C}">
-        <p15:threadingInfo xmlns:p15="http://schemas.microsoft.com/office/powerpoint/2012/main" xmlns="" timeZoneBias="-120"/>
+        <p15:threadingInfo xmlns:p15="http://schemas.microsoft.com/office/powerpoint/2012/main" timeZoneBias="-120"/>
       </p:ext>
     </p:extLst>
   </p:cm>
@@ -493,7 +591,7 @@
     <p:text/>
     <p:extLst>
       <p:ext uri="{C676402C-5697-4E1C-873F-D02D1690AC5C}">
-        <p15:threadingInfo xmlns:p15="http://schemas.microsoft.com/office/powerpoint/2012/main" xmlns="" timeZoneBias="-120"/>
+        <p15:threadingInfo xmlns:p15="http://schemas.microsoft.com/office/powerpoint/2012/main" timeZoneBias="-120"/>
       </p:ext>
     </p:extLst>
   </p:cm>
@@ -502,7 +600,7 @@
     <p:text/>
     <p:extLst>
       <p:ext uri="{C676402C-5697-4E1C-873F-D02D1690AC5C}">
-        <p15:threadingInfo xmlns:p15="http://schemas.microsoft.com/office/powerpoint/2012/main" xmlns="" timeZoneBias="-120"/>
+        <p15:threadingInfo xmlns:p15="http://schemas.microsoft.com/office/powerpoint/2012/main" timeZoneBias="-120"/>
       </p:ext>
     </p:extLst>
   </p:cm>
@@ -529,7 +627,7 @@
     <p:text/>
     <p:extLst>
       <p:ext uri="{C676402C-5697-4E1C-873F-D02D1690AC5C}">
-        <p15:threadingInfo xmlns:p15="http://schemas.microsoft.com/office/powerpoint/2012/main" xmlns="" timeZoneBias="-120"/>
+        <p15:threadingInfo xmlns:p15="http://schemas.microsoft.com/office/powerpoint/2012/main" timeZoneBias="-120"/>
       </p:ext>
     </p:extLst>
   </p:cm>
@@ -538,7 +636,7 @@
     <p:text/>
     <p:extLst>
       <p:ext uri="{C676402C-5697-4E1C-873F-D02D1690AC5C}">
-        <p15:threadingInfo xmlns:p15="http://schemas.microsoft.com/office/powerpoint/2012/main" xmlns="" timeZoneBias="-120"/>
+        <p15:threadingInfo xmlns:p15="http://schemas.microsoft.com/office/powerpoint/2012/main" timeZoneBias="-120"/>
       </p:ext>
     </p:extLst>
   </p:cm>
@@ -552,7 +650,7 @@
     <p:text/>
     <p:extLst>
       <p:ext uri="{C676402C-5697-4E1C-873F-D02D1690AC5C}">
-        <p15:threadingInfo xmlns:p15="http://schemas.microsoft.com/office/powerpoint/2012/main" xmlns="" timeZoneBias="-120"/>
+        <p15:threadingInfo xmlns:p15="http://schemas.microsoft.com/office/powerpoint/2012/main" timeZoneBias="-120"/>
       </p:ext>
     </p:extLst>
   </p:cm>
@@ -561,7 +659,7 @@
     <p:text/>
     <p:extLst>
       <p:ext uri="{C676402C-5697-4E1C-873F-D02D1690AC5C}">
-        <p15:threadingInfo xmlns:p15="http://schemas.microsoft.com/office/powerpoint/2012/main" xmlns="" timeZoneBias="-120"/>
+        <p15:threadingInfo xmlns:p15="http://schemas.microsoft.com/office/powerpoint/2012/main" timeZoneBias="-120"/>
       </p:ext>
     </p:extLst>
   </p:cm>
@@ -575,7 +673,7 @@
     <p:text/>
     <p:extLst>
       <p:ext uri="{C676402C-5697-4E1C-873F-D02D1690AC5C}">
-        <p15:threadingInfo xmlns:p15="http://schemas.microsoft.com/office/powerpoint/2012/main" xmlns="" timeZoneBias="-120"/>
+        <p15:threadingInfo xmlns:p15="http://schemas.microsoft.com/office/powerpoint/2012/main" timeZoneBias="-120"/>
       </p:ext>
     </p:extLst>
   </p:cm>
@@ -584,7 +682,7 @@
     <p:text/>
     <p:extLst>
       <p:ext uri="{C676402C-5697-4E1C-873F-D02D1690AC5C}">
-        <p15:threadingInfo xmlns:p15="http://schemas.microsoft.com/office/powerpoint/2012/main" xmlns="" timeZoneBias="-120"/>
+        <p15:threadingInfo xmlns:p15="http://schemas.microsoft.com/office/powerpoint/2012/main" timeZoneBias="-120"/>
       </p:ext>
     </p:extLst>
   </p:cm>
@@ -674,7 +772,7 @@
             <a:fld id="{A255C5BB-DF46-4EC0-870A-A373002A9AFF}" type="datetimeFigureOut">
               <a:rPr lang="it-IT" smtClean="0"/>
               <a:pPr/>
-              <a:t>19/07/2016</a:t>
+              <a:t>30/07/2016</a:t>
             </a:fld>
             <a:endParaRPr lang="it-IT"/>
           </a:p>
@@ -845,7 +943,7 @@
     </p:spTree>
     <p:extLst>
       <p:ext uri="{BB962C8B-B14F-4D97-AF65-F5344CB8AC3E}">
-        <p14:creationId xmlns:p14="http://schemas.microsoft.com/office/powerpoint/2010/main" xmlns="" val="650630372"/>
+        <p14:creationId xmlns:p14="http://schemas.microsoft.com/office/powerpoint/2010/main" val="650630372"/>
       </p:ext>
     </p:extLst>
   </p:cSld>
@@ -1022,7 +1120,7 @@
     </p:spTree>
     <p:extLst>
       <p:ext uri="{BB962C8B-B14F-4D97-AF65-F5344CB8AC3E}">
-        <p14:creationId xmlns:p14="http://schemas.microsoft.com/office/powerpoint/2010/main" xmlns="" val="1493373134"/>
+        <p14:creationId xmlns:p14="http://schemas.microsoft.com/office/powerpoint/2010/main" val="1493373134"/>
       </p:ext>
     </p:extLst>
   </p:cSld>
@@ -1109,7 +1207,7 @@
     </p:spTree>
     <p:extLst>
       <p:ext uri="{BB962C8B-B14F-4D97-AF65-F5344CB8AC3E}">
-        <p14:creationId xmlns:p14="http://schemas.microsoft.com/office/powerpoint/2010/main" xmlns="" val="3362151906"/>
+        <p14:creationId xmlns:p14="http://schemas.microsoft.com/office/powerpoint/2010/main" val="3362151906"/>
       </p:ext>
     </p:extLst>
   </p:cSld>
@@ -1196,7 +1294,7 @@
     </p:spTree>
     <p:extLst>
       <p:ext uri="{BB962C8B-B14F-4D97-AF65-F5344CB8AC3E}">
-        <p14:creationId xmlns:p14="http://schemas.microsoft.com/office/powerpoint/2010/main" xmlns="" val="1180808390"/>
+        <p14:creationId xmlns:p14="http://schemas.microsoft.com/office/powerpoint/2010/main" val="1180808390"/>
       </p:ext>
     </p:extLst>
   </p:cSld>
@@ -1283,7 +1381,7 @@
     </p:spTree>
     <p:extLst>
       <p:ext uri="{BB962C8B-B14F-4D97-AF65-F5344CB8AC3E}">
-        <p14:creationId xmlns:p14="http://schemas.microsoft.com/office/powerpoint/2010/main" xmlns="" val="1289830501"/>
+        <p14:creationId xmlns:p14="http://schemas.microsoft.com/office/powerpoint/2010/main" val="1289830501"/>
       </p:ext>
     </p:extLst>
   </p:cSld>
@@ -1370,7 +1468,7 @@
     </p:spTree>
     <p:extLst>
       <p:ext uri="{BB962C8B-B14F-4D97-AF65-F5344CB8AC3E}">
-        <p14:creationId xmlns:p14="http://schemas.microsoft.com/office/powerpoint/2010/main" xmlns="" val="2556934821"/>
+        <p14:creationId xmlns:p14="http://schemas.microsoft.com/office/powerpoint/2010/main" val="2556934821"/>
       </p:ext>
     </p:extLst>
   </p:cSld>
@@ -1421,17 +1519,11 @@
         </p:nvSpPr>
         <p:spPr/>
         <p:txBody>
-          <a:bodyPr/>
+          <a:bodyPr>
+            <a:normAutofit/>
+          </a:bodyPr>
           <a:lstStyle/>
           <a:p>
-            <a:r>
-              <a:rPr lang="it-IT" dirty="0" smtClean="0"/>
-              <a:t>Con i</a:t>
-            </a:r>
-            <a:r>
-              <a:rPr lang="it-IT" baseline="0" dirty="0" smtClean="0"/>
-              <a:t> tre tipi di input fai tutti e tre i test live</a:t>
-            </a:r>
             <a:endParaRPr lang="it-IT" dirty="0"/>
           </a:p>
         </p:txBody>
@@ -1463,7 +1555,187 @@
     </p:spTree>
     <p:extLst>
       <p:ext uri="{BB962C8B-B14F-4D97-AF65-F5344CB8AC3E}">
-        <p14:creationId xmlns:p14="http://schemas.microsoft.com/office/powerpoint/2010/main" xmlns="" val="3303985320"/>
+        <p14:creationId xmlns:p14="http://schemas.microsoft.com/office/powerpoint/2010/main" val="4030626913"/>
+      </p:ext>
+    </p:extLst>
+  </p:cSld>
+  <p:clrMapOvr>
+    <a:masterClrMapping/>
+  </p:clrMapOvr>
+</p:notes>
+</file>
+
+<file path=ppt/notesSlides/notesSlide15.xml><?xml version="1.0" encoding="utf-8"?>
+<p:notes xmlns:a="http://schemas.openxmlformats.org/drawingml/2006/main" xmlns:r="http://schemas.openxmlformats.org/officeDocument/2006/relationships" xmlns:p="http://schemas.openxmlformats.org/presentationml/2006/main">
+  <p:cSld>
+    <p:spTree>
+      <p:nvGrpSpPr>
+        <p:cNvPr id="1" name=""/>
+        <p:cNvGrpSpPr/>
+        <p:nvPr/>
+      </p:nvGrpSpPr>
+      <p:grpSpPr>
+        <a:xfrm>
+          <a:off x="0" y="0"/>
+          <a:ext cx="0" cy="0"/>
+          <a:chOff x="0" y="0"/>
+          <a:chExt cx="0" cy="0"/>
+        </a:xfrm>
+      </p:grpSpPr>
+      <p:sp>
+        <p:nvSpPr>
+          <p:cNvPr id="2" name="Segnaposto immagine diapositiva 1"/>
+          <p:cNvSpPr>
+            <a:spLocks noGrp="1" noRot="1" noChangeAspect="1"/>
+          </p:cNvSpPr>
+          <p:nvPr>
+            <p:ph type="sldImg"/>
+          </p:nvPr>
+        </p:nvSpPr>
+        <p:spPr/>
+      </p:sp>
+      <p:sp>
+        <p:nvSpPr>
+          <p:cNvPr id="3" name="Segnaposto note 2"/>
+          <p:cNvSpPr>
+            <a:spLocks noGrp="1"/>
+          </p:cNvSpPr>
+          <p:nvPr>
+            <p:ph type="body" idx="1"/>
+          </p:nvPr>
+        </p:nvSpPr>
+        <p:spPr/>
+        <p:txBody>
+          <a:bodyPr>
+            <a:normAutofit/>
+          </a:bodyPr>
+          <a:lstStyle/>
+          <a:p>
+            <a:endParaRPr lang="it-IT" dirty="0"/>
+          </a:p>
+        </p:txBody>
+      </p:sp>
+      <p:sp>
+        <p:nvSpPr>
+          <p:cNvPr id="4" name="Segnaposto numero diapositiva 3"/>
+          <p:cNvSpPr>
+            <a:spLocks noGrp="1"/>
+          </p:cNvSpPr>
+          <p:nvPr>
+            <p:ph type="sldNum" sz="quarter" idx="10"/>
+          </p:nvPr>
+        </p:nvSpPr>
+        <p:spPr/>
+        <p:txBody>
+          <a:bodyPr/>
+          <a:lstStyle/>
+          <a:p>
+            <a:fld id="{7758B646-FDF7-4CF1-8E1D-DFBF11E39D61}" type="slidenum">
+              <a:rPr lang="it-IT" smtClean="0"/>
+              <a:pPr/>
+              <a:t>33</a:t>
+            </a:fld>
+            <a:endParaRPr lang="it-IT"/>
+          </a:p>
+        </p:txBody>
+      </p:sp>
+    </p:spTree>
+    <p:extLst>
+      <p:ext uri="{BB962C8B-B14F-4D97-AF65-F5344CB8AC3E}">
+        <p14:creationId xmlns:p14="http://schemas.microsoft.com/office/powerpoint/2010/main" val="3961674019"/>
+      </p:ext>
+    </p:extLst>
+  </p:cSld>
+  <p:clrMapOvr>
+    <a:masterClrMapping/>
+  </p:clrMapOvr>
+</p:notes>
+</file>
+
+<file path=ppt/notesSlides/notesSlide16.xml><?xml version="1.0" encoding="utf-8"?>
+<p:notes xmlns:a="http://schemas.openxmlformats.org/drawingml/2006/main" xmlns:r="http://schemas.openxmlformats.org/officeDocument/2006/relationships" xmlns:p="http://schemas.openxmlformats.org/presentationml/2006/main">
+  <p:cSld>
+    <p:spTree>
+      <p:nvGrpSpPr>
+        <p:cNvPr id="1" name=""/>
+        <p:cNvGrpSpPr/>
+        <p:nvPr/>
+      </p:nvGrpSpPr>
+      <p:grpSpPr>
+        <a:xfrm>
+          <a:off x="0" y="0"/>
+          <a:ext cx="0" cy="0"/>
+          <a:chOff x="0" y="0"/>
+          <a:chExt cx="0" cy="0"/>
+        </a:xfrm>
+      </p:grpSpPr>
+      <p:sp>
+        <p:nvSpPr>
+          <p:cNvPr id="2" name="Segnaposto immagine diapositiva 1"/>
+          <p:cNvSpPr>
+            <a:spLocks noGrp="1" noRot="1" noChangeAspect="1"/>
+          </p:cNvSpPr>
+          <p:nvPr>
+            <p:ph type="sldImg"/>
+          </p:nvPr>
+        </p:nvSpPr>
+        <p:spPr/>
+      </p:sp>
+      <p:sp>
+        <p:nvSpPr>
+          <p:cNvPr id="3" name="Segnaposto note 2"/>
+          <p:cNvSpPr>
+            <a:spLocks noGrp="1"/>
+          </p:cNvSpPr>
+          <p:nvPr>
+            <p:ph type="body" idx="1"/>
+          </p:nvPr>
+        </p:nvSpPr>
+        <p:spPr/>
+        <p:txBody>
+          <a:bodyPr/>
+          <a:lstStyle/>
+          <a:p>
+            <a:r>
+              <a:rPr lang="it-IT" dirty="0" smtClean="0"/>
+              <a:t>Con i</a:t>
+            </a:r>
+            <a:r>
+              <a:rPr lang="it-IT" baseline="0" dirty="0" smtClean="0"/>
+              <a:t> tre tipi di input fai tutti e tre i test live</a:t>
+            </a:r>
+            <a:endParaRPr lang="it-IT" dirty="0"/>
+          </a:p>
+        </p:txBody>
+      </p:sp>
+      <p:sp>
+        <p:nvSpPr>
+          <p:cNvPr id="4" name="Segnaposto numero diapositiva 3"/>
+          <p:cNvSpPr>
+            <a:spLocks noGrp="1"/>
+          </p:cNvSpPr>
+          <p:nvPr>
+            <p:ph type="sldNum" sz="quarter" idx="10"/>
+          </p:nvPr>
+        </p:nvSpPr>
+        <p:spPr/>
+        <p:txBody>
+          <a:bodyPr/>
+          <a:lstStyle/>
+          <a:p>
+            <a:fld id="{7758B646-FDF7-4CF1-8E1D-DFBF11E39D61}" type="slidenum">
+              <a:rPr lang="it-IT" smtClean="0"/>
+              <a:pPr/>
+              <a:t>34</a:t>
+            </a:fld>
+            <a:endParaRPr lang="it-IT"/>
+          </a:p>
+        </p:txBody>
+      </p:sp>
+    </p:spTree>
+    <p:extLst>
+      <p:ext uri="{BB962C8B-B14F-4D97-AF65-F5344CB8AC3E}">
+        <p14:creationId xmlns:p14="http://schemas.microsoft.com/office/powerpoint/2010/main" val="3303985320"/>
       </p:ext>
     </p:extLst>
   </p:cSld>
@@ -1665,7 +1937,7 @@
     </p:spTree>
     <p:extLst>
       <p:ext uri="{BB962C8B-B14F-4D97-AF65-F5344CB8AC3E}">
-        <p14:creationId xmlns:p14="http://schemas.microsoft.com/office/powerpoint/2010/main" xmlns="" val="2566373566"/>
+        <p14:creationId xmlns:p14="http://schemas.microsoft.com/office/powerpoint/2010/main" val="2566373566"/>
       </p:ext>
     </p:extLst>
   </p:cSld>
@@ -1755,7 +2027,7 @@
     </p:spTree>
     <p:extLst>
       <p:ext uri="{BB962C8B-B14F-4D97-AF65-F5344CB8AC3E}">
-        <p14:creationId xmlns:p14="http://schemas.microsoft.com/office/powerpoint/2010/main" xmlns="" val="3864048904"/>
+        <p14:creationId xmlns:p14="http://schemas.microsoft.com/office/powerpoint/2010/main" val="3864048904"/>
       </p:ext>
     </p:extLst>
   </p:cSld>
@@ -1870,7 +2142,7 @@
     </p:spTree>
     <p:extLst>
       <p:ext uri="{BB962C8B-B14F-4D97-AF65-F5344CB8AC3E}">
-        <p14:creationId xmlns:p14="http://schemas.microsoft.com/office/powerpoint/2010/main" xmlns="" val="1340662249"/>
+        <p14:creationId xmlns:p14="http://schemas.microsoft.com/office/powerpoint/2010/main" val="1340662249"/>
       </p:ext>
     </p:extLst>
   </p:cSld>
@@ -1958,7 +2230,7 @@
     </p:spTree>
     <p:extLst>
       <p:ext uri="{BB962C8B-B14F-4D97-AF65-F5344CB8AC3E}">
-        <p14:creationId xmlns:p14="http://schemas.microsoft.com/office/powerpoint/2010/main" xmlns="" val="2039818474"/>
+        <p14:creationId xmlns:p14="http://schemas.microsoft.com/office/powerpoint/2010/main" val="2039818474"/>
       </p:ext>
     </p:extLst>
   </p:cSld>
@@ -2045,7 +2317,7 @@
     </p:spTree>
     <p:extLst>
       <p:ext uri="{BB962C8B-B14F-4D97-AF65-F5344CB8AC3E}">
-        <p14:creationId xmlns:p14="http://schemas.microsoft.com/office/powerpoint/2010/main" xmlns="" val="62535827"/>
+        <p14:creationId xmlns:p14="http://schemas.microsoft.com/office/powerpoint/2010/main" val="62535827"/>
       </p:ext>
     </p:extLst>
   </p:cSld>
@@ -2205,7 +2477,7 @@
     </p:spTree>
     <p:extLst>
       <p:ext uri="{BB962C8B-B14F-4D97-AF65-F5344CB8AC3E}">
-        <p14:creationId xmlns:p14="http://schemas.microsoft.com/office/powerpoint/2010/main" xmlns="" val="866599220"/>
+        <p14:creationId xmlns:p14="http://schemas.microsoft.com/office/powerpoint/2010/main" val="866599220"/>
       </p:ext>
     </p:extLst>
   </p:cSld>
@@ -2304,7 +2576,7 @@
     </p:spTree>
     <p:extLst>
       <p:ext uri="{BB962C8B-B14F-4D97-AF65-F5344CB8AC3E}">
-        <p14:creationId xmlns:p14="http://schemas.microsoft.com/office/powerpoint/2010/main" xmlns="" val="1967474803"/>
+        <p14:creationId xmlns:p14="http://schemas.microsoft.com/office/powerpoint/2010/main" val="1967474803"/>
       </p:ext>
     </p:extLst>
   </p:cSld>
@@ -2391,7 +2663,7 @@
     </p:spTree>
     <p:extLst>
       <p:ext uri="{BB962C8B-B14F-4D97-AF65-F5344CB8AC3E}">
-        <p14:creationId xmlns:p14="http://schemas.microsoft.com/office/powerpoint/2010/main" xmlns="" val="2689595240"/>
+        <p14:creationId xmlns:p14="http://schemas.microsoft.com/office/powerpoint/2010/main" val="2689595240"/>
       </p:ext>
     </p:extLst>
   </p:cSld>
@@ -2533,7 +2805,7 @@
             <a:fld id="{8205E794-A549-463B-B7B3-711DAAF83CCF}" type="datetimeFigureOut">
               <a:rPr lang="it-IT" smtClean="0"/>
               <a:pPr/>
-              <a:t>19/07/2016</a:t>
+              <a:t>30/07/2016</a:t>
             </a:fld>
             <a:endParaRPr lang="it-IT"/>
           </a:p>
@@ -2585,7 +2857,7 @@
     </p:spTree>
     <p:extLst>
       <p:ext uri="{BB962C8B-B14F-4D97-AF65-F5344CB8AC3E}">
-        <p14:creationId xmlns:p14="http://schemas.microsoft.com/office/powerpoint/2010/main" xmlns="" val="2467898897"/>
+        <p14:creationId xmlns:p14="http://schemas.microsoft.com/office/powerpoint/2010/main" val="2467898897"/>
       </p:ext>
     </p:extLst>
   </p:cSld>
@@ -2705,7 +2977,7 @@
             <a:fld id="{8205E794-A549-463B-B7B3-711DAAF83CCF}" type="datetimeFigureOut">
               <a:rPr lang="it-IT" smtClean="0"/>
               <a:pPr/>
-              <a:t>19/07/2016</a:t>
+              <a:t>30/07/2016</a:t>
             </a:fld>
             <a:endParaRPr lang="it-IT"/>
           </a:p>
@@ -2757,7 +3029,7 @@
     </p:spTree>
     <p:extLst>
       <p:ext uri="{BB962C8B-B14F-4D97-AF65-F5344CB8AC3E}">
-        <p14:creationId xmlns:p14="http://schemas.microsoft.com/office/powerpoint/2010/main" xmlns="" val="1226489116"/>
+        <p14:creationId xmlns:p14="http://schemas.microsoft.com/office/powerpoint/2010/main" val="1226489116"/>
       </p:ext>
     </p:extLst>
   </p:cSld>
@@ -2887,7 +3159,7 @@
             <a:fld id="{8205E794-A549-463B-B7B3-711DAAF83CCF}" type="datetimeFigureOut">
               <a:rPr lang="it-IT" smtClean="0"/>
               <a:pPr/>
-              <a:t>19/07/2016</a:t>
+              <a:t>30/07/2016</a:t>
             </a:fld>
             <a:endParaRPr lang="it-IT"/>
           </a:p>
@@ -2939,7 +3211,7 @@
     </p:spTree>
     <p:extLst>
       <p:ext uri="{BB962C8B-B14F-4D97-AF65-F5344CB8AC3E}">
-        <p14:creationId xmlns:p14="http://schemas.microsoft.com/office/powerpoint/2010/main" xmlns="" val="202761330"/>
+        <p14:creationId xmlns:p14="http://schemas.microsoft.com/office/powerpoint/2010/main" val="202761330"/>
       </p:ext>
     </p:extLst>
   </p:cSld>
@@ -3059,7 +3331,7 @@
             <a:fld id="{8205E794-A549-463B-B7B3-711DAAF83CCF}" type="datetimeFigureOut">
               <a:rPr lang="it-IT" smtClean="0"/>
               <a:pPr/>
-              <a:t>19/07/2016</a:t>
+              <a:t>30/07/2016</a:t>
             </a:fld>
             <a:endParaRPr lang="it-IT"/>
           </a:p>
@@ -3120,7 +3392,7 @@
           <a:blip r:embed="rId2" cstate="print">
             <a:extLst>
               <a:ext uri="{28A0092B-C50C-407E-A947-70E740481C1C}">
-                <a14:useLocalDpi xmlns:a14="http://schemas.microsoft.com/office/drawing/2010/main" xmlns="" val="0"/>
+                <a14:useLocalDpi xmlns:a14="http://schemas.microsoft.com/office/drawing/2010/main" val="0"/>
               </a:ext>
             </a:extLst>
           </a:blip>
@@ -3141,7 +3413,7 @@
     </p:spTree>
     <p:extLst>
       <p:ext uri="{BB962C8B-B14F-4D97-AF65-F5344CB8AC3E}">
-        <p14:creationId xmlns:p14="http://schemas.microsoft.com/office/powerpoint/2010/main" xmlns="" val="2280935655"/>
+        <p14:creationId xmlns:p14="http://schemas.microsoft.com/office/powerpoint/2010/main" val="2280935655"/>
       </p:ext>
     </p:extLst>
   </p:cSld>
@@ -3337,7 +3609,7 @@
             <a:fld id="{8205E794-A549-463B-B7B3-711DAAF83CCF}" type="datetimeFigureOut">
               <a:rPr lang="it-IT" smtClean="0"/>
               <a:pPr/>
-              <a:t>19/07/2016</a:t>
+              <a:t>30/07/2016</a:t>
             </a:fld>
             <a:endParaRPr lang="it-IT"/>
           </a:p>
@@ -3389,7 +3661,7 @@
     </p:spTree>
     <p:extLst>
       <p:ext uri="{BB962C8B-B14F-4D97-AF65-F5344CB8AC3E}">
-        <p14:creationId xmlns:p14="http://schemas.microsoft.com/office/powerpoint/2010/main" xmlns="" val="2347033222"/>
+        <p14:creationId xmlns:p14="http://schemas.microsoft.com/office/powerpoint/2010/main" val="2347033222"/>
       </p:ext>
     </p:extLst>
   </p:cSld>
@@ -3571,7 +3843,7 @@
             <a:fld id="{8205E794-A549-463B-B7B3-711DAAF83CCF}" type="datetimeFigureOut">
               <a:rPr lang="it-IT" smtClean="0"/>
               <a:pPr/>
-              <a:t>19/07/2016</a:t>
+              <a:t>30/07/2016</a:t>
             </a:fld>
             <a:endParaRPr lang="it-IT"/>
           </a:p>
@@ -3623,7 +3895,7 @@
     </p:spTree>
     <p:extLst>
       <p:ext uri="{BB962C8B-B14F-4D97-AF65-F5344CB8AC3E}">
-        <p14:creationId xmlns:p14="http://schemas.microsoft.com/office/powerpoint/2010/main" xmlns="" val="3375851038"/>
+        <p14:creationId xmlns:p14="http://schemas.microsoft.com/office/powerpoint/2010/main" val="3375851038"/>
       </p:ext>
     </p:extLst>
   </p:cSld>
@@ -3940,7 +4212,7 @@
             <a:fld id="{8205E794-A549-463B-B7B3-711DAAF83CCF}" type="datetimeFigureOut">
               <a:rPr lang="it-IT" smtClean="0"/>
               <a:pPr/>
-              <a:t>19/07/2016</a:t>
+              <a:t>30/07/2016</a:t>
             </a:fld>
             <a:endParaRPr lang="it-IT"/>
           </a:p>
@@ -3992,7 +4264,7 @@
     </p:spTree>
     <p:extLst>
       <p:ext uri="{BB962C8B-B14F-4D97-AF65-F5344CB8AC3E}">
-        <p14:creationId xmlns:p14="http://schemas.microsoft.com/office/powerpoint/2010/main" xmlns="" val="4034434462"/>
+        <p14:creationId xmlns:p14="http://schemas.microsoft.com/office/powerpoint/2010/main" val="4034434462"/>
       </p:ext>
     </p:extLst>
   </p:cSld>
@@ -4060,7 +4332,7 @@
             <a:fld id="{8205E794-A549-463B-B7B3-711DAAF83CCF}" type="datetimeFigureOut">
               <a:rPr lang="it-IT" smtClean="0"/>
               <a:pPr/>
-              <a:t>19/07/2016</a:t>
+              <a:t>30/07/2016</a:t>
             </a:fld>
             <a:endParaRPr lang="it-IT"/>
           </a:p>
@@ -4112,7 +4384,7 @@
     </p:spTree>
     <p:extLst>
       <p:ext uri="{BB962C8B-B14F-4D97-AF65-F5344CB8AC3E}">
-        <p14:creationId xmlns:p14="http://schemas.microsoft.com/office/powerpoint/2010/main" xmlns="" val="3749792400"/>
+        <p14:creationId xmlns:p14="http://schemas.microsoft.com/office/powerpoint/2010/main" val="3749792400"/>
       </p:ext>
     </p:extLst>
   </p:cSld>
@@ -4157,7 +4429,7 @@
             <a:fld id="{8205E794-A549-463B-B7B3-711DAAF83CCF}" type="datetimeFigureOut">
               <a:rPr lang="it-IT" smtClean="0"/>
               <a:pPr/>
-              <a:t>19/07/2016</a:t>
+              <a:t>30/07/2016</a:t>
             </a:fld>
             <a:endParaRPr lang="it-IT"/>
           </a:p>
@@ -4209,7 +4481,7 @@
     </p:spTree>
     <p:extLst>
       <p:ext uri="{BB962C8B-B14F-4D97-AF65-F5344CB8AC3E}">
-        <p14:creationId xmlns:p14="http://schemas.microsoft.com/office/powerpoint/2010/main" xmlns="" val="4169612450"/>
+        <p14:creationId xmlns:p14="http://schemas.microsoft.com/office/powerpoint/2010/main" val="4169612450"/>
       </p:ext>
     </p:extLst>
   </p:cSld>
@@ -4436,7 +4708,7 @@
             <a:fld id="{8205E794-A549-463B-B7B3-711DAAF83CCF}" type="datetimeFigureOut">
               <a:rPr lang="it-IT" smtClean="0"/>
               <a:pPr/>
-              <a:t>19/07/2016</a:t>
+              <a:t>30/07/2016</a:t>
             </a:fld>
             <a:endParaRPr lang="it-IT"/>
           </a:p>
@@ -4488,7 +4760,7 @@
     </p:spTree>
     <p:extLst>
       <p:ext uri="{BB962C8B-B14F-4D97-AF65-F5344CB8AC3E}">
-        <p14:creationId xmlns:p14="http://schemas.microsoft.com/office/powerpoint/2010/main" xmlns="" val="4052208649"/>
+        <p14:creationId xmlns:p14="http://schemas.microsoft.com/office/powerpoint/2010/main" val="4052208649"/>
       </p:ext>
     </p:extLst>
   </p:cSld>
@@ -4691,7 +4963,7 @@
             <a:fld id="{8205E794-A549-463B-B7B3-711DAAF83CCF}" type="datetimeFigureOut">
               <a:rPr lang="it-IT" smtClean="0"/>
               <a:pPr/>
-              <a:t>19/07/2016</a:t>
+              <a:t>30/07/2016</a:t>
             </a:fld>
             <a:endParaRPr lang="it-IT"/>
           </a:p>
@@ -4743,7 +5015,7 @@
     </p:spTree>
     <p:extLst>
       <p:ext uri="{BB962C8B-B14F-4D97-AF65-F5344CB8AC3E}">
-        <p14:creationId xmlns:p14="http://schemas.microsoft.com/office/powerpoint/2010/main" xmlns="" val="219685599"/>
+        <p14:creationId xmlns:p14="http://schemas.microsoft.com/office/powerpoint/2010/main" val="219685599"/>
       </p:ext>
     </p:extLst>
   </p:cSld>
@@ -4906,7 +5178,7 @@
             <a:fld id="{8205E794-A549-463B-B7B3-711DAAF83CCF}" type="datetimeFigureOut">
               <a:rPr lang="it-IT" smtClean="0"/>
               <a:pPr/>
-              <a:t>19/07/2016</a:t>
+              <a:t>30/07/2016</a:t>
             </a:fld>
             <a:endParaRPr lang="it-IT"/>
           </a:p>
@@ -4994,7 +5266,7 @@
     </p:spTree>
     <p:extLst>
       <p:ext uri="{BB962C8B-B14F-4D97-AF65-F5344CB8AC3E}">
-        <p14:creationId xmlns:p14="http://schemas.microsoft.com/office/powerpoint/2010/main" xmlns="" val="3099137687"/>
+        <p14:creationId xmlns:p14="http://schemas.microsoft.com/office/powerpoint/2010/main" val="3099137687"/>
       </p:ext>
     </p:extLst>
   </p:cSld>
@@ -5373,7 +5645,7 @@
             <a:blip r:embed="rId2" cstate="print">
               <a:extLst>
                 <a:ext uri="{28A0092B-C50C-407E-A947-70E740481C1C}">
-                  <a14:useLocalDpi xmlns:a14="http://schemas.microsoft.com/office/drawing/2010/main" xmlns="" val="0"/>
+                  <a14:useLocalDpi xmlns:a14="http://schemas.microsoft.com/office/drawing/2010/main" val="0"/>
                 </a:ext>
               </a:extLst>
             </a:blip>
@@ -5403,7 +5675,7 @@
             <a:blip r:embed="rId3" cstate="print">
               <a:extLst>
                 <a:ext uri="{28A0092B-C50C-407E-A947-70E740481C1C}">
-                  <a14:useLocalDpi xmlns:a14="http://schemas.microsoft.com/office/drawing/2010/main" xmlns="" val="0"/>
+                  <a14:useLocalDpi xmlns:a14="http://schemas.microsoft.com/office/drawing/2010/main" val="0"/>
                 </a:ext>
               </a:extLst>
             </a:blip>
@@ -5433,7 +5705,7 @@
             <a:blip r:embed="rId4" cstate="print">
               <a:extLst>
                 <a:ext uri="{28A0092B-C50C-407E-A947-70E740481C1C}">
-                  <a14:useLocalDpi xmlns:a14="http://schemas.microsoft.com/office/drawing/2010/main" xmlns="" val="0"/>
+                  <a14:useLocalDpi xmlns:a14="http://schemas.microsoft.com/office/drawing/2010/main" val="0"/>
                 </a:ext>
               </a:extLst>
             </a:blip>
@@ -5463,7 +5735,7 @@
             <a:blip r:embed="rId5" cstate="print">
               <a:extLst>
                 <a:ext uri="{28A0092B-C50C-407E-A947-70E740481C1C}">
-                  <a14:useLocalDpi xmlns:a14="http://schemas.microsoft.com/office/drawing/2010/main" xmlns="" val="0"/>
+                  <a14:useLocalDpi xmlns:a14="http://schemas.microsoft.com/office/drawing/2010/main" val="0"/>
                 </a:ext>
               </a:extLst>
             </a:blip>
@@ -5493,7 +5765,7 @@
             <a:blip r:embed="rId6" cstate="print">
               <a:extLst>
                 <a:ext uri="{28A0092B-C50C-407E-A947-70E740481C1C}">
-                  <a14:useLocalDpi xmlns:a14="http://schemas.microsoft.com/office/drawing/2010/main" xmlns="" val="0"/>
+                  <a14:useLocalDpi xmlns:a14="http://schemas.microsoft.com/office/drawing/2010/main" val="0"/>
                 </a:ext>
               </a:extLst>
             </a:blip>
@@ -5534,7 +5806,7 @@
             </a:clrChange>
             <a:extLst>
               <a:ext uri="{28A0092B-C50C-407E-A947-70E740481C1C}">
-                <a14:useLocalDpi xmlns:a14="http://schemas.microsoft.com/office/drawing/2010/main" xmlns="" val="0"/>
+                <a14:useLocalDpi xmlns:a14="http://schemas.microsoft.com/office/drawing/2010/main" val="0"/>
               </a:ext>
             </a:extLst>
           </a:blip>
@@ -5555,7 +5827,7 @@
     </p:spTree>
     <p:extLst>
       <p:ext uri="{BB962C8B-B14F-4D97-AF65-F5344CB8AC3E}">
-        <p14:creationId xmlns:p14="http://schemas.microsoft.com/office/powerpoint/2010/main" xmlns="" val="3637569378"/>
+        <p14:creationId xmlns:p14="http://schemas.microsoft.com/office/powerpoint/2010/main" val="3637569378"/>
       </p:ext>
     </p:extLst>
   </p:cSld>
@@ -5878,7 +6150,7 @@
     </p:spTree>
     <p:extLst>
       <p:ext uri="{BB962C8B-B14F-4D97-AF65-F5344CB8AC3E}">
-        <p14:creationId xmlns:p14="http://schemas.microsoft.com/office/powerpoint/2010/main" xmlns="" val="1871927297"/>
+        <p14:creationId xmlns:p14="http://schemas.microsoft.com/office/powerpoint/2010/main" val="1871927297"/>
       </p:ext>
     </p:extLst>
   </p:cSld>
@@ -6194,7 +6466,7 @@
     </p:spTree>
     <p:extLst>
       <p:ext uri="{BB962C8B-B14F-4D97-AF65-F5344CB8AC3E}">
-        <p14:creationId xmlns:p14="http://schemas.microsoft.com/office/powerpoint/2010/main" xmlns="" val="2318545518"/>
+        <p14:creationId xmlns:p14="http://schemas.microsoft.com/office/powerpoint/2010/main" val="2318545518"/>
       </p:ext>
     </p:extLst>
   </p:cSld>
@@ -6346,7 +6618,7 @@
             </a:clrChange>
             <a:extLst>
               <a:ext uri="{28A0092B-C50C-407E-A947-70E740481C1C}">
-                <a14:useLocalDpi xmlns:a14="http://schemas.microsoft.com/office/drawing/2010/main" xmlns="" val="0"/>
+                <a14:useLocalDpi xmlns:a14="http://schemas.microsoft.com/office/drawing/2010/main" val="0"/>
               </a:ext>
             </a:extLst>
           </a:blip>
@@ -6585,7 +6857,7 @@
     </p:spTree>
     <p:extLst>
       <p:ext uri="{BB962C8B-B14F-4D97-AF65-F5344CB8AC3E}">
-        <p14:creationId xmlns:p14="http://schemas.microsoft.com/office/powerpoint/2010/main" xmlns="" val="2877390917"/>
+        <p14:creationId xmlns:p14="http://schemas.microsoft.com/office/powerpoint/2010/main" val="2877390917"/>
       </p:ext>
     </p:extLst>
   </p:cSld>
@@ -7006,7 +7278,7 @@
     </p:spTree>
     <p:extLst>
       <p:ext uri="{BB962C8B-B14F-4D97-AF65-F5344CB8AC3E}">
-        <p14:creationId xmlns:p14="http://schemas.microsoft.com/office/powerpoint/2010/main" xmlns="" val="369963551"/>
+        <p14:creationId xmlns:p14="http://schemas.microsoft.com/office/powerpoint/2010/main" val="369963551"/>
       </p:ext>
     </p:extLst>
   </p:cSld>
@@ -7277,7 +7549,7 @@
     </p:spTree>
     <p:extLst>
       <p:ext uri="{BB962C8B-B14F-4D97-AF65-F5344CB8AC3E}">
-        <p14:creationId xmlns:p14="http://schemas.microsoft.com/office/powerpoint/2010/main" xmlns="" val="2489631046"/>
+        <p14:creationId xmlns:p14="http://schemas.microsoft.com/office/powerpoint/2010/main" val="2489631046"/>
       </p:ext>
     </p:extLst>
   </p:cSld>
@@ -7521,7 +7793,7 @@
               </a:clrChange>
               <a:extLst>
                 <a:ext uri="{28A0092B-C50C-407E-A947-70E740481C1C}">
-                  <a14:useLocalDpi xmlns:a14="http://schemas.microsoft.com/office/drawing/2010/main" xmlns="" val="0"/>
+                  <a14:useLocalDpi xmlns:a14="http://schemas.microsoft.com/office/drawing/2010/main" val="0"/>
                 </a:ext>
               </a:extLst>
             </a:blip>
@@ -7578,7 +7850,7 @@
     </p:spTree>
     <p:extLst>
       <p:ext uri="{BB962C8B-B14F-4D97-AF65-F5344CB8AC3E}">
-        <p14:creationId xmlns:p14="http://schemas.microsoft.com/office/powerpoint/2010/main" xmlns="" val="4017922449"/>
+        <p14:creationId xmlns:p14="http://schemas.microsoft.com/office/powerpoint/2010/main" val="4017922449"/>
       </p:ext>
     </p:extLst>
   </p:cSld>
@@ -7915,7 +8187,7 @@
               </a:clrChange>
               <a:extLst>
                 <a:ext uri="{28A0092B-C50C-407E-A947-70E740481C1C}">
-                  <a14:useLocalDpi xmlns:a14="http://schemas.microsoft.com/office/drawing/2010/main" xmlns="" val="0"/>
+                  <a14:useLocalDpi xmlns:a14="http://schemas.microsoft.com/office/drawing/2010/main" val="0"/>
                 </a:ext>
               </a:extLst>
             </a:blip>
@@ -7972,7 +8244,7 @@
     </p:spTree>
     <p:extLst>
       <p:ext uri="{BB962C8B-B14F-4D97-AF65-F5344CB8AC3E}">
-        <p14:creationId xmlns:p14="http://schemas.microsoft.com/office/powerpoint/2010/main" xmlns="" val="2670590789"/>
+        <p14:creationId xmlns:p14="http://schemas.microsoft.com/office/powerpoint/2010/main" val="2670590789"/>
       </p:ext>
     </p:extLst>
   </p:cSld>
@@ -8596,7 +8868,7 @@
               </a:clrChange>
               <a:extLst>
                 <a:ext uri="{28A0092B-C50C-407E-A947-70E740481C1C}">
-                  <a14:useLocalDpi xmlns:a14="http://schemas.microsoft.com/office/drawing/2010/main" xmlns="" val="0"/>
+                  <a14:useLocalDpi xmlns:a14="http://schemas.microsoft.com/office/drawing/2010/main" val="0"/>
                 </a:ext>
               </a:extLst>
             </a:blip>
@@ -8653,7 +8925,7 @@
     </p:spTree>
     <p:extLst>
       <p:ext uri="{BB962C8B-B14F-4D97-AF65-F5344CB8AC3E}">
-        <p14:creationId xmlns:p14="http://schemas.microsoft.com/office/powerpoint/2010/main" xmlns="" val="2670590789"/>
+        <p14:creationId xmlns:p14="http://schemas.microsoft.com/office/powerpoint/2010/main" val="2670590789"/>
       </p:ext>
     </p:extLst>
   </p:cSld>
@@ -9350,7 +9622,7 @@
               </a:clrChange>
               <a:extLst>
                 <a:ext uri="{28A0092B-C50C-407E-A947-70E740481C1C}">
-                  <a14:useLocalDpi xmlns:a14="http://schemas.microsoft.com/office/drawing/2010/main" xmlns="" val="0"/>
+                  <a14:useLocalDpi xmlns:a14="http://schemas.microsoft.com/office/drawing/2010/main" val="0"/>
                 </a:ext>
               </a:extLst>
             </a:blip>
@@ -9407,7 +9679,7 @@
     </p:spTree>
     <p:extLst>
       <p:ext uri="{BB962C8B-B14F-4D97-AF65-F5344CB8AC3E}">
-        <p14:creationId xmlns:p14="http://schemas.microsoft.com/office/powerpoint/2010/main" xmlns="" val="945723450"/>
+        <p14:creationId xmlns:p14="http://schemas.microsoft.com/office/powerpoint/2010/main" val="945723450"/>
       </p:ext>
     </p:extLst>
   </p:cSld>
@@ -9897,7 +10169,7 @@
               </a:clrChange>
               <a:extLst>
                 <a:ext uri="{28A0092B-C50C-407E-A947-70E740481C1C}">
-                  <a14:useLocalDpi xmlns:a14="http://schemas.microsoft.com/office/drawing/2010/main" xmlns="" val="0"/>
+                  <a14:useLocalDpi xmlns:a14="http://schemas.microsoft.com/office/drawing/2010/main" val="0"/>
                 </a:ext>
               </a:extLst>
             </a:blip>
@@ -9954,7 +10226,7 @@
     </p:spTree>
     <p:extLst>
       <p:ext uri="{BB962C8B-B14F-4D97-AF65-F5344CB8AC3E}">
-        <p14:creationId xmlns:p14="http://schemas.microsoft.com/office/powerpoint/2010/main" xmlns="" val="2699938049"/>
+        <p14:creationId xmlns:p14="http://schemas.microsoft.com/office/powerpoint/2010/main" val="2699938049"/>
       </p:ext>
     </p:extLst>
   </p:cSld>
@@ -10389,12 +10661,8 @@
               <a:buChar char="-"/>
             </a:pPr>
             <a:r>
-              <a:rPr lang="it-IT" b="1" dirty="0" smtClean="0">
-                <a:solidFill>
-                  <a:srgbClr val="FF0000"/>
-                </a:solidFill>
-              </a:rPr>
-              <a:t>ADVANCED</a:t>
+              <a:rPr lang="it-IT" dirty="0" smtClean="0"/>
+              <a:t>HANDLING EXCEPTION</a:t>
             </a:r>
           </a:p>
           <a:p>
@@ -10504,7 +10772,7 @@
     </p:spTree>
     <p:extLst>
       <p:ext uri="{BB962C8B-B14F-4D97-AF65-F5344CB8AC3E}">
-        <p14:creationId xmlns:p14="http://schemas.microsoft.com/office/powerpoint/2010/main" xmlns="" val="2405057134"/>
+        <p14:creationId xmlns:p14="http://schemas.microsoft.com/office/powerpoint/2010/main" val="2405057134"/>
       </p:ext>
     </p:extLst>
   </p:cSld>
@@ -10789,7 +11057,7 @@
               </a:clrChange>
               <a:extLst>
                 <a:ext uri="{28A0092B-C50C-407E-A947-70E740481C1C}">
-                  <a14:useLocalDpi xmlns:a14="http://schemas.microsoft.com/office/drawing/2010/main" xmlns="" val="0"/>
+                  <a14:useLocalDpi xmlns:a14="http://schemas.microsoft.com/office/drawing/2010/main" val="0"/>
                 </a:ext>
               </a:extLst>
             </a:blip>
@@ -10846,7 +11114,7 @@
     </p:spTree>
     <p:extLst>
       <p:ext uri="{BB962C8B-B14F-4D97-AF65-F5344CB8AC3E}">
-        <p14:creationId xmlns:p14="http://schemas.microsoft.com/office/powerpoint/2010/main" xmlns="" val="2699938049"/>
+        <p14:creationId xmlns:p14="http://schemas.microsoft.com/office/powerpoint/2010/main" val="2699938049"/>
       </p:ext>
     </p:extLst>
   </p:cSld>
@@ -11058,7 +11326,7 @@
               </a:clrChange>
               <a:extLst>
                 <a:ext uri="{28A0092B-C50C-407E-A947-70E740481C1C}">
-                  <a14:useLocalDpi xmlns:a14="http://schemas.microsoft.com/office/drawing/2010/main" xmlns="" val="0"/>
+                  <a14:useLocalDpi xmlns:a14="http://schemas.microsoft.com/office/drawing/2010/main" val="0"/>
                 </a:ext>
               </a:extLst>
             </a:blip>
@@ -11115,7 +11383,7 @@
     </p:spTree>
     <p:extLst>
       <p:ext uri="{BB962C8B-B14F-4D97-AF65-F5344CB8AC3E}">
-        <p14:creationId xmlns:p14="http://schemas.microsoft.com/office/powerpoint/2010/main" xmlns="" val="2699938049"/>
+        <p14:creationId xmlns:p14="http://schemas.microsoft.com/office/powerpoint/2010/main" val="2699938049"/>
       </p:ext>
     </p:extLst>
   </p:cSld>
@@ -11392,7 +11660,7 @@
               </a:clrChange>
               <a:extLst>
                 <a:ext uri="{28A0092B-C50C-407E-A947-70E740481C1C}">
-                  <a14:useLocalDpi xmlns:a14="http://schemas.microsoft.com/office/drawing/2010/main" xmlns="" val="0"/>
+                  <a14:useLocalDpi xmlns:a14="http://schemas.microsoft.com/office/drawing/2010/main" val="0"/>
                 </a:ext>
               </a:extLst>
             </a:blip>
@@ -11449,7 +11717,7 @@
     </p:spTree>
     <p:extLst>
       <p:ext uri="{BB962C8B-B14F-4D97-AF65-F5344CB8AC3E}">
-        <p14:creationId xmlns:p14="http://schemas.microsoft.com/office/powerpoint/2010/main" xmlns="" val="2699938049"/>
+        <p14:creationId xmlns:p14="http://schemas.microsoft.com/office/powerpoint/2010/main" val="2699938049"/>
       </p:ext>
     </p:extLst>
   </p:cSld>
@@ -11804,7 +12072,7 @@
               </a:clrChange>
               <a:extLst>
                 <a:ext uri="{28A0092B-C50C-407E-A947-70E740481C1C}">
-                  <a14:useLocalDpi xmlns:a14="http://schemas.microsoft.com/office/drawing/2010/main" xmlns="" val="0"/>
+                  <a14:useLocalDpi xmlns:a14="http://schemas.microsoft.com/office/drawing/2010/main" val="0"/>
                 </a:ext>
               </a:extLst>
             </a:blip>
@@ -11861,7 +12129,7 @@
     </p:spTree>
     <p:extLst>
       <p:ext uri="{BB962C8B-B14F-4D97-AF65-F5344CB8AC3E}">
-        <p14:creationId xmlns:p14="http://schemas.microsoft.com/office/powerpoint/2010/main" xmlns="" val="995637413"/>
+        <p14:creationId xmlns:p14="http://schemas.microsoft.com/office/powerpoint/2010/main" val="995637413"/>
       </p:ext>
     </p:extLst>
   </p:cSld>
@@ -12301,7 +12569,7 @@
               </a:clrChange>
               <a:extLst>
                 <a:ext uri="{28A0092B-C50C-407E-A947-70E740481C1C}">
-                  <a14:useLocalDpi xmlns:a14="http://schemas.microsoft.com/office/drawing/2010/main" xmlns="" val="0"/>
+                  <a14:useLocalDpi xmlns:a14="http://schemas.microsoft.com/office/drawing/2010/main" val="0"/>
                 </a:ext>
               </a:extLst>
             </a:blip>
@@ -12358,7 +12626,7 @@
     </p:spTree>
     <p:extLst>
       <p:ext uri="{BB962C8B-B14F-4D97-AF65-F5344CB8AC3E}">
-        <p14:creationId xmlns:p14="http://schemas.microsoft.com/office/powerpoint/2010/main" xmlns="" val="995637413"/>
+        <p14:creationId xmlns:p14="http://schemas.microsoft.com/office/powerpoint/2010/main" val="995637413"/>
       </p:ext>
     </p:extLst>
   </p:cSld>
@@ -12487,7 +12755,7 @@
               </a:clrChange>
               <a:extLst>
                 <a:ext uri="{28A0092B-C50C-407E-A947-70E740481C1C}">
-                  <a14:useLocalDpi xmlns:a14="http://schemas.microsoft.com/office/drawing/2010/main" xmlns="" val="0"/>
+                  <a14:useLocalDpi xmlns:a14="http://schemas.microsoft.com/office/drawing/2010/main" val="0"/>
                 </a:ext>
               </a:extLst>
             </a:blip>
@@ -12636,19 +12904,7 @@
             </a:pPr>
             <a:r>
               <a:rPr lang="it-IT" sz="2400" dirty="0" smtClean="0"/>
-              <a:t> Il controller è responsabile di elaborare le richieste degli utenti, di costruire il modello appropriato e </a:t>
-            </a:r>
-            <a:r>
-              <a:rPr lang="it-IT" sz="2400" dirty="0" smtClean="0"/>
-              <a:t>di</a:t>
-            </a:r>
-            <a:r>
-              <a:rPr lang="it-IT" sz="2400" dirty="0" smtClean="0"/>
-              <a:t> </a:t>
-            </a:r>
-            <a:r>
-              <a:rPr lang="it-IT" sz="2400" dirty="0" smtClean="0"/>
-              <a:t>passarlo alla vista per il </a:t>
+              <a:t> Il controller è responsabile di elaborare le richieste degli utenti, di costruire il modello appropriato e di passarlo alla vista per il </a:t>
             </a:r>
             <a:r>
               <a:rPr lang="it-IT" sz="2400" dirty="0" err="1" smtClean="0"/>
@@ -12664,7 +12920,7 @@
     </p:spTree>
     <p:extLst>
       <p:ext uri="{BB962C8B-B14F-4D97-AF65-F5344CB8AC3E}">
-        <p14:creationId xmlns:p14="http://schemas.microsoft.com/office/powerpoint/2010/main" xmlns="" val="1143146084"/>
+        <p14:creationId xmlns:p14="http://schemas.microsoft.com/office/powerpoint/2010/main" val="1143146084"/>
       </p:ext>
     </p:extLst>
   </p:cSld>
@@ -12789,7 +13045,7 @@
               </a:clrChange>
               <a:extLst>
                 <a:ext uri="{28A0092B-C50C-407E-A947-70E740481C1C}">
-                  <a14:useLocalDpi xmlns:a14="http://schemas.microsoft.com/office/drawing/2010/main" xmlns="" val="0"/>
+                  <a14:useLocalDpi xmlns:a14="http://schemas.microsoft.com/office/drawing/2010/main" val="0"/>
                 </a:ext>
               </a:extLst>
             </a:blip>
@@ -13123,7 +13379,7 @@
     </p:spTree>
     <p:extLst>
       <p:ext uri="{BB962C8B-B14F-4D97-AF65-F5344CB8AC3E}">
-        <p14:creationId xmlns:p14="http://schemas.microsoft.com/office/powerpoint/2010/main" xmlns="" val="1143146084"/>
+        <p14:creationId xmlns:p14="http://schemas.microsoft.com/office/powerpoint/2010/main" val="1143146084"/>
       </p:ext>
     </p:extLst>
   </p:cSld>
@@ -13691,7 +13947,7 @@
               </a:clrChange>
               <a:extLst>
                 <a:ext uri="{28A0092B-C50C-407E-A947-70E740481C1C}">
-                  <a14:useLocalDpi xmlns:a14="http://schemas.microsoft.com/office/drawing/2010/main" xmlns="" val="0"/>
+                  <a14:useLocalDpi xmlns:a14="http://schemas.microsoft.com/office/drawing/2010/main" val="0"/>
                 </a:ext>
               </a:extLst>
             </a:blip>
@@ -14298,7 +14554,7 @@
     </p:spTree>
     <p:extLst>
       <p:ext uri="{BB962C8B-B14F-4D97-AF65-F5344CB8AC3E}">
-        <p14:creationId xmlns:p14="http://schemas.microsoft.com/office/powerpoint/2010/main" xmlns="" val="1143146084"/>
+        <p14:creationId xmlns:p14="http://schemas.microsoft.com/office/powerpoint/2010/main" val="1143146084"/>
       </p:ext>
     </p:extLst>
   </p:cSld>
@@ -14883,7 +15139,7 @@
               </a:clrChange>
               <a:extLst>
                 <a:ext uri="{28A0092B-C50C-407E-A947-70E740481C1C}">
-                  <a14:useLocalDpi xmlns:a14="http://schemas.microsoft.com/office/drawing/2010/main" xmlns="" val="0"/>
+                  <a14:useLocalDpi xmlns:a14="http://schemas.microsoft.com/office/drawing/2010/main" val="0"/>
                 </a:ext>
               </a:extLst>
             </a:blip>
@@ -15177,7 +15433,7 @@
     </p:spTree>
     <p:extLst>
       <p:ext uri="{BB962C8B-B14F-4D97-AF65-F5344CB8AC3E}">
-        <p14:creationId xmlns:p14="http://schemas.microsoft.com/office/powerpoint/2010/main" xmlns="" val="1143146084"/>
+        <p14:creationId xmlns:p14="http://schemas.microsoft.com/office/powerpoint/2010/main" val="1143146084"/>
       </p:ext>
     </p:extLst>
   </p:cSld>
@@ -15286,7 +15542,7 @@
               </a:clrChange>
               <a:extLst>
                 <a:ext uri="{28A0092B-C50C-407E-A947-70E740481C1C}">
-                  <a14:useLocalDpi xmlns:a14="http://schemas.microsoft.com/office/drawing/2010/main" xmlns="" val="0"/>
+                  <a14:useLocalDpi xmlns:a14="http://schemas.microsoft.com/office/drawing/2010/main" val="0"/>
                 </a:ext>
               </a:extLst>
             </a:blip>
@@ -15549,7 +15805,7 @@
     </p:spTree>
     <p:extLst>
       <p:ext uri="{BB962C8B-B14F-4D97-AF65-F5344CB8AC3E}">
-        <p14:creationId xmlns:p14="http://schemas.microsoft.com/office/powerpoint/2010/main" xmlns="" val="1143146084"/>
+        <p14:creationId xmlns:p14="http://schemas.microsoft.com/office/powerpoint/2010/main" val="1143146084"/>
       </p:ext>
     </p:extLst>
   </p:cSld>
@@ -15699,7 +15955,7 @@
     </p:spTree>
     <p:extLst>
       <p:ext uri="{BB962C8B-B14F-4D97-AF65-F5344CB8AC3E}">
-        <p14:creationId xmlns:p14="http://schemas.microsoft.com/office/powerpoint/2010/main" xmlns="" val="3712385755"/>
+        <p14:creationId xmlns:p14="http://schemas.microsoft.com/office/powerpoint/2010/main" val="3712385755"/>
       </p:ext>
     </p:extLst>
   </p:cSld>
@@ -15808,7 +16064,7 @@
               </a:clrChange>
               <a:extLst>
                 <a:ext uri="{28A0092B-C50C-407E-A947-70E740481C1C}">
-                  <a14:useLocalDpi xmlns:a14="http://schemas.microsoft.com/office/drawing/2010/main" xmlns="" val="0"/>
+                  <a14:useLocalDpi xmlns:a14="http://schemas.microsoft.com/office/drawing/2010/main" val="0"/>
                 </a:ext>
               </a:extLst>
             </a:blip>
@@ -16006,7 +16262,7 @@
     </p:spTree>
     <p:extLst>
       <p:ext uri="{BB962C8B-B14F-4D97-AF65-F5344CB8AC3E}">
-        <p14:creationId xmlns:p14="http://schemas.microsoft.com/office/powerpoint/2010/main" xmlns="" val="1143146084"/>
+        <p14:creationId xmlns:p14="http://schemas.microsoft.com/office/powerpoint/2010/main" val="1143146084"/>
       </p:ext>
     </p:extLst>
   </p:cSld>
@@ -16115,7 +16371,7 @@
               </a:clrChange>
               <a:extLst>
                 <a:ext uri="{28A0092B-C50C-407E-A947-70E740481C1C}">
-                  <a14:useLocalDpi xmlns:a14="http://schemas.microsoft.com/office/drawing/2010/main" xmlns="" val="0"/>
+                  <a14:useLocalDpi xmlns:a14="http://schemas.microsoft.com/office/drawing/2010/main" val="0"/>
                 </a:ext>
               </a:extLst>
             </a:blip>
@@ -16235,11 +16491,7 @@
             <a:pPr marL="457200" indent="-457200"/>
             <a:r>
               <a:rPr lang="it-IT" sz="2400" dirty="0" smtClean="0"/>
-              <a:t>		</a:t>
-            </a:r>
-            <a:r>
-              <a:rPr lang="it-IT" sz="2400" dirty="0" smtClean="0"/>
-              <a:t>Parametri inviati tramite URI:  http://url/users</a:t>
+              <a:t>		Parametri inviati tramite URI:  http://url/users</a:t>
             </a:r>
             <a:r>
               <a:rPr lang="it-IT" sz="2400" b="1" dirty="0" smtClean="0"/>
@@ -16345,20 +16597,15 @@
             </a:r>
             <a:r>
               <a:rPr lang="it-IT" sz="2400" dirty="0" smtClean="0"/>
-              <a:t> inviato tramite URI: http://url</a:t>
-            </a:r>
-            <a:r>
-              <a:rPr lang="it-IT" sz="2400" dirty="0" smtClean="0"/>
-              <a:t>/users/Claudio  (si invia direttamente il valore senza specificare il nome del parametro) – Utile quando si richiede un operazione di GET e si passa come input l’identificativo univoco di quella risorsa</a:t>
-            </a:r>
-            <a:endParaRPr lang="it-IT" sz="2400" dirty="0" smtClean="0"/>
+              <a:t> inviato tramite URI: http://url/users/Claudio  (si invia direttamente il valore senza specificare il nome del parametro) – Utile quando si richiede un operazione di GET e si passa come input l’identificativo univoco di quella risorsa</a:t>
+            </a:r>
           </a:p>
         </p:txBody>
       </p:sp>
     </p:spTree>
     <p:extLst>
       <p:ext uri="{BB962C8B-B14F-4D97-AF65-F5344CB8AC3E}">
-        <p14:creationId xmlns:p14="http://schemas.microsoft.com/office/powerpoint/2010/main" xmlns="" val="2632412783"/>
+        <p14:creationId xmlns:p14="http://schemas.microsoft.com/office/powerpoint/2010/main" val="2632412783"/>
       </p:ext>
     </p:extLst>
   </p:cSld>
@@ -16376,6 +16623,721 @@
 </file>
 
 <file path=ppt/slides/slide32.xml><?xml version="1.0" encoding="utf-8"?>
+<p:sld xmlns:a="http://schemas.openxmlformats.org/drawingml/2006/main" xmlns:r="http://schemas.openxmlformats.org/officeDocument/2006/relationships" xmlns:p="http://schemas.openxmlformats.org/presentationml/2006/main">
+  <p:cSld>
+    <p:spTree>
+      <p:nvGrpSpPr>
+        <p:cNvPr id="1" name=""/>
+        <p:cNvGrpSpPr/>
+        <p:nvPr/>
+      </p:nvGrpSpPr>
+      <p:grpSpPr>
+        <a:xfrm>
+          <a:off x="0" y="0"/>
+          <a:ext cx="0" cy="0"/>
+          <a:chOff x="0" y="0"/>
+          <a:chExt cx="0" cy="0"/>
+        </a:xfrm>
+      </p:grpSpPr>
+      <p:sp>
+        <p:nvSpPr>
+          <p:cNvPr id="2" name="CasellaDiTesto 1"/>
+          <p:cNvSpPr txBox="1"/>
+          <p:nvPr/>
+        </p:nvSpPr>
+        <p:spPr>
+          <a:xfrm>
+            <a:off x="2246699" y="395784"/>
+            <a:ext cx="7698603" cy="584775"/>
+          </a:xfrm>
+          <a:prstGeom prst="rect">
+            <a:avLst/>
+          </a:prstGeom>
+          <a:noFill/>
+        </p:spPr>
+        <p:txBody>
+          <a:bodyPr wrap="square" rtlCol="0">
+            <a:spAutoFit/>
+          </a:bodyPr>
+          <a:lstStyle/>
+          <a:p>
+            <a:pPr algn="ctr"/>
+            <a:r>
+              <a:rPr lang="it-IT" sz="3200" b="1" dirty="0" smtClean="0">
+                <a:solidFill>
+                  <a:prstClr val="black"/>
+                </a:solidFill>
+              </a:rPr>
+              <a:t>SPRING MVC – ADVANCED</a:t>
+            </a:r>
+            <a:endParaRPr lang="it-IT" sz="3200" b="1" dirty="0">
+              <a:solidFill>
+                <a:prstClr val="black"/>
+              </a:solidFill>
+            </a:endParaRPr>
+          </a:p>
+        </p:txBody>
+      </p:sp>
+      <p:grpSp>
+        <p:nvGrpSpPr>
+          <p:cNvPr id="3" name="Gruppo 5"/>
+          <p:cNvGrpSpPr/>
+          <p:nvPr/>
+        </p:nvGrpSpPr>
+        <p:grpSpPr>
+          <a:xfrm>
+            <a:off x="9956801" y="0"/>
+            <a:ext cx="2235199" cy="800942"/>
+            <a:chOff x="9956801" y="0"/>
+            <a:chExt cx="2235199" cy="800942"/>
+          </a:xfrm>
+        </p:grpSpPr>
+        <p:pic>
+          <p:nvPicPr>
+            <p:cNvPr id="5" name="Immagine 4"/>
+            <p:cNvPicPr>
+              <a:picLocks noChangeAspect="1"/>
+            </p:cNvPicPr>
+            <p:nvPr/>
+          </p:nvPicPr>
+          <p:blipFill>
+            <a:blip r:embed="rId3" cstate="print">
+              <a:clrChange>
+                <a:clrFrom>
+                  <a:srgbClr val="FFFFFF"/>
+                </a:clrFrom>
+                <a:clrTo>
+                  <a:srgbClr val="FFFFFF">
+                    <a:alpha val="0"/>
+                  </a:srgbClr>
+                </a:clrTo>
+              </a:clrChange>
+              <a:extLst>
+                <a:ext uri="{28A0092B-C50C-407E-A947-70E740481C1C}">
+                  <a14:useLocalDpi xmlns:a14="http://schemas.microsoft.com/office/drawing/2010/main" val="0"/>
+                </a:ext>
+              </a:extLst>
+            </a:blip>
+            <a:srcRect r="87620" b="85479"/>
+            <a:stretch>
+              <a:fillRect/>
+            </a:stretch>
+          </p:blipFill>
+          <p:spPr>
+            <a:xfrm>
+              <a:off x="9956801" y="0"/>
+              <a:ext cx="982133" cy="800942"/>
+            </a:xfrm>
+            <a:prstGeom prst="rect">
+              <a:avLst/>
+            </a:prstGeom>
+          </p:spPr>
+        </p:pic>
+        <p:sp>
+          <p:nvSpPr>
+            <p:cNvPr id="6" name="CasellaDiTesto 5"/>
+            <p:cNvSpPr txBox="1"/>
+            <p:nvPr/>
+          </p:nvSpPr>
+          <p:spPr>
+            <a:xfrm>
+              <a:off x="10905067" y="237068"/>
+              <a:ext cx="1286933" cy="461665"/>
+            </a:xfrm>
+            <a:prstGeom prst="rect">
+              <a:avLst/>
+            </a:prstGeom>
+            <a:noFill/>
+          </p:spPr>
+          <p:txBody>
+            <a:bodyPr wrap="square" rtlCol="0">
+              <a:spAutoFit/>
+            </a:bodyPr>
+            <a:lstStyle/>
+            <a:p>
+              <a:r>
+                <a:rPr lang="it-IT" sz="2400" b="1" dirty="0" smtClean="0">
+                  <a:solidFill>
+                    <a:srgbClr val="92D050"/>
+                  </a:solidFill>
+                  <a:latin typeface="Arial Black" pitchFamily="34" charset="0"/>
+                </a:rPr>
+                <a:t> MVC</a:t>
+              </a:r>
+            </a:p>
+          </p:txBody>
+        </p:sp>
+      </p:grpSp>
+      <p:sp>
+        <p:nvSpPr>
+          <p:cNvPr id="7" name="CasellaDiTesto 6"/>
+          <p:cNvSpPr txBox="1"/>
+          <p:nvPr/>
+        </p:nvSpPr>
+        <p:spPr>
+          <a:xfrm>
+            <a:off x="711200" y="1066806"/>
+            <a:ext cx="10752666" cy="3785652"/>
+          </a:xfrm>
+          <a:prstGeom prst="rect">
+            <a:avLst/>
+          </a:prstGeom>
+          <a:noFill/>
+        </p:spPr>
+        <p:txBody>
+          <a:bodyPr wrap="square" rtlCol="0">
+            <a:spAutoFit/>
+          </a:bodyPr>
+          <a:lstStyle/>
+          <a:p>
+            <a:r>
+              <a:rPr lang="it-IT" sz="2400" dirty="0" smtClean="0"/>
+              <a:t>Tutte le Auto-configurazioni descritte precedentemente sfruttano le </a:t>
+            </a:r>
+            <a:r>
+              <a:rPr lang="it-IT" sz="2400" dirty="0" err="1" smtClean="0"/>
+              <a:t>features</a:t>
+            </a:r>
+            <a:r>
+              <a:rPr lang="it-IT" sz="2400" dirty="0" smtClean="0"/>
+              <a:t> del container </a:t>
+            </a:r>
+            <a:r>
+              <a:rPr lang="it-IT" sz="2400" dirty="0" err="1" smtClean="0"/>
+              <a:t>Servlet</a:t>
+            </a:r>
+            <a:r>
+              <a:rPr lang="it-IT" sz="2400" dirty="0" smtClean="0"/>
+              <a:t> 3.0. </a:t>
+            </a:r>
+          </a:p>
+          <a:p>
+            <a:endParaRPr lang="it-IT" sz="2400" dirty="0" smtClean="0"/>
+          </a:p>
+          <a:p>
+            <a:pPr marL="365125" indent="-365125"/>
+            <a:r>
+              <a:rPr lang="it-IT" sz="2400" dirty="0"/>
+              <a:t>- </a:t>
+            </a:r>
+            <a:r>
+              <a:rPr lang="it-IT" sz="2400" dirty="0" smtClean="0"/>
+              <a:t>	Se </a:t>
+            </a:r>
+            <a:r>
+              <a:rPr lang="it-IT" sz="2400" dirty="0"/>
+              <a:t>vogliamo registrare esplicitamente delle </a:t>
+            </a:r>
+            <a:r>
+              <a:rPr lang="it-IT" sz="2400" dirty="0" err="1"/>
+              <a:t>servlet</a:t>
+            </a:r>
+            <a:r>
+              <a:rPr lang="it-IT" sz="2400" dirty="0"/>
+              <a:t> e dei filtri, lo possiamo fare implementando l’interfaccia </a:t>
+            </a:r>
+            <a:r>
+              <a:rPr lang="it-IT" sz="2400" dirty="0" err="1"/>
+              <a:t>WebApplicationInitializer</a:t>
+            </a:r>
+            <a:r>
+              <a:rPr lang="it-IT" sz="2400" dirty="0"/>
+              <a:t> con la quale si </a:t>
+            </a:r>
+            <a:r>
+              <a:rPr lang="it-IT" sz="2400" dirty="0" err="1"/>
+              <a:t>gestitce</a:t>
+            </a:r>
+            <a:r>
+              <a:rPr lang="it-IT" sz="2400" dirty="0"/>
+              <a:t> in modo più “fine” (di basso livello) la loro creazione e configurazione.</a:t>
+            </a:r>
+          </a:p>
+          <a:p>
+            <a:pPr marL="342900" indent="-342900">
+              <a:buFontTx/>
+              <a:buChar char="-"/>
+            </a:pPr>
+            <a:r>
+              <a:rPr lang="it-IT" sz="2400" dirty="0" smtClean="0"/>
+              <a:t>Se </a:t>
+            </a:r>
+            <a:r>
+              <a:rPr lang="it-IT" sz="2400" dirty="0" err="1" smtClean="0"/>
+              <a:t>l’application</a:t>
+            </a:r>
+            <a:r>
+              <a:rPr lang="it-IT" sz="2400" dirty="0" smtClean="0"/>
+              <a:t> server utilizzato non supporta le </a:t>
+            </a:r>
+            <a:r>
+              <a:rPr lang="it-IT" sz="2400" dirty="0" err="1" smtClean="0"/>
+              <a:t>Servlet</a:t>
+            </a:r>
+            <a:r>
+              <a:rPr lang="it-IT" sz="2400" dirty="0" smtClean="0"/>
+              <a:t> 3.0 si può comunque dichiarare </a:t>
+            </a:r>
+            <a:r>
+              <a:rPr lang="it-IT" sz="2400" dirty="0" err="1" smtClean="0"/>
+              <a:t>Servlet</a:t>
+            </a:r>
+            <a:r>
+              <a:rPr lang="it-IT" sz="2400" dirty="0" smtClean="0"/>
+              <a:t> sul file web.xml</a:t>
+            </a:r>
+          </a:p>
+          <a:p>
+            <a:pPr marL="342900" indent="-342900">
+              <a:buFontTx/>
+              <a:buChar char="-"/>
+            </a:pPr>
+            <a:r>
+              <a:rPr lang="it-IT" sz="2400" dirty="0" smtClean="0"/>
+              <a:t>E’ supportato un approccio ibrido, che permette di dichiarare </a:t>
+            </a:r>
+            <a:r>
+              <a:rPr lang="it-IT" sz="2400" dirty="0" err="1" smtClean="0"/>
+              <a:t>servlet</a:t>
+            </a:r>
+            <a:r>
+              <a:rPr lang="it-IT" sz="2400" dirty="0" smtClean="0"/>
+              <a:t> sia tramite web.xml che codice java</a:t>
+            </a:r>
+          </a:p>
+        </p:txBody>
+      </p:sp>
+    </p:spTree>
+    <p:extLst>
+      <p:ext uri="{BB962C8B-B14F-4D97-AF65-F5344CB8AC3E}">
+        <p14:creationId xmlns:p14="http://schemas.microsoft.com/office/powerpoint/2010/main" val="4263395926"/>
+      </p:ext>
+    </p:extLst>
+  </p:cSld>
+  <p:clrMapOvr>
+    <a:masterClrMapping/>
+  </p:clrMapOvr>
+  <p:timing>
+    <p:tnLst>
+      <p:par>
+        <p:cTn id="1" dur="indefinite" restart="never" nodeType="tmRoot"/>
+      </p:par>
+    </p:tnLst>
+  </p:timing>
+</p:sld>
+</file>
+
+<file path=ppt/slides/slide33.xml><?xml version="1.0" encoding="utf-8"?>
+<p:sld xmlns:a="http://schemas.openxmlformats.org/drawingml/2006/main" xmlns:r="http://schemas.openxmlformats.org/officeDocument/2006/relationships" xmlns:p="http://schemas.openxmlformats.org/presentationml/2006/main">
+  <p:cSld>
+    <p:spTree>
+      <p:nvGrpSpPr>
+        <p:cNvPr id="1" name=""/>
+        <p:cNvGrpSpPr/>
+        <p:nvPr/>
+      </p:nvGrpSpPr>
+      <p:grpSpPr>
+        <a:xfrm>
+          <a:off x="0" y="0"/>
+          <a:ext cx="0" cy="0"/>
+          <a:chOff x="0" y="0"/>
+          <a:chExt cx="0" cy="0"/>
+        </a:xfrm>
+      </p:grpSpPr>
+      <p:sp>
+        <p:nvSpPr>
+          <p:cNvPr id="2" name="CasellaDiTesto 1"/>
+          <p:cNvSpPr txBox="1"/>
+          <p:nvPr/>
+        </p:nvSpPr>
+        <p:spPr>
+          <a:xfrm>
+            <a:off x="2246699" y="395784"/>
+            <a:ext cx="7698603" cy="584775"/>
+          </a:xfrm>
+          <a:prstGeom prst="rect">
+            <a:avLst/>
+          </a:prstGeom>
+          <a:noFill/>
+        </p:spPr>
+        <p:txBody>
+          <a:bodyPr wrap="square" rtlCol="0">
+            <a:spAutoFit/>
+          </a:bodyPr>
+          <a:lstStyle/>
+          <a:p>
+            <a:pPr algn="ctr"/>
+            <a:r>
+              <a:rPr lang="it-IT" sz="3200" b="1" dirty="0" smtClean="0">
+                <a:solidFill>
+                  <a:prstClr val="black"/>
+                </a:solidFill>
+              </a:rPr>
+              <a:t>SPRING MVC – HANDLING EXCEPTIONS</a:t>
+            </a:r>
+            <a:endParaRPr lang="it-IT" sz="3200" b="1" dirty="0">
+              <a:solidFill>
+                <a:prstClr val="black"/>
+              </a:solidFill>
+            </a:endParaRPr>
+          </a:p>
+        </p:txBody>
+      </p:sp>
+      <p:grpSp>
+        <p:nvGrpSpPr>
+          <p:cNvPr id="3" name="Gruppo 5"/>
+          <p:cNvGrpSpPr/>
+          <p:nvPr/>
+        </p:nvGrpSpPr>
+        <p:grpSpPr>
+          <a:xfrm>
+            <a:off x="9956801" y="0"/>
+            <a:ext cx="2235199" cy="800942"/>
+            <a:chOff x="9956801" y="0"/>
+            <a:chExt cx="2235199" cy="800942"/>
+          </a:xfrm>
+        </p:grpSpPr>
+        <p:pic>
+          <p:nvPicPr>
+            <p:cNvPr id="5" name="Immagine 4"/>
+            <p:cNvPicPr>
+              <a:picLocks noChangeAspect="1"/>
+            </p:cNvPicPr>
+            <p:nvPr/>
+          </p:nvPicPr>
+          <p:blipFill>
+            <a:blip r:embed="rId3" cstate="print">
+              <a:clrChange>
+                <a:clrFrom>
+                  <a:srgbClr val="FFFFFF"/>
+                </a:clrFrom>
+                <a:clrTo>
+                  <a:srgbClr val="FFFFFF">
+                    <a:alpha val="0"/>
+                  </a:srgbClr>
+                </a:clrTo>
+              </a:clrChange>
+              <a:extLst>
+                <a:ext uri="{28A0092B-C50C-407E-A947-70E740481C1C}">
+                  <a14:useLocalDpi xmlns:a14="http://schemas.microsoft.com/office/drawing/2010/main" val="0"/>
+                </a:ext>
+              </a:extLst>
+            </a:blip>
+            <a:srcRect r="87620" b="85479"/>
+            <a:stretch>
+              <a:fillRect/>
+            </a:stretch>
+          </p:blipFill>
+          <p:spPr>
+            <a:xfrm>
+              <a:off x="9956801" y="0"/>
+              <a:ext cx="982133" cy="800942"/>
+            </a:xfrm>
+            <a:prstGeom prst="rect">
+              <a:avLst/>
+            </a:prstGeom>
+          </p:spPr>
+        </p:pic>
+        <p:sp>
+          <p:nvSpPr>
+            <p:cNvPr id="6" name="CasellaDiTesto 5"/>
+            <p:cNvSpPr txBox="1"/>
+            <p:nvPr/>
+          </p:nvSpPr>
+          <p:spPr>
+            <a:xfrm>
+              <a:off x="10905067" y="237068"/>
+              <a:ext cx="1286933" cy="461665"/>
+            </a:xfrm>
+            <a:prstGeom prst="rect">
+              <a:avLst/>
+            </a:prstGeom>
+            <a:noFill/>
+          </p:spPr>
+          <p:txBody>
+            <a:bodyPr wrap="square" rtlCol="0">
+              <a:spAutoFit/>
+            </a:bodyPr>
+            <a:lstStyle/>
+            <a:p>
+              <a:r>
+                <a:rPr lang="it-IT" sz="2400" b="1" dirty="0" smtClean="0">
+                  <a:solidFill>
+                    <a:srgbClr val="92D050"/>
+                  </a:solidFill>
+                  <a:latin typeface="Arial Black" pitchFamily="34" charset="0"/>
+                </a:rPr>
+                <a:t> MVC</a:t>
+              </a:r>
+            </a:p>
+          </p:txBody>
+        </p:sp>
+      </p:grpSp>
+      <p:sp>
+        <p:nvSpPr>
+          <p:cNvPr id="7" name="CasellaDiTesto 6"/>
+          <p:cNvSpPr txBox="1"/>
+          <p:nvPr/>
+        </p:nvSpPr>
+        <p:spPr>
+          <a:xfrm>
+            <a:off x="711200" y="1066806"/>
+            <a:ext cx="10752666" cy="4154984"/>
+          </a:xfrm>
+          <a:prstGeom prst="rect">
+            <a:avLst/>
+          </a:prstGeom>
+          <a:noFill/>
+        </p:spPr>
+        <p:txBody>
+          <a:bodyPr wrap="square" rtlCol="0">
+            <a:spAutoFit/>
+          </a:bodyPr>
+          <a:lstStyle/>
+          <a:p>
+            <a:r>
+              <a:rPr lang="it-IT" sz="2400" dirty="0" smtClean="0"/>
+              <a:t>Durante il </a:t>
+            </a:r>
+            <a:r>
+              <a:rPr lang="it-IT" sz="2400" dirty="0" err="1" smtClean="0"/>
+              <a:t>processamento</a:t>
+            </a:r>
+            <a:r>
+              <a:rPr lang="it-IT" sz="2400" dirty="0" smtClean="0"/>
+              <a:t> di una richiesta, anche in caso di errore, dovrà essere fornita una pagina di output all’utente, mostrando o meno l’eventuale errore.</a:t>
+            </a:r>
+          </a:p>
+          <a:p>
+            <a:endParaRPr lang="it-IT" sz="2400" dirty="0"/>
+          </a:p>
+          <a:p>
+            <a:r>
+              <a:rPr lang="it-IT" sz="2400" dirty="0" smtClean="0"/>
+              <a:t>Spring  offre tre strumenti per la gestione delle eccezioni:</a:t>
+            </a:r>
+          </a:p>
+          <a:p>
+            <a:pPr marL="342900" indent="-342900">
+              <a:buFontTx/>
+              <a:buChar char="-"/>
+            </a:pPr>
+            <a:r>
+              <a:rPr lang="it-IT" sz="2400" dirty="0" smtClean="0"/>
+              <a:t>Alcune eccezioni Spring vengono automaticamente mappate su specifici HTTP status </a:t>
+            </a:r>
+            <a:r>
+              <a:rPr lang="it-IT" sz="2400" dirty="0" err="1" smtClean="0"/>
+              <a:t>codes</a:t>
+            </a:r>
+            <a:endParaRPr lang="it-IT" sz="2400" dirty="0" smtClean="0"/>
+          </a:p>
+          <a:p>
+            <a:pPr marL="342900" indent="-342900">
+              <a:buFontTx/>
+              <a:buChar char="-"/>
+            </a:pPr>
+            <a:r>
+              <a:rPr lang="it-IT" sz="2400" dirty="0" smtClean="0"/>
+              <a:t>Un’eccezione può essere annotata con @</a:t>
+            </a:r>
+            <a:r>
+              <a:rPr lang="it-IT" sz="2400" dirty="0" err="1" smtClean="0"/>
+              <a:t>ResponseStatus</a:t>
+            </a:r>
+            <a:r>
+              <a:rPr lang="it-IT" sz="2400" dirty="0" smtClean="0"/>
+              <a:t> per mapparla ad un HTTP status code</a:t>
+            </a:r>
+          </a:p>
+          <a:p>
+            <a:pPr marL="342900" indent="-342900">
+              <a:buFontTx/>
+              <a:buChar char="-"/>
+            </a:pPr>
+            <a:r>
+              <a:rPr lang="it-IT" sz="2400" dirty="0" smtClean="0"/>
+              <a:t>Un metodo può essere annotato con </a:t>
+            </a:r>
+            <a:r>
+              <a:rPr lang="en-US" sz="2400" dirty="0" smtClean="0"/>
+              <a:t>@</a:t>
+            </a:r>
+            <a:r>
+              <a:rPr lang="en-US" sz="2400" dirty="0" err="1"/>
+              <a:t>ExceptionHandler</a:t>
+            </a:r>
+            <a:r>
+              <a:rPr lang="en-US" sz="2400" dirty="0"/>
+              <a:t> </a:t>
+            </a:r>
+            <a:r>
+              <a:rPr lang="en-US" sz="2400" dirty="0" smtClean="0"/>
+              <a:t>per </a:t>
+            </a:r>
+            <a:r>
+              <a:rPr lang="en-US" sz="2400" dirty="0" err="1" smtClean="0"/>
+              <a:t>catturare</a:t>
+            </a:r>
+            <a:r>
+              <a:rPr lang="en-US" sz="2400" dirty="0" smtClean="0"/>
+              <a:t> </a:t>
+            </a:r>
+            <a:r>
+              <a:rPr lang="en-US" sz="2400" dirty="0" err="1" smtClean="0"/>
+              <a:t>l’eccezione</a:t>
+            </a:r>
+            <a:endParaRPr lang="en-US" sz="2400" dirty="0"/>
+          </a:p>
+          <a:p>
+            <a:r>
+              <a:rPr lang="en-US" sz="2400" dirty="0"/>
+              <a:t> </a:t>
+            </a:r>
+            <a:r>
+              <a:rPr lang="en-US" sz="2400" dirty="0" smtClean="0"/>
+              <a:t>    (</a:t>
+            </a:r>
+            <a:r>
+              <a:rPr lang="en-US" sz="2400" dirty="0" err="1" smtClean="0"/>
+              <a:t>cattura</a:t>
+            </a:r>
+            <a:r>
+              <a:rPr lang="en-US" sz="2400" dirty="0" smtClean="0"/>
+              <a:t> solo le </a:t>
+            </a:r>
+            <a:r>
+              <a:rPr lang="en-US" sz="2400" dirty="0" err="1" smtClean="0"/>
+              <a:t>eccezioni</a:t>
+            </a:r>
+            <a:r>
+              <a:rPr lang="en-US" sz="2400" dirty="0" smtClean="0"/>
+              <a:t> </a:t>
+            </a:r>
+            <a:r>
+              <a:rPr lang="en-US" sz="2400" dirty="0" err="1" smtClean="0"/>
+              <a:t>che</a:t>
+            </a:r>
+            <a:r>
+              <a:rPr lang="en-US" sz="2400" dirty="0" smtClean="0"/>
+              <a:t> </a:t>
+            </a:r>
+            <a:r>
+              <a:rPr lang="en-US" sz="2400" dirty="0" err="1" smtClean="0"/>
+              <a:t>avvengono</a:t>
+            </a:r>
+            <a:r>
+              <a:rPr lang="en-US" sz="2400" dirty="0" smtClean="0"/>
+              <a:t> in </a:t>
+            </a:r>
+            <a:r>
+              <a:rPr lang="en-US" sz="2400" dirty="0" err="1" smtClean="0"/>
+              <a:t>quel</a:t>
+            </a:r>
+            <a:r>
+              <a:rPr lang="en-US" sz="2400" dirty="0" smtClean="0"/>
+              <a:t> </a:t>
+            </a:r>
+            <a:r>
+              <a:rPr lang="en-US" sz="2400" dirty="0" err="1" smtClean="0"/>
+              <a:t>singolo</a:t>
+            </a:r>
+            <a:r>
+              <a:rPr lang="en-US" sz="2400" dirty="0" smtClean="0"/>
+              <a:t> controller)</a:t>
+            </a:r>
+            <a:endParaRPr lang="en-US" sz="2400" dirty="0"/>
+          </a:p>
+          <a:p>
+            <a:r>
+              <a:rPr lang="en-US" sz="2400" dirty="0" smtClean="0"/>
+              <a:t>-    </a:t>
+            </a:r>
+            <a:r>
+              <a:rPr lang="en-US" sz="2400" dirty="0" err="1" smtClean="0"/>
+              <a:t>Metodo</a:t>
+            </a:r>
+            <a:r>
+              <a:rPr lang="en-US" sz="2400" dirty="0" smtClean="0"/>
+              <a:t> con @</a:t>
+            </a:r>
+            <a:r>
+              <a:rPr lang="en-US" sz="2400" dirty="0" err="1" smtClean="0"/>
+              <a:t>ExceptionHandler</a:t>
+            </a:r>
+            <a:r>
+              <a:rPr lang="en-US" sz="2400" dirty="0" smtClean="0"/>
+              <a:t> </a:t>
+            </a:r>
+            <a:r>
+              <a:rPr lang="en-US" sz="2400" dirty="0" err="1" smtClean="0"/>
+              <a:t>dichiarato</a:t>
+            </a:r>
+            <a:r>
+              <a:rPr lang="en-US" sz="2400" dirty="0" smtClean="0"/>
+              <a:t> in un Controller Advice    	</a:t>
+            </a:r>
+            <a:endParaRPr lang="en-US" sz="2400" dirty="0"/>
+          </a:p>
+        </p:txBody>
+      </p:sp>
+      <p:sp>
+        <p:nvSpPr>
+          <p:cNvPr id="8" name="CasellaDiTesto 7"/>
+          <p:cNvSpPr txBox="1"/>
+          <p:nvPr/>
+        </p:nvSpPr>
+        <p:spPr>
+          <a:xfrm>
+            <a:off x="880532" y="5472435"/>
+            <a:ext cx="10566400" cy="461665"/>
+          </a:xfrm>
+          <a:prstGeom prst="rect">
+            <a:avLst/>
+          </a:prstGeom>
+          <a:solidFill>
+            <a:srgbClr val="92D050"/>
+          </a:solidFill>
+        </p:spPr>
+        <p:txBody>
+          <a:bodyPr wrap="square" rtlCol="0">
+            <a:spAutoFit/>
+          </a:bodyPr>
+          <a:lstStyle/>
+          <a:p>
+            <a:pPr algn="ctr"/>
+            <a:r>
+              <a:rPr lang="it-IT" sz="2400" b="1" dirty="0"/>
+              <a:t>E</a:t>
+            </a:r>
+            <a:r>
+              <a:rPr lang="it-IT" sz="2400" b="1" dirty="0" smtClean="0"/>
+              <a:t>sempio su codice</a:t>
+            </a:r>
+          </a:p>
+        </p:txBody>
+      </p:sp>
+    </p:spTree>
+    <p:extLst>
+      <p:ext uri="{BB962C8B-B14F-4D97-AF65-F5344CB8AC3E}">
+        <p14:creationId xmlns:p14="http://schemas.microsoft.com/office/powerpoint/2010/main" val="2802116414"/>
+      </p:ext>
+    </p:extLst>
+  </p:cSld>
+  <p:clrMapOvr>
+    <a:masterClrMapping/>
+  </p:clrMapOvr>
+  <p:timing>
+    <p:tnLst>
+      <p:par>
+        <p:cTn id="1" dur="indefinite" restart="never" nodeType="tmRoot"/>
+      </p:par>
+    </p:tnLst>
+  </p:timing>
+</p:sld>
+</file>
+
+<file path=ppt/slides/slide34.xml><?xml version="1.0" encoding="utf-8"?>
 <p:sld xmlns:a="http://schemas.openxmlformats.org/drawingml/2006/main" xmlns:r="http://schemas.openxmlformats.org/officeDocument/2006/relationships" xmlns:p="http://schemas.openxmlformats.org/presentationml/2006/main">
   <p:cSld>
     <p:bg>
@@ -16496,15 +17458,7 @@
                   <a:prstClr val="black"/>
                 </a:solidFill>
               </a:rPr>
-              <a:t>Lista </a:t>
-            </a:r>
-            <a:r>
-              <a:rPr lang="it-IT" dirty="0" smtClean="0">
-                <a:solidFill>
-                  <a:prstClr val="black"/>
-                </a:solidFill>
-              </a:rPr>
-              <a:t>di slide con principali oggetti e </a:t>
+              <a:t>Lista di slide con principali oggetti e </a:t>
             </a:r>
             <a:r>
               <a:rPr lang="it-IT" dirty="0" err="1" smtClean="0">
@@ -16608,7 +17562,7 @@
     </p:spTree>
     <p:extLst>
       <p:ext uri="{BB962C8B-B14F-4D97-AF65-F5344CB8AC3E}">
-        <p14:creationId xmlns:p14="http://schemas.microsoft.com/office/powerpoint/2010/main" xmlns="" val="3379396984"/>
+        <p14:creationId xmlns:p14="http://schemas.microsoft.com/office/powerpoint/2010/main" val="3379396984"/>
       </p:ext>
     </p:extLst>
   </p:cSld>
@@ -16625,7 +17579,7 @@
 </p:sld>
 </file>
 
-<file path=ppt/slides/slide33.xml><?xml version="1.0" encoding="utf-8"?>
+<file path=ppt/slides/slide35.xml><?xml version="1.0" encoding="utf-8"?>
 <p:sld xmlns:a="http://schemas.openxmlformats.org/drawingml/2006/main" xmlns:r="http://schemas.openxmlformats.org/officeDocument/2006/relationships" xmlns:p="http://schemas.openxmlformats.org/presentationml/2006/main">
   <p:cSld>
     <p:spTree>
@@ -16644,14 +17598,14 @@
       </p:grpSpPr>
       <p:sp>
         <p:nvSpPr>
-          <p:cNvPr id="4" name="CasellaDiTesto 3"/>
+          <p:cNvPr id="2" name="CasellaDiTesto 1"/>
           <p:cNvSpPr txBox="1"/>
           <p:nvPr/>
         </p:nvSpPr>
         <p:spPr>
           <a:xfrm>
-            <a:off x="241540" y="215660"/>
-            <a:ext cx="8143335" cy="923330"/>
+            <a:off x="3257266" y="395784"/>
+            <a:ext cx="5677469" cy="584775"/>
           </a:xfrm>
           <a:prstGeom prst="rect">
             <a:avLst/>
@@ -16664,6 +17618,829 @@
           </a:bodyPr>
           <a:lstStyle/>
           <a:p>
+            <a:pPr algn="ctr"/>
+            <a:r>
+              <a:rPr lang="it-IT" sz="3200" b="1" dirty="0" smtClean="0">
+                <a:solidFill>
+                  <a:prstClr val="black"/>
+                </a:solidFill>
+              </a:rPr>
+              <a:t>SPRING BACK END - JDBC</a:t>
+            </a:r>
+            <a:endParaRPr lang="it-IT" sz="3200" b="1" dirty="0">
+              <a:solidFill>
+                <a:prstClr val="black"/>
+              </a:solidFill>
+            </a:endParaRPr>
+          </a:p>
+        </p:txBody>
+      </p:sp>
+      <p:grpSp>
+        <p:nvGrpSpPr>
+          <p:cNvPr id="4" name="Gruppo 5"/>
+          <p:cNvGrpSpPr/>
+          <p:nvPr/>
+        </p:nvGrpSpPr>
+        <p:grpSpPr>
+          <a:xfrm>
+            <a:off x="9956801" y="0"/>
+            <a:ext cx="2235199" cy="800942"/>
+            <a:chOff x="9956801" y="0"/>
+            <a:chExt cx="2235199" cy="800942"/>
+          </a:xfrm>
+        </p:grpSpPr>
+        <p:pic>
+          <p:nvPicPr>
+            <p:cNvPr id="5" name="Immagine 4"/>
+            <p:cNvPicPr>
+              <a:picLocks noChangeAspect="1"/>
+            </p:cNvPicPr>
+            <p:nvPr/>
+          </p:nvPicPr>
+          <p:blipFill>
+            <a:blip r:embed="rId2" cstate="print">
+              <a:clrChange>
+                <a:clrFrom>
+                  <a:srgbClr val="FFFFFF"/>
+                </a:clrFrom>
+                <a:clrTo>
+                  <a:srgbClr val="FFFFFF">
+                    <a:alpha val="0"/>
+                  </a:srgbClr>
+                </a:clrTo>
+              </a:clrChange>
+              <a:extLst>
+                <a:ext uri="{28A0092B-C50C-407E-A947-70E740481C1C}">
+                  <a14:useLocalDpi xmlns:a14="http://schemas.microsoft.com/office/drawing/2010/main" val="0"/>
+                </a:ext>
+              </a:extLst>
+            </a:blip>
+            <a:srcRect r="87620" b="85479"/>
+            <a:stretch>
+              <a:fillRect/>
+            </a:stretch>
+          </p:blipFill>
+          <p:spPr>
+            <a:xfrm>
+              <a:off x="9956801" y="0"/>
+              <a:ext cx="982133" cy="800942"/>
+            </a:xfrm>
+            <a:prstGeom prst="rect">
+              <a:avLst/>
+            </a:prstGeom>
+          </p:spPr>
+        </p:pic>
+        <p:sp>
+          <p:nvSpPr>
+            <p:cNvPr id="6" name="CasellaDiTesto 5"/>
+            <p:cNvSpPr txBox="1"/>
+            <p:nvPr/>
+          </p:nvSpPr>
+          <p:spPr>
+            <a:xfrm>
+              <a:off x="10905067" y="237068"/>
+              <a:ext cx="1286933" cy="461665"/>
+            </a:xfrm>
+            <a:prstGeom prst="rect">
+              <a:avLst/>
+            </a:prstGeom>
+            <a:noFill/>
+          </p:spPr>
+          <p:txBody>
+            <a:bodyPr wrap="square" rtlCol="0">
+              <a:spAutoFit/>
+            </a:bodyPr>
+            <a:lstStyle/>
+            <a:p>
+              <a:r>
+                <a:rPr lang="it-IT" sz="2400" b="1" dirty="0" smtClean="0">
+                  <a:solidFill>
+                    <a:srgbClr val="92D050"/>
+                  </a:solidFill>
+                  <a:latin typeface="Arial Black" pitchFamily="34" charset="0"/>
+                </a:rPr>
+                <a:t> DB</a:t>
+              </a:r>
+            </a:p>
+          </p:txBody>
+        </p:sp>
+      </p:grpSp>
+      <p:sp>
+        <p:nvSpPr>
+          <p:cNvPr id="7" name="CasellaDiTesto 6"/>
+          <p:cNvSpPr txBox="1"/>
+          <p:nvPr/>
+        </p:nvSpPr>
+        <p:spPr>
+          <a:xfrm>
+            <a:off x="660400" y="1117604"/>
+            <a:ext cx="11133668" cy="461665"/>
+          </a:xfrm>
+          <a:prstGeom prst="rect">
+            <a:avLst/>
+          </a:prstGeom>
+          <a:noFill/>
+        </p:spPr>
+        <p:txBody>
+          <a:bodyPr wrap="square" rtlCol="0">
+            <a:spAutoFit/>
+          </a:bodyPr>
+          <a:lstStyle/>
+          <a:p>
+            <a:r>
+              <a:rPr lang="it-IT" sz="2400" dirty="0" smtClean="0"/>
+              <a:t>TESTO </a:t>
+            </a:r>
+            <a:r>
+              <a:rPr lang="it-IT" sz="2400" dirty="0" err="1" smtClean="0"/>
+              <a:t>TESTO</a:t>
+            </a:r>
+            <a:endParaRPr lang="it-IT" sz="2400" dirty="0" smtClean="0"/>
+          </a:p>
+        </p:txBody>
+      </p:sp>
+    </p:spTree>
+    <p:extLst>
+      <p:ext uri="{BB962C8B-B14F-4D97-AF65-F5344CB8AC3E}">
+        <p14:creationId xmlns:p14="http://schemas.microsoft.com/office/powerpoint/2010/main" val="2349088221"/>
+      </p:ext>
+    </p:extLst>
+  </p:cSld>
+  <p:clrMapOvr>
+    <a:masterClrMapping/>
+  </p:clrMapOvr>
+  <p:timing>
+    <p:tnLst>
+      <p:par>
+        <p:cTn id="1" dur="indefinite" restart="never" nodeType="tmRoot"/>
+      </p:par>
+    </p:tnLst>
+  </p:timing>
+</p:sld>
+</file>
+
+<file path=ppt/slides/slide36.xml><?xml version="1.0" encoding="utf-8"?>
+<p:sld xmlns:a="http://schemas.openxmlformats.org/drawingml/2006/main" xmlns:r="http://schemas.openxmlformats.org/officeDocument/2006/relationships" xmlns:p="http://schemas.openxmlformats.org/presentationml/2006/main">
+  <p:cSld>
+    <p:spTree>
+      <p:nvGrpSpPr>
+        <p:cNvPr id="1" name=""/>
+        <p:cNvGrpSpPr/>
+        <p:nvPr/>
+      </p:nvGrpSpPr>
+      <p:grpSpPr>
+        <a:xfrm>
+          <a:off x="0" y="0"/>
+          <a:ext cx="0" cy="0"/>
+          <a:chOff x="0" y="0"/>
+          <a:chExt cx="0" cy="0"/>
+        </a:xfrm>
+      </p:grpSpPr>
+      <p:sp>
+        <p:nvSpPr>
+          <p:cNvPr id="2" name="CasellaDiTesto 1"/>
+          <p:cNvSpPr txBox="1"/>
+          <p:nvPr/>
+        </p:nvSpPr>
+        <p:spPr>
+          <a:xfrm>
+            <a:off x="3257266" y="395784"/>
+            <a:ext cx="5677469" cy="584775"/>
+          </a:xfrm>
+          <a:prstGeom prst="rect">
+            <a:avLst/>
+          </a:prstGeom>
+          <a:noFill/>
+        </p:spPr>
+        <p:txBody>
+          <a:bodyPr wrap="square" rtlCol="0">
+            <a:spAutoFit/>
+          </a:bodyPr>
+          <a:lstStyle/>
+          <a:p>
+            <a:pPr algn="ctr"/>
+            <a:r>
+              <a:rPr lang="it-IT" sz="3200" b="1" dirty="0" smtClean="0">
+                <a:solidFill>
+                  <a:prstClr val="black"/>
+                </a:solidFill>
+              </a:rPr>
+              <a:t>SPRING BACK END - ORM</a:t>
+            </a:r>
+            <a:endParaRPr lang="it-IT" sz="3200" b="1" dirty="0">
+              <a:solidFill>
+                <a:prstClr val="black"/>
+              </a:solidFill>
+            </a:endParaRPr>
+          </a:p>
+        </p:txBody>
+      </p:sp>
+      <p:grpSp>
+        <p:nvGrpSpPr>
+          <p:cNvPr id="4" name="Gruppo 5"/>
+          <p:cNvGrpSpPr/>
+          <p:nvPr/>
+        </p:nvGrpSpPr>
+        <p:grpSpPr>
+          <a:xfrm>
+            <a:off x="9956801" y="0"/>
+            <a:ext cx="2235199" cy="800942"/>
+            <a:chOff x="9956801" y="0"/>
+            <a:chExt cx="2235199" cy="800942"/>
+          </a:xfrm>
+        </p:grpSpPr>
+        <p:pic>
+          <p:nvPicPr>
+            <p:cNvPr id="5" name="Immagine 4"/>
+            <p:cNvPicPr>
+              <a:picLocks noChangeAspect="1"/>
+            </p:cNvPicPr>
+            <p:nvPr/>
+          </p:nvPicPr>
+          <p:blipFill>
+            <a:blip r:embed="rId2" cstate="print">
+              <a:clrChange>
+                <a:clrFrom>
+                  <a:srgbClr val="FFFFFF"/>
+                </a:clrFrom>
+                <a:clrTo>
+                  <a:srgbClr val="FFFFFF">
+                    <a:alpha val="0"/>
+                  </a:srgbClr>
+                </a:clrTo>
+              </a:clrChange>
+              <a:extLst>
+                <a:ext uri="{28A0092B-C50C-407E-A947-70E740481C1C}">
+                  <a14:useLocalDpi xmlns:a14="http://schemas.microsoft.com/office/drawing/2010/main" val="0"/>
+                </a:ext>
+              </a:extLst>
+            </a:blip>
+            <a:srcRect r="87620" b="85479"/>
+            <a:stretch>
+              <a:fillRect/>
+            </a:stretch>
+          </p:blipFill>
+          <p:spPr>
+            <a:xfrm>
+              <a:off x="9956801" y="0"/>
+              <a:ext cx="982133" cy="800942"/>
+            </a:xfrm>
+            <a:prstGeom prst="rect">
+              <a:avLst/>
+            </a:prstGeom>
+          </p:spPr>
+        </p:pic>
+        <p:sp>
+          <p:nvSpPr>
+            <p:cNvPr id="6" name="CasellaDiTesto 5"/>
+            <p:cNvSpPr txBox="1"/>
+            <p:nvPr/>
+          </p:nvSpPr>
+          <p:spPr>
+            <a:xfrm>
+              <a:off x="10905067" y="237068"/>
+              <a:ext cx="1286933" cy="461665"/>
+            </a:xfrm>
+            <a:prstGeom prst="rect">
+              <a:avLst/>
+            </a:prstGeom>
+            <a:noFill/>
+          </p:spPr>
+          <p:txBody>
+            <a:bodyPr wrap="square" rtlCol="0">
+              <a:spAutoFit/>
+            </a:bodyPr>
+            <a:lstStyle/>
+            <a:p>
+              <a:r>
+                <a:rPr lang="it-IT" sz="2400" b="1" dirty="0" smtClean="0">
+                  <a:solidFill>
+                    <a:srgbClr val="92D050"/>
+                  </a:solidFill>
+                  <a:latin typeface="Arial Black" pitchFamily="34" charset="0"/>
+                </a:rPr>
+                <a:t> DB</a:t>
+              </a:r>
+            </a:p>
+          </p:txBody>
+        </p:sp>
+      </p:grpSp>
+      <p:sp>
+        <p:nvSpPr>
+          <p:cNvPr id="7" name="CasellaDiTesto 6"/>
+          <p:cNvSpPr txBox="1"/>
+          <p:nvPr/>
+        </p:nvSpPr>
+        <p:spPr>
+          <a:xfrm>
+            <a:off x="660400" y="1117604"/>
+            <a:ext cx="11133668" cy="461665"/>
+          </a:xfrm>
+          <a:prstGeom prst="rect">
+            <a:avLst/>
+          </a:prstGeom>
+          <a:noFill/>
+        </p:spPr>
+        <p:txBody>
+          <a:bodyPr wrap="square" rtlCol="0">
+            <a:spAutoFit/>
+          </a:bodyPr>
+          <a:lstStyle/>
+          <a:p>
+            <a:r>
+              <a:rPr lang="it-IT" sz="2400" dirty="0" smtClean="0"/>
+              <a:t>TESTO </a:t>
+            </a:r>
+            <a:r>
+              <a:rPr lang="it-IT" sz="2400" dirty="0" err="1" smtClean="0"/>
+              <a:t>TESTO</a:t>
+            </a:r>
+            <a:endParaRPr lang="it-IT" sz="2400" dirty="0" smtClean="0"/>
+          </a:p>
+        </p:txBody>
+      </p:sp>
+    </p:spTree>
+    <p:extLst>
+      <p:ext uri="{BB962C8B-B14F-4D97-AF65-F5344CB8AC3E}">
+        <p14:creationId xmlns:p14="http://schemas.microsoft.com/office/powerpoint/2010/main" val="3183345575"/>
+      </p:ext>
+    </p:extLst>
+  </p:cSld>
+  <p:clrMapOvr>
+    <a:masterClrMapping/>
+  </p:clrMapOvr>
+  <p:timing>
+    <p:tnLst>
+      <p:par>
+        <p:cTn id="1" dur="indefinite" restart="never" nodeType="tmRoot"/>
+      </p:par>
+    </p:tnLst>
+  </p:timing>
+</p:sld>
+</file>
+
+<file path=ppt/slides/slide37.xml><?xml version="1.0" encoding="utf-8"?>
+<p:sld xmlns:a="http://schemas.openxmlformats.org/drawingml/2006/main" xmlns:r="http://schemas.openxmlformats.org/officeDocument/2006/relationships" xmlns:p="http://schemas.openxmlformats.org/presentationml/2006/main">
+  <p:cSld>
+    <p:spTree>
+      <p:nvGrpSpPr>
+        <p:cNvPr id="1" name=""/>
+        <p:cNvGrpSpPr/>
+        <p:nvPr/>
+      </p:nvGrpSpPr>
+      <p:grpSpPr>
+        <a:xfrm>
+          <a:off x="0" y="0"/>
+          <a:ext cx="0" cy="0"/>
+          <a:chOff x="0" y="0"/>
+          <a:chExt cx="0" cy="0"/>
+        </a:xfrm>
+      </p:grpSpPr>
+      <p:sp>
+        <p:nvSpPr>
+          <p:cNvPr id="2" name="CasellaDiTesto 1"/>
+          <p:cNvSpPr txBox="1"/>
+          <p:nvPr/>
+        </p:nvSpPr>
+        <p:spPr>
+          <a:xfrm>
+            <a:off x="3257266" y="395784"/>
+            <a:ext cx="5677469" cy="584775"/>
+          </a:xfrm>
+          <a:prstGeom prst="rect">
+            <a:avLst/>
+          </a:prstGeom>
+          <a:noFill/>
+        </p:spPr>
+        <p:txBody>
+          <a:bodyPr wrap="square" rtlCol="0">
+            <a:spAutoFit/>
+          </a:bodyPr>
+          <a:lstStyle/>
+          <a:p>
+            <a:pPr algn="ctr"/>
+            <a:r>
+              <a:rPr lang="it-IT" sz="3200" b="1" dirty="0" smtClean="0">
+                <a:solidFill>
+                  <a:prstClr val="black"/>
+                </a:solidFill>
+              </a:rPr>
+              <a:t>SPRING BACK END - JPA</a:t>
+            </a:r>
+            <a:endParaRPr lang="it-IT" sz="3200" b="1" dirty="0">
+              <a:solidFill>
+                <a:prstClr val="black"/>
+              </a:solidFill>
+            </a:endParaRPr>
+          </a:p>
+        </p:txBody>
+      </p:sp>
+      <p:grpSp>
+        <p:nvGrpSpPr>
+          <p:cNvPr id="4" name="Gruppo 5"/>
+          <p:cNvGrpSpPr/>
+          <p:nvPr/>
+        </p:nvGrpSpPr>
+        <p:grpSpPr>
+          <a:xfrm>
+            <a:off x="9956801" y="0"/>
+            <a:ext cx="2235199" cy="800942"/>
+            <a:chOff x="9956801" y="0"/>
+            <a:chExt cx="2235199" cy="800942"/>
+          </a:xfrm>
+        </p:grpSpPr>
+        <p:pic>
+          <p:nvPicPr>
+            <p:cNvPr id="5" name="Immagine 4"/>
+            <p:cNvPicPr>
+              <a:picLocks noChangeAspect="1"/>
+            </p:cNvPicPr>
+            <p:nvPr/>
+          </p:nvPicPr>
+          <p:blipFill>
+            <a:blip r:embed="rId2" cstate="print">
+              <a:clrChange>
+                <a:clrFrom>
+                  <a:srgbClr val="FFFFFF"/>
+                </a:clrFrom>
+                <a:clrTo>
+                  <a:srgbClr val="FFFFFF">
+                    <a:alpha val="0"/>
+                  </a:srgbClr>
+                </a:clrTo>
+              </a:clrChange>
+              <a:extLst>
+                <a:ext uri="{28A0092B-C50C-407E-A947-70E740481C1C}">
+                  <a14:useLocalDpi xmlns:a14="http://schemas.microsoft.com/office/drawing/2010/main" val="0"/>
+                </a:ext>
+              </a:extLst>
+            </a:blip>
+            <a:srcRect r="87620" b="85479"/>
+            <a:stretch>
+              <a:fillRect/>
+            </a:stretch>
+          </p:blipFill>
+          <p:spPr>
+            <a:xfrm>
+              <a:off x="9956801" y="0"/>
+              <a:ext cx="982133" cy="800942"/>
+            </a:xfrm>
+            <a:prstGeom prst="rect">
+              <a:avLst/>
+            </a:prstGeom>
+          </p:spPr>
+        </p:pic>
+        <p:sp>
+          <p:nvSpPr>
+            <p:cNvPr id="6" name="CasellaDiTesto 5"/>
+            <p:cNvSpPr txBox="1"/>
+            <p:nvPr/>
+          </p:nvSpPr>
+          <p:spPr>
+            <a:xfrm>
+              <a:off x="10905067" y="237068"/>
+              <a:ext cx="1286933" cy="461665"/>
+            </a:xfrm>
+            <a:prstGeom prst="rect">
+              <a:avLst/>
+            </a:prstGeom>
+            <a:noFill/>
+          </p:spPr>
+          <p:txBody>
+            <a:bodyPr wrap="square" rtlCol="0">
+              <a:spAutoFit/>
+            </a:bodyPr>
+            <a:lstStyle/>
+            <a:p>
+              <a:r>
+                <a:rPr lang="it-IT" sz="2400" b="1" dirty="0" smtClean="0">
+                  <a:solidFill>
+                    <a:srgbClr val="92D050"/>
+                  </a:solidFill>
+                  <a:latin typeface="Arial Black" pitchFamily="34" charset="0"/>
+                </a:rPr>
+                <a:t> DB</a:t>
+              </a:r>
+            </a:p>
+          </p:txBody>
+        </p:sp>
+      </p:grpSp>
+      <p:sp>
+        <p:nvSpPr>
+          <p:cNvPr id="7" name="CasellaDiTesto 6"/>
+          <p:cNvSpPr txBox="1"/>
+          <p:nvPr/>
+        </p:nvSpPr>
+        <p:spPr>
+          <a:xfrm>
+            <a:off x="660400" y="1117604"/>
+            <a:ext cx="11133668" cy="461665"/>
+          </a:xfrm>
+          <a:prstGeom prst="rect">
+            <a:avLst/>
+          </a:prstGeom>
+          <a:noFill/>
+        </p:spPr>
+        <p:txBody>
+          <a:bodyPr wrap="square" rtlCol="0">
+            <a:spAutoFit/>
+          </a:bodyPr>
+          <a:lstStyle/>
+          <a:p>
+            <a:r>
+              <a:rPr lang="it-IT" sz="2400" dirty="0" smtClean="0"/>
+              <a:t>TESTO </a:t>
+            </a:r>
+            <a:r>
+              <a:rPr lang="it-IT" sz="2400" dirty="0" err="1" smtClean="0"/>
+              <a:t>TESTO</a:t>
+            </a:r>
+            <a:endParaRPr lang="it-IT" sz="2400" dirty="0" smtClean="0"/>
+          </a:p>
+        </p:txBody>
+      </p:sp>
+    </p:spTree>
+    <p:extLst>
+      <p:ext uri="{BB962C8B-B14F-4D97-AF65-F5344CB8AC3E}">
+        <p14:creationId xmlns:p14="http://schemas.microsoft.com/office/powerpoint/2010/main" val="1424728404"/>
+      </p:ext>
+    </p:extLst>
+  </p:cSld>
+  <p:clrMapOvr>
+    <a:masterClrMapping/>
+  </p:clrMapOvr>
+  <p:timing>
+    <p:tnLst>
+      <p:par>
+        <p:cTn id="1" dur="indefinite" restart="never" nodeType="tmRoot"/>
+      </p:par>
+    </p:tnLst>
+  </p:timing>
+</p:sld>
+</file>
+
+<file path=ppt/slides/slide38.xml><?xml version="1.0" encoding="utf-8"?>
+<p:sld xmlns:a="http://schemas.openxmlformats.org/drawingml/2006/main" xmlns:r="http://schemas.openxmlformats.org/officeDocument/2006/relationships" xmlns:p="http://schemas.openxmlformats.org/presentationml/2006/main">
+  <p:cSld>
+    <p:spTree>
+      <p:nvGrpSpPr>
+        <p:cNvPr id="1" name=""/>
+        <p:cNvGrpSpPr/>
+        <p:nvPr/>
+      </p:nvGrpSpPr>
+      <p:grpSpPr>
+        <a:xfrm>
+          <a:off x="0" y="0"/>
+          <a:ext cx="0" cy="0"/>
+          <a:chOff x="0" y="0"/>
+          <a:chExt cx="0" cy="0"/>
+        </a:xfrm>
+      </p:grpSpPr>
+      <p:sp>
+        <p:nvSpPr>
+          <p:cNvPr id="2" name="CasellaDiTesto 1"/>
+          <p:cNvSpPr txBox="1"/>
+          <p:nvPr/>
+        </p:nvSpPr>
+        <p:spPr>
+          <a:xfrm>
+            <a:off x="3257266" y="395784"/>
+            <a:ext cx="5677469" cy="584775"/>
+          </a:xfrm>
+          <a:prstGeom prst="rect">
+            <a:avLst/>
+          </a:prstGeom>
+          <a:noFill/>
+        </p:spPr>
+        <p:txBody>
+          <a:bodyPr wrap="square" rtlCol="0">
+            <a:spAutoFit/>
+          </a:bodyPr>
+          <a:lstStyle/>
+          <a:p>
+            <a:pPr algn="ctr"/>
+            <a:r>
+              <a:rPr lang="it-IT" sz="3200" b="1" dirty="0" smtClean="0">
+                <a:solidFill>
+                  <a:prstClr val="black"/>
+                </a:solidFill>
+              </a:rPr>
+              <a:t>SPRING </a:t>
+            </a:r>
+            <a:r>
+              <a:rPr lang="it-IT" sz="3200" b="1" dirty="0" smtClean="0">
+                <a:solidFill>
+                  <a:prstClr val="black"/>
+                </a:solidFill>
+              </a:rPr>
+              <a:t>REST</a:t>
+            </a:r>
+            <a:endParaRPr lang="it-IT" sz="3200" b="1" dirty="0">
+              <a:solidFill>
+                <a:prstClr val="black"/>
+              </a:solidFill>
+            </a:endParaRPr>
+          </a:p>
+        </p:txBody>
+      </p:sp>
+      <p:grpSp>
+        <p:nvGrpSpPr>
+          <p:cNvPr id="4" name="Gruppo 5"/>
+          <p:cNvGrpSpPr/>
+          <p:nvPr/>
+        </p:nvGrpSpPr>
+        <p:grpSpPr>
+          <a:xfrm>
+            <a:off x="9956801" y="0"/>
+            <a:ext cx="2235199" cy="800942"/>
+            <a:chOff x="9956801" y="0"/>
+            <a:chExt cx="2235199" cy="800942"/>
+          </a:xfrm>
+        </p:grpSpPr>
+        <p:pic>
+          <p:nvPicPr>
+            <p:cNvPr id="5" name="Immagine 4"/>
+            <p:cNvPicPr>
+              <a:picLocks noChangeAspect="1"/>
+            </p:cNvPicPr>
+            <p:nvPr/>
+          </p:nvPicPr>
+          <p:blipFill>
+            <a:blip r:embed="rId2" cstate="print">
+              <a:clrChange>
+                <a:clrFrom>
+                  <a:srgbClr val="FFFFFF"/>
+                </a:clrFrom>
+                <a:clrTo>
+                  <a:srgbClr val="FFFFFF">
+                    <a:alpha val="0"/>
+                  </a:srgbClr>
+                </a:clrTo>
+              </a:clrChange>
+              <a:extLst>
+                <a:ext uri="{28A0092B-C50C-407E-A947-70E740481C1C}">
+                  <a14:useLocalDpi xmlns:a14="http://schemas.microsoft.com/office/drawing/2010/main" val="0"/>
+                </a:ext>
+              </a:extLst>
+            </a:blip>
+            <a:srcRect r="87620" b="85479"/>
+            <a:stretch>
+              <a:fillRect/>
+            </a:stretch>
+          </p:blipFill>
+          <p:spPr>
+            <a:xfrm>
+              <a:off x="9956801" y="0"/>
+              <a:ext cx="982133" cy="800942"/>
+            </a:xfrm>
+            <a:prstGeom prst="rect">
+              <a:avLst/>
+            </a:prstGeom>
+          </p:spPr>
+        </p:pic>
+        <p:sp>
+          <p:nvSpPr>
+            <p:cNvPr id="6" name="CasellaDiTesto 5"/>
+            <p:cNvSpPr txBox="1"/>
+            <p:nvPr/>
+          </p:nvSpPr>
+          <p:spPr>
+            <a:xfrm>
+              <a:off x="10905067" y="237068"/>
+              <a:ext cx="1286933" cy="461665"/>
+            </a:xfrm>
+            <a:prstGeom prst="rect">
+              <a:avLst/>
+            </a:prstGeom>
+            <a:noFill/>
+          </p:spPr>
+          <p:txBody>
+            <a:bodyPr wrap="square" rtlCol="0">
+              <a:spAutoFit/>
+            </a:bodyPr>
+            <a:lstStyle/>
+            <a:p>
+              <a:r>
+                <a:rPr lang="it-IT" sz="2400" b="1" dirty="0" smtClean="0">
+                  <a:solidFill>
+                    <a:srgbClr val="92D050"/>
+                  </a:solidFill>
+                  <a:latin typeface="Arial Black" pitchFamily="34" charset="0"/>
+                </a:rPr>
+                <a:t> </a:t>
+              </a:r>
+              <a:r>
+                <a:rPr lang="it-IT" sz="2400" b="1" dirty="0" smtClean="0">
+                  <a:solidFill>
+                    <a:srgbClr val="92D050"/>
+                  </a:solidFill>
+                  <a:latin typeface="Arial Black" pitchFamily="34" charset="0"/>
+                </a:rPr>
+                <a:t>REST</a:t>
+              </a:r>
+              <a:endParaRPr lang="it-IT" sz="2400" b="1" dirty="0" smtClean="0">
+                <a:solidFill>
+                  <a:srgbClr val="92D050"/>
+                </a:solidFill>
+                <a:latin typeface="Arial Black" pitchFamily="34" charset="0"/>
+              </a:endParaRPr>
+            </a:p>
+          </p:txBody>
+        </p:sp>
+      </p:grpSp>
+      <p:sp>
+        <p:nvSpPr>
+          <p:cNvPr id="7" name="CasellaDiTesto 6"/>
+          <p:cNvSpPr txBox="1"/>
+          <p:nvPr/>
+        </p:nvSpPr>
+        <p:spPr>
+          <a:xfrm>
+            <a:off x="660400" y="1117604"/>
+            <a:ext cx="11133668" cy="461665"/>
+          </a:xfrm>
+          <a:prstGeom prst="rect">
+            <a:avLst/>
+          </a:prstGeom>
+          <a:noFill/>
+        </p:spPr>
+        <p:txBody>
+          <a:bodyPr wrap="square" rtlCol="0">
+            <a:spAutoFit/>
+          </a:bodyPr>
+          <a:lstStyle/>
+          <a:p>
+            <a:r>
+              <a:rPr lang="it-IT" sz="2400" dirty="0" smtClean="0"/>
+              <a:t>TESTO </a:t>
+            </a:r>
+            <a:r>
+              <a:rPr lang="it-IT" sz="2400" dirty="0" err="1" smtClean="0"/>
+              <a:t>TESTO</a:t>
+            </a:r>
+            <a:endParaRPr lang="it-IT" sz="2400" dirty="0" smtClean="0"/>
+          </a:p>
+        </p:txBody>
+      </p:sp>
+    </p:spTree>
+    <p:extLst>
+      <p:ext uri="{BB962C8B-B14F-4D97-AF65-F5344CB8AC3E}">
+        <p14:creationId xmlns:p14="http://schemas.microsoft.com/office/powerpoint/2010/main" val="2809883294"/>
+      </p:ext>
+    </p:extLst>
+  </p:cSld>
+  <p:clrMapOvr>
+    <a:masterClrMapping/>
+  </p:clrMapOvr>
+  <p:timing>
+    <p:tnLst>
+      <p:par>
+        <p:cTn id="1" dur="indefinite" restart="never" nodeType="tmRoot"/>
+      </p:par>
+    </p:tnLst>
+  </p:timing>
+</p:sld>
+</file>
+
+<file path=ppt/slides/slide39.xml><?xml version="1.0" encoding="utf-8"?>
+<p:sld xmlns:a="http://schemas.openxmlformats.org/drawingml/2006/main" xmlns:r="http://schemas.openxmlformats.org/officeDocument/2006/relationships" xmlns:p="http://schemas.openxmlformats.org/presentationml/2006/main">
+  <p:cSld>
+    <p:spTree>
+      <p:nvGrpSpPr>
+        <p:cNvPr id="1" name=""/>
+        <p:cNvGrpSpPr/>
+        <p:nvPr/>
+      </p:nvGrpSpPr>
+      <p:grpSpPr>
+        <a:xfrm>
+          <a:off x="0" y="0"/>
+          <a:ext cx="0" cy="0"/>
+          <a:chOff x="0" y="0"/>
+          <a:chExt cx="0" cy="0"/>
+        </a:xfrm>
+      </p:grpSpPr>
+      <p:sp>
+        <p:nvSpPr>
+          <p:cNvPr id="4" name="CasellaDiTesto 3"/>
+          <p:cNvSpPr txBox="1"/>
+          <p:nvPr/>
+        </p:nvSpPr>
+        <p:spPr>
+          <a:xfrm>
+            <a:off x="673802" y="431791"/>
+            <a:ext cx="8143335" cy="1754326"/>
+          </a:xfrm>
+          <a:prstGeom prst="rect">
+            <a:avLst/>
+          </a:prstGeom>
+          <a:noFill/>
+        </p:spPr>
+        <p:txBody>
+          <a:bodyPr wrap="square" rtlCol="0">
+            <a:spAutoFit/>
+          </a:bodyPr>
+          <a:lstStyle/>
+          <a:p>
             <a:r>
               <a:rPr lang="it-IT" dirty="0" smtClean="0"/>
               <a:t>EXTRA E SVILUPPI FUTURI</a:t>
@@ -16675,8 +18452,8 @@
               <a:buChar char="-"/>
             </a:pPr>
             <a:r>
-              <a:rPr lang="it-IT" dirty="0" smtClean="0"/>
-              <a:t>Programmazione ad aspetti</a:t>
+              <a:rPr lang="it-IT" dirty="0"/>
+              <a:t>AOP</a:t>
             </a:r>
           </a:p>
           <a:p>
@@ -16685,8 +18462,43 @@
               <a:buChar char="-"/>
             </a:pPr>
             <a:r>
+              <a:rPr lang="it-IT" dirty="0" err="1"/>
+              <a:t>WebSocket</a:t>
+            </a:r>
+            <a:endParaRPr lang="it-IT" dirty="0"/>
+          </a:p>
+          <a:p>
+            <a:pPr marL="285750" indent="-285750">
+              <a:buFontTx/>
+              <a:buChar char="-"/>
+            </a:pPr>
+            <a:r>
+              <a:rPr lang="it-IT" dirty="0"/>
+              <a:t>JMS</a:t>
+            </a:r>
+          </a:p>
+          <a:p>
+            <a:pPr marL="285750" indent="-285750">
+              <a:buFontTx/>
+              <a:buChar char="-"/>
+            </a:pPr>
+            <a:r>
               <a:rPr lang="it-IT" dirty="0" smtClean="0"/>
-              <a:t>Unit test con DB in </a:t>
+              <a:t>JMX</a:t>
+            </a:r>
+          </a:p>
+          <a:p>
+            <a:pPr marL="285750" indent="-285750">
+              <a:buFontTx/>
+              <a:buChar char="-"/>
+            </a:pPr>
+            <a:r>
+              <a:rPr lang="it-IT" dirty="0" smtClean="0"/>
+              <a:t>Unit </a:t>
+            </a:r>
+            <a:r>
+              <a:rPr lang="it-IT" dirty="0" smtClean="0"/>
+              <a:t>test con DB in </a:t>
             </a:r>
             <a:r>
               <a:rPr lang="it-IT" dirty="0" err="1" smtClean="0"/>
@@ -16699,7 +18511,7 @@
     </p:spTree>
     <p:extLst>
       <p:ext uri="{BB962C8B-B14F-4D97-AF65-F5344CB8AC3E}">
-        <p14:creationId xmlns:p14="http://schemas.microsoft.com/office/powerpoint/2010/main" xmlns="" val="3518210870"/>
+        <p14:creationId xmlns:p14="http://schemas.microsoft.com/office/powerpoint/2010/main" val="1554632522"/>
       </p:ext>
     </p:extLst>
   </p:cSld>
@@ -17146,7 +18958,7 @@
     </p:spTree>
     <p:extLst>
       <p:ext uri="{BB962C8B-B14F-4D97-AF65-F5344CB8AC3E}">
-        <p14:creationId xmlns:p14="http://schemas.microsoft.com/office/powerpoint/2010/main" xmlns="" val="224944657"/>
+        <p14:creationId xmlns:p14="http://schemas.microsoft.com/office/powerpoint/2010/main" val="224944657"/>
       </p:ext>
     </p:extLst>
   </p:cSld>
@@ -17850,7 +19662,7 @@
     </p:spTree>
     <p:extLst>
       <p:ext uri="{BB962C8B-B14F-4D97-AF65-F5344CB8AC3E}">
-        <p14:creationId xmlns:p14="http://schemas.microsoft.com/office/powerpoint/2010/main" xmlns="" val="1418548180"/>
+        <p14:creationId xmlns:p14="http://schemas.microsoft.com/office/powerpoint/2010/main" val="1418548180"/>
       </p:ext>
     </p:extLst>
   </p:cSld>
@@ -18553,7 +20365,7 @@
     </p:spTree>
     <p:extLst>
       <p:ext uri="{BB962C8B-B14F-4D97-AF65-F5344CB8AC3E}">
-        <p14:creationId xmlns:p14="http://schemas.microsoft.com/office/powerpoint/2010/main" xmlns="" val="2373193717"/>
+        <p14:creationId xmlns:p14="http://schemas.microsoft.com/office/powerpoint/2010/main" val="2373193717"/>
       </p:ext>
     </p:extLst>
   </p:cSld>
@@ -18791,7 +20603,7 @@
     </p:spTree>
     <p:extLst>
       <p:ext uri="{BB962C8B-B14F-4D97-AF65-F5344CB8AC3E}">
-        <p14:creationId xmlns:p14="http://schemas.microsoft.com/office/powerpoint/2010/main" xmlns="" val="4006077807"/>
+        <p14:creationId xmlns:p14="http://schemas.microsoft.com/office/powerpoint/2010/main" val="4006077807"/>
       </p:ext>
     </p:extLst>
   </p:cSld>
@@ -18938,7 +20750,7 @@
     </p:spTree>
     <p:extLst>
       <p:ext uri="{BB962C8B-B14F-4D97-AF65-F5344CB8AC3E}">
-        <p14:creationId xmlns:p14="http://schemas.microsoft.com/office/powerpoint/2010/main" xmlns="" val="4006077807"/>
+        <p14:creationId xmlns:p14="http://schemas.microsoft.com/office/powerpoint/2010/main" val="4006077807"/>
       </p:ext>
     </p:extLst>
   </p:cSld>
@@ -19085,7 +20897,7 @@
     </p:spTree>
     <p:extLst>
       <p:ext uri="{BB962C8B-B14F-4D97-AF65-F5344CB8AC3E}">
-        <p14:creationId xmlns:p14="http://schemas.microsoft.com/office/powerpoint/2010/main" xmlns="" val="4006077807"/>
+        <p14:creationId xmlns:p14="http://schemas.microsoft.com/office/powerpoint/2010/main" val="4006077807"/>
       </p:ext>
     </p:extLst>
   </p:cSld>
@@ -19357,7 +21169,7 @@
   <a:extraClrSchemeLst/>
   <a:extLst>
     <a:ext uri="{05A4C25C-085E-4340-85A3-A5531E510DB2}">
-      <thm15:themeFamily xmlns:thm15="http://schemas.microsoft.com/office/thememl/2012/main" xmlns="" name="Office Theme" id="{62F939B6-93AF-4DB8-9C6B-D6C7DFDC589F}" vid="{4A3C46E8-61CC-4603-A589-7422A47A8E4A}"/>
+      <thm15:themeFamily xmlns:thm15="http://schemas.microsoft.com/office/thememl/2012/main" name="Office Theme" id="{62F939B6-93AF-4DB8-9C6B-D6C7DFDC589F}" vid="{4A3C46E8-61CC-4603-A589-7422A47A8E4A}"/>
     </a:ext>
   </a:extLst>
 </a:theme>

--- a/SpringSample/Spring.pptx
+++ b/SpringSample/Spring.pptx
@@ -5,7 +5,7 @@
     <p:sldMasterId id="2147483648" r:id="rId1"/>
   </p:sldMasterIdLst>
   <p:notesMasterIdLst>
-    <p:notesMasterId r:id="rId35"/>
+    <p:notesMasterId r:id="rId41"/>
   </p:notesMasterIdLst>
   <p:sldIdLst>
     <p:sldId id="259" r:id="rId2"/>
@@ -39,8 +39,14 @@
     <p:sldId id="295" r:id="rId30"/>
     <p:sldId id="292" r:id="rId31"/>
     <p:sldId id="296" r:id="rId32"/>
-    <p:sldId id="281" r:id="rId33"/>
-    <p:sldId id="258" r:id="rId34"/>
+    <p:sldId id="297" r:id="rId33"/>
+    <p:sldId id="298" r:id="rId34"/>
+    <p:sldId id="281" r:id="rId35"/>
+    <p:sldId id="299" r:id="rId36"/>
+    <p:sldId id="300" r:id="rId37"/>
+    <p:sldId id="303" r:id="rId38"/>
+    <p:sldId id="301" r:id="rId39"/>
+    <p:sldId id="302" r:id="rId40"/>
   </p:sldIdLst>
   <p:sldSz cx="12192000" cy="6858000"/>
   <p:notesSz cx="6858000" cy="9144000"/>
@@ -141,7 +147,7 @@
   </p:defaultTextStyle>
   <p:extLst>
     <p:ext uri="{EFAFB233-063F-42B5-8137-9DF3F51BA10A}">
-      <p15:sldGuideLst xmlns:p15="http://schemas.microsoft.com/office/powerpoint/2012/main" xmlns="">
+      <p15:sldGuideLst xmlns:p15="http://schemas.microsoft.com/office/powerpoint/2012/main">
         <p15:guide id="1" orient="horz" pos="2160">
           <p15:clr>
             <a:srgbClr val="A4A3A4"/>
@@ -155,7 +161,7 @@
       </p15:sldGuideLst>
     </p:ext>
     <p:ext uri="{2D200454-40CA-4A62-9FC3-DE9A4176ACB9}">
-      <p15:notesGuideLst xmlns:p15="http://schemas.microsoft.com/office/powerpoint/2012/main" xmlns="">
+      <p15:notesGuideLst xmlns:p15="http://schemas.microsoft.com/office/powerpoint/2012/main">
         <p15:guide id="1" orient="horz" pos="2880">
           <p15:clr>
             <a:srgbClr val="A4A3A4"/>
@@ -177,7 +183,7 @@
   <p:cmAuthor id="1" name="Casamassa Simone" initials="CS" lastIdx="32" clrIdx="0">
     <p:extLst>
       <p:ext uri="{19B8F6BF-5375-455C-9EA6-DF929625EA0E}">
-        <p15:presenceInfo xmlns:p15="http://schemas.microsoft.com/office/powerpoint/2012/main" xmlns="" userId="S-1-5-21-417365229-399659180-1714775081-164679" providerId="AD"/>
+        <p15:presenceInfo xmlns:p15="http://schemas.microsoft.com/office/powerpoint/2012/main" userId="S-1-5-21-417365229-399659180-1714775081-164679" providerId="AD"/>
       </p:ext>
     </p:extLst>
   </p:cmAuthor>
@@ -192,7 +198,7 @@
     <p:text/>
     <p:extLst>
       <p:ext uri="{C676402C-5697-4E1C-873F-D02D1690AC5C}">
-        <p15:threadingInfo xmlns:p15="http://schemas.microsoft.com/office/powerpoint/2012/main" xmlns="" timeZoneBias="-120"/>
+        <p15:threadingInfo xmlns:p15="http://schemas.microsoft.com/office/powerpoint/2012/main" timeZoneBias="-120"/>
       </p:ext>
     </p:extLst>
   </p:cm>
@@ -201,7 +207,7 @@
     <p:text/>
     <p:extLst>
       <p:ext uri="{C676402C-5697-4E1C-873F-D02D1690AC5C}">
-        <p15:threadingInfo xmlns:p15="http://schemas.microsoft.com/office/powerpoint/2012/main" xmlns="" timeZoneBias="-120"/>
+        <p15:threadingInfo xmlns:p15="http://schemas.microsoft.com/office/powerpoint/2012/main" timeZoneBias="-120"/>
       </p:ext>
     </p:extLst>
   </p:cm>
@@ -215,7 +221,7 @@
     <p:text/>
     <p:extLst>
       <p:ext uri="{C676402C-5697-4E1C-873F-D02D1690AC5C}">
-        <p15:threadingInfo xmlns:p15="http://schemas.microsoft.com/office/powerpoint/2012/main" xmlns="" timeZoneBias="-120"/>
+        <p15:threadingInfo xmlns:p15="http://schemas.microsoft.com/office/powerpoint/2012/main" timeZoneBias="-120"/>
       </p:ext>
     </p:extLst>
   </p:cm>
@@ -224,7 +230,7 @@
     <p:text/>
     <p:extLst>
       <p:ext uri="{C676402C-5697-4E1C-873F-D02D1690AC5C}">
-        <p15:threadingInfo xmlns:p15="http://schemas.microsoft.com/office/powerpoint/2012/main" xmlns="" timeZoneBias="-120"/>
+        <p15:threadingInfo xmlns:p15="http://schemas.microsoft.com/office/powerpoint/2012/main" timeZoneBias="-120"/>
       </p:ext>
     </p:extLst>
   </p:cm>
@@ -238,7 +244,7 @@
     <p:text/>
     <p:extLst>
       <p:ext uri="{C676402C-5697-4E1C-873F-D02D1690AC5C}">
-        <p15:threadingInfo xmlns:p15="http://schemas.microsoft.com/office/powerpoint/2012/main" xmlns="" timeZoneBias="-120"/>
+        <p15:threadingInfo xmlns:p15="http://schemas.microsoft.com/office/powerpoint/2012/main" timeZoneBias="-120"/>
       </p:ext>
     </p:extLst>
   </p:cm>
@@ -247,7 +253,7 @@
     <p:text/>
     <p:extLst>
       <p:ext uri="{C676402C-5697-4E1C-873F-D02D1690AC5C}">
-        <p15:threadingInfo xmlns:p15="http://schemas.microsoft.com/office/powerpoint/2012/main" xmlns="" timeZoneBias="-120"/>
+        <p15:threadingInfo xmlns:p15="http://schemas.microsoft.com/office/powerpoint/2012/main" timeZoneBias="-120"/>
       </p:ext>
     </p:extLst>
   </p:cm>
@@ -300,7 +306,7 @@
     <p:text/>
     <p:extLst>
       <p:ext uri="{C676402C-5697-4E1C-873F-D02D1690AC5C}">
-        <p15:threadingInfo xmlns:p15="http://schemas.microsoft.com/office/powerpoint/2012/main" xmlns="" timeZoneBias="-120"/>
+        <p15:threadingInfo xmlns:p15="http://schemas.microsoft.com/office/powerpoint/2012/main" timeZoneBias="-120"/>
       </p:ext>
     </p:extLst>
   </p:cm>
@@ -309,7 +315,7 @@
     <p:text/>
     <p:extLst>
       <p:ext uri="{C676402C-5697-4E1C-873F-D02D1690AC5C}">
-        <p15:threadingInfo xmlns:p15="http://schemas.microsoft.com/office/powerpoint/2012/main" xmlns="" timeZoneBias="-120"/>
+        <p15:threadingInfo xmlns:p15="http://schemas.microsoft.com/office/powerpoint/2012/main" timeZoneBias="-120"/>
       </p:ext>
     </p:extLst>
   </p:cm>
@@ -336,7 +342,7 @@
     <p:text/>
     <p:extLst>
       <p:ext uri="{C676402C-5697-4E1C-873F-D02D1690AC5C}">
-        <p15:threadingInfo xmlns:p15="http://schemas.microsoft.com/office/powerpoint/2012/main" xmlns="" timeZoneBias="-120"/>
+        <p15:threadingInfo xmlns:p15="http://schemas.microsoft.com/office/powerpoint/2012/main" timeZoneBias="-120"/>
       </p:ext>
     </p:extLst>
   </p:cm>
@@ -345,7 +351,7 @@
     <p:text/>
     <p:extLst>
       <p:ext uri="{C676402C-5697-4E1C-873F-D02D1690AC5C}">
-        <p15:threadingInfo xmlns:p15="http://schemas.microsoft.com/office/powerpoint/2012/main" xmlns="" timeZoneBias="-120"/>
+        <p15:threadingInfo xmlns:p15="http://schemas.microsoft.com/office/powerpoint/2012/main" timeZoneBias="-120"/>
       </p:ext>
     </p:extLst>
   </p:cm>
@@ -385,7 +391,7 @@
     <p:text/>
     <p:extLst>
       <p:ext uri="{C676402C-5697-4E1C-873F-D02D1690AC5C}">
-        <p15:threadingInfo xmlns:p15="http://schemas.microsoft.com/office/powerpoint/2012/main" xmlns="" timeZoneBias="-120"/>
+        <p15:threadingInfo xmlns:p15="http://schemas.microsoft.com/office/powerpoint/2012/main" timeZoneBias="-120"/>
       </p:ext>
     </p:extLst>
   </p:cm>
@@ -394,7 +400,7 @@
     <p:text/>
     <p:extLst>
       <p:ext uri="{C676402C-5697-4E1C-873F-D02D1690AC5C}">
-        <p15:threadingInfo xmlns:p15="http://schemas.microsoft.com/office/powerpoint/2012/main" xmlns="" timeZoneBias="-120"/>
+        <p15:threadingInfo xmlns:p15="http://schemas.microsoft.com/office/powerpoint/2012/main" timeZoneBias="-120"/>
       </p:ext>
     </p:extLst>
   </p:cm>
@@ -434,7 +440,7 @@
     <p:text/>
     <p:extLst>
       <p:ext uri="{C676402C-5697-4E1C-873F-D02D1690AC5C}">
-        <p15:threadingInfo xmlns:p15="http://schemas.microsoft.com/office/powerpoint/2012/main" xmlns="" timeZoneBias="-120"/>
+        <p15:threadingInfo xmlns:p15="http://schemas.microsoft.com/office/powerpoint/2012/main" timeZoneBias="-120"/>
       </p:ext>
     </p:extLst>
   </p:cm>
@@ -443,7 +449,99 @@
     <p:text/>
     <p:extLst>
       <p:ext uri="{C676402C-5697-4E1C-873F-D02D1690AC5C}">
-        <p15:threadingInfo xmlns:p15="http://schemas.microsoft.com/office/powerpoint/2012/main" xmlns="" timeZoneBias="-120"/>
+        <p15:threadingInfo xmlns:p15="http://schemas.microsoft.com/office/powerpoint/2012/main" timeZoneBias="-120"/>
+      </p:ext>
+    </p:extLst>
+  </p:cm>
+</p:cmLst>
+</file>
+
+<file path=ppt/comments/comment23.xml><?xml version="1.0" encoding="utf-8"?>
+<p:cmLst xmlns:a="http://schemas.openxmlformats.org/drawingml/2006/main" xmlns:r="http://schemas.openxmlformats.org/officeDocument/2006/relationships" xmlns:p="http://schemas.openxmlformats.org/presentationml/2006/main">
+  <p:cm authorId="1" dt="2016-05-25T01:26:32.229" idx="1">
+    <p:pos x="10" y="10"/>
+    <p:text/>
+    <p:extLst>
+      <p:ext uri="{C676402C-5697-4E1C-873F-D02D1690AC5C}">
+        <p15:threadingInfo xmlns:p15="http://schemas.microsoft.com/office/powerpoint/2012/main" timeZoneBias="-120"/>
+      </p:ext>
+    </p:extLst>
+  </p:cm>
+  <p:cm authorId="1" dt="2016-05-25T01:26:33.255" idx="2">
+    <p:pos x="106" y="106"/>
+    <p:text/>
+    <p:extLst>
+      <p:ext uri="{C676402C-5697-4E1C-873F-D02D1690AC5C}">
+        <p15:threadingInfo xmlns:p15="http://schemas.microsoft.com/office/powerpoint/2012/main" timeZoneBias="-120"/>
+      </p:ext>
+    </p:extLst>
+  </p:cm>
+</p:cmLst>
+</file>
+
+<file path=ppt/comments/comment24.xml><?xml version="1.0" encoding="utf-8"?>
+<p:cmLst xmlns:a="http://schemas.openxmlformats.org/drawingml/2006/main" xmlns:r="http://schemas.openxmlformats.org/officeDocument/2006/relationships" xmlns:p="http://schemas.openxmlformats.org/presentationml/2006/main">
+  <p:cm authorId="1" dt="2016-05-25T01:26:32.229" idx="1">
+    <p:pos x="10" y="10"/>
+    <p:text/>
+    <p:extLst>
+      <p:ext uri="{C676402C-5697-4E1C-873F-D02D1690AC5C}">
+        <p15:threadingInfo xmlns:p15="http://schemas.microsoft.com/office/powerpoint/2012/main" timeZoneBias="-120"/>
+      </p:ext>
+    </p:extLst>
+  </p:cm>
+  <p:cm authorId="1" dt="2016-05-25T01:26:33.255" idx="2">
+    <p:pos x="106" y="106"/>
+    <p:text/>
+    <p:extLst>
+      <p:ext uri="{C676402C-5697-4E1C-873F-D02D1690AC5C}">
+        <p15:threadingInfo xmlns:p15="http://schemas.microsoft.com/office/powerpoint/2012/main" timeZoneBias="-120"/>
+      </p:ext>
+    </p:extLst>
+  </p:cm>
+</p:cmLst>
+</file>
+
+<file path=ppt/comments/comment25.xml><?xml version="1.0" encoding="utf-8"?>
+<p:cmLst xmlns:a="http://schemas.openxmlformats.org/drawingml/2006/main" xmlns:r="http://schemas.openxmlformats.org/officeDocument/2006/relationships" xmlns:p="http://schemas.openxmlformats.org/presentationml/2006/main">
+  <p:cm authorId="1" dt="2016-05-25T01:26:32.229" idx="1">
+    <p:pos x="10" y="10"/>
+    <p:text/>
+    <p:extLst>
+      <p:ext uri="{C676402C-5697-4E1C-873F-D02D1690AC5C}">
+        <p15:threadingInfo xmlns:p15="http://schemas.microsoft.com/office/powerpoint/2012/main" timeZoneBias="-120"/>
+      </p:ext>
+    </p:extLst>
+  </p:cm>
+  <p:cm authorId="1" dt="2016-05-25T01:26:33.255" idx="2">
+    <p:pos x="106" y="106"/>
+    <p:text/>
+    <p:extLst>
+      <p:ext uri="{C676402C-5697-4E1C-873F-D02D1690AC5C}">
+        <p15:threadingInfo xmlns:p15="http://schemas.microsoft.com/office/powerpoint/2012/main" timeZoneBias="-120"/>
+      </p:ext>
+    </p:extLst>
+  </p:cm>
+</p:cmLst>
+</file>
+
+<file path=ppt/comments/comment26.xml><?xml version="1.0" encoding="utf-8"?>
+<p:cmLst xmlns:a="http://schemas.openxmlformats.org/drawingml/2006/main" xmlns:r="http://schemas.openxmlformats.org/officeDocument/2006/relationships" xmlns:p="http://schemas.openxmlformats.org/presentationml/2006/main">
+  <p:cm authorId="1" dt="2016-05-25T01:26:32.229" idx="1">
+    <p:pos x="10" y="10"/>
+    <p:text/>
+    <p:extLst>
+      <p:ext uri="{C676402C-5697-4E1C-873F-D02D1690AC5C}">
+        <p15:threadingInfo xmlns:p15="http://schemas.microsoft.com/office/powerpoint/2012/main" timeZoneBias="-120"/>
+      </p:ext>
+    </p:extLst>
+  </p:cm>
+  <p:cm authorId="1" dt="2016-05-25T01:26:33.255" idx="2">
+    <p:pos x="106" y="106"/>
+    <p:text/>
+    <p:extLst>
+      <p:ext uri="{C676402C-5697-4E1C-873F-D02D1690AC5C}">
+        <p15:threadingInfo xmlns:p15="http://schemas.microsoft.com/office/powerpoint/2012/main" timeZoneBias="-120"/>
       </p:ext>
     </p:extLst>
   </p:cm>
@@ -457,7 +555,7 @@
     <p:text/>
     <p:extLst>
       <p:ext uri="{C676402C-5697-4E1C-873F-D02D1690AC5C}">
-        <p15:threadingInfo xmlns:p15="http://schemas.microsoft.com/office/powerpoint/2012/main" xmlns="" timeZoneBias="-120"/>
+        <p15:threadingInfo xmlns:p15="http://schemas.microsoft.com/office/powerpoint/2012/main" timeZoneBias="-120"/>
       </p:ext>
     </p:extLst>
   </p:cm>
@@ -466,7 +564,7 @@
     <p:text/>
     <p:extLst>
       <p:ext uri="{C676402C-5697-4E1C-873F-D02D1690AC5C}">
-        <p15:threadingInfo xmlns:p15="http://schemas.microsoft.com/office/powerpoint/2012/main" xmlns="" timeZoneBias="-120"/>
+        <p15:threadingInfo xmlns:p15="http://schemas.microsoft.com/office/powerpoint/2012/main" timeZoneBias="-120"/>
       </p:ext>
     </p:extLst>
   </p:cm>
@@ -493,7 +591,7 @@
     <p:text/>
     <p:extLst>
       <p:ext uri="{C676402C-5697-4E1C-873F-D02D1690AC5C}">
-        <p15:threadingInfo xmlns:p15="http://schemas.microsoft.com/office/powerpoint/2012/main" xmlns="" timeZoneBias="-120"/>
+        <p15:threadingInfo xmlns:p15="http://schemas.microsoft.com/office/powerpoint/2012/main" timeZoneBias="-120"/>
       </p:ext>
     </p:extLst>
   </p:cm>
@@ -502,7 +600,7 @@
     <p:text/>
     <p:extLst>
       <p:ext uri="{C676402C-5697-4E1C-873F-D02D1690AC5C}">
-        <p15:threadingInfo xmlns:p15="http://schemas.microsoft.com/office/powerpoint/2012/main" xmlns="" timeZoneBias="-120"/>
+        <p15:threadingInfo xmlns:p15="http://schemas.microsoft.com/office/powerpoint/2012/main" timeZoneBias="-120"/>
       </p:ext>
     </p:extLst>
   </p:cm>
@@ -529,7 +627,7 @@
     <p:text/>
     <p:extLst>
       <p:ext uri="{C676402C-5697-4E1C-873F-D02D1690AC5C}">
-        <p15:threadingInfo xmlns:p15="http://schemas.microsoft.com/office/powerpoint/2012/main" xmlns="" timeZoneBias="-120"/>
+        <p15:threadingInfo xmlns:p15="http://schemas.microsoft.com/office/powerpoint/2012/main" timeZoneBias="-120"/>
       </p:ext>
     </p:extLst>
   </p:cm>
@@ -538,7 +636,7 @@
     <p:text/>
     <p:extLst>
       <p:ext uri="{C676402C-5697-4E1C-873F-D02D1690AC5C}">
-        <p15:threadingInfo xmlns:p15="http://schemas.microsoft.com/office/powerpoint/2012/main" xmlns="" timeZoneBias="-120"/>
+        <p15:threadingInfo xmlns:p15="http://schemas.microsoft.com/office/powerpoint/2012/main" timeZoneBias="-120"/>
       </p:ext>
     </p:extLst>
   </p:cm>
@@ -552,7 +650,7 @@
     <p:text/>
     <p:extLst>
       <p:ext uri="{C676402C-5697-4E1C-873F-D02D1690AC5C}">
-        <p15:threadingInfo xmlns:p15="http://schemas.microsoft.com/office/powerpoint/2012/main" xmlns="" timeZoneBias="-120"/>
+        <p15:threadingInfo xmlns:p15="http://schemas.microsoft.com/office/powerpoint/2012/main" timeZoneBias="-120"/>
       </p:ext>
     </p:extLst>
   </p:cm>
@@ -561,7 +659,7 @@
     <p:text/>
     <p:extLst>
       <p:ext uri="{C676402C-5697-4E1C-873F-D02D1690AC5C}">
-        <p15:threadingInfo xmlns:p15="http://schemas.microsoft.com/office/powerpoint/2012/main" xmlns="" timeZoneBias="-120"/>
+        <p15:threadingInfo xmlns:p15="http://schemas.microsoft.com/office/powerpoint/2012/main" timeZoneBias="-120"/>
       </p:ext>
     </p:extLst>
   </p:cm>
@@ -575,7 +673,7 @@
     <p:text/>
     <p:extLst>
       <p:ext uri="{C676402C-5697-4E1C-873F-D02D1690AC5C}">
-        <p15:threadingInfo xmlns:p15="http://schemas.microsoft.com/office/powerpoint/2012/main" xmlns="" timeZoneBias="-120"/>
+        <p15:threadingInfo xmlns:p15="http://schemas.microsoft.com/office/powerpoint/2012/main" timeZoneBias="-120"/>
       </p:ext>
     </p:extLst>
   </p:cm>
@@ -584,7 +682,7 @@
     <p:text/>
     <p:extLst>
       <p:ext uri="{C676402C-5697-4E1C-873F-D02D1690AC5C}">
-        <p15:threadingInfo xmlns:p15="http://schemas.microsoft.com/office/powerpoint/2012/main" xmlns="" timeZoneBias="-120"/>
+        <p15:threadingInfo xmlns:p15="http://schemas.microsoft.com/office/powerpoint/2012/main" timeZoneBias="-120"/>
       </p:ext>
     </p:extLst>
   </p:cm>
@@ -674,7 +772,7 @@
             <a:fld id="{A255C5BB-DF46-4EC0-870A-A373002A9AFF}" type="datetimeFigureOut">
               <a:rPr lang="it-IT" smtClean="0"/>
               <a:pPr/>
-              <a:t>19/07/2016</a:t>
+              <a:t>06/09/2016</a:t>
             </a:fld>
             <a:endParaRPr lang="it-IT"/>
           </a:p>
@@ -845,7 +943,7 @@
     </p:spTree>
     <p:extLst>
       <p:ext uri="{BB962C8B-B14F-4D97-AF65-F5344CB8AC3E}">
-        <p14:creationId xmlns:p14="http://schemas.microsoft.com/office/powerpoint/2010/main" xmlns="" val="650630372"/>
+        <p14:creationId xmlns:p14="http://schemas.microsoft.com/office/powerpoint/2010/main" val="650630372"/>
       </p:ext>
     </p:extLst>
   </p:cSld>
@@ -1022,7 +1120,7 @@
     </p:spTree>
     <p:extLst>
       <p:ext uri="{BB962C8B-B14F-4D97-AF65-F5344CB8AC3E}">
-        <p14:creationId xmlns:p14="http://schemas.microsoft.com/office/powerpoint/2010/main" xmlns="" val="1493373134"/>
+        <p14:creationId xmlns:p14="http://schemas.microsoft.com/office/powerpoint/2010/main" val="1493373134"/>
       </p:ext>
     </p:extLst>
   </p:cSld>
@@ -1109,7 +1207,7 @@
     </p:spTree>
     <p:extLst>
       <p:ext uri="{BB962C8B-B14F-4D97-AF65-F5344CB8AC3E}">
-        <p14:creationId xmlns:p14="http://schemas.microsoft.com/office/powerpoint/2010/main" xmlns="" val="3362151906"/>
+        <p14:creationId xmlns:p14="http://schemas.microsoft.com/office/powerpoint/2010/main" val="3362151906"/>
       </p:ext>
     </p:extLst>
   </p:cSld>
@@ -1196,7 +1294,7 @@
     </p:spTree>
     <p:extLst>
       <p:ext uri="{BB962C8B-B14F-4D97-AF65-F5344CB8AC3E}">
-        <p14:creationId xmlns:p14="http://schemas.microsoft.com/office/powerpoint/2010/main" xmlns="" val="1180808390"/>
+        <p14:creationId xmlns:p14="http://schemas.microsoft.com/office/powerpoint/2010/main" val="1180808390"/>
       </p:ext>
     </p:extLst>
   </p:cSld>
@@ -1283,7 +1381,7 @@
     </p:spTree>
     <p:extLst>
       <p:ext uri="{BB962C8B-B14F-4D97-AF65-F5344CB8AC3E}">
-        <p14:creationId xmlns:p14="http://schemas.microsoft.com/office/powerpoint/2010/main" xmlns="" val="1289830501"/>
+        <p14:creationId xmlns:p14="http://schemas.microsoft.com/office/powerpoint/2010/main" val="1289830501"/>
       </p:ext>
     </p:extLst>
   </p:cSld>
@@ -1370,7 +1468,7 @@
     </p:spTree>
     <p:extLst>
       <p:ext uri="{BB962C8B-B14F-4D97-AF65-F5344CB8AC3E}">
-        <p14:creationId xmlns:p14="http://schemas.microsoft.com/office/powerpoint/2010/main" xmlns="" val="2556934821"/>
+        <p14:creationId xmlns:p14="http://schemas.microsoft.com/office/powerpoint/2010/main" val="2556934821"/>
       </p:ext>
     </p:extLst>
   </p:cSld>
@@ -1421,17 +1519,11 @@
         </p:nvSpPr>
         <p:spPr/>
         <p:txBody>
-          <a:bodyPr/>
+          <a:bodyPr>
+            <a:normAutofit/>
+          </a:bodyPr>
           <a:lstStyle/>
           <a:p>
-            <a:r>
-              <a:rPr lang="it-IT" dirty="0" smtClean="0"/>
-              <a:t>Con i</a:t>
-            </a:r>
-            <a:r>
-              <a:rPr lang="it-IT" baseline="0" dirty="0" smtClean="0"/>
-              <a:t> tre tipi di input fai tutti e tre i test live</a:t>
-            </a:r>
             <a:endParaRPr lang="it-IT" dirty="0"/>
           </a:p>
         </p:txBody>
@@ -1463,7 +1555,187 @@
     </p:spTree>
     <p:extLst>
       <p:ext uri="{BB962C8B-B14F-4D97-AF65-F5344CB8AC3E}">
-        <p14:creationId xmlns:p14="http://schemas.microsoft.com/office/powerpoint/2010/main" xmlns="" val="3303985320"/>
+        <p14:creationId xmlns:p14="http://schemas.microsoft.com/office/powerpoint/2010/main" val="4030626913"/>
+      </p:ext>
+    </p:extLst>
+  </p:cSld>
+  <p:clrMapOvr>
+    <a:masterClrMapping/>
+  </p:clrMapOvr>
+</p:notes>
+</file>
+
+<file path=ppt/notesSlides/notesSlide15.xml><?xml version="1.0" encoding="utf-8"?>
+<p:notes xmlns:a="http://schemas.openxmlformats.org/drawingml/2006/main" xmlns:r="http://schemas.openxmlformats.org/officeDocument/2006/relationships" xmlns:p="http://schemas.openxmlformats.org/presentationml/2006/main">
+  <p:cSld>
+    <p:spTree>
+      <p:nvGrpSpPr>
+        <p:cNvPr id="1" name=""/>
+        <p:cNvGrpSpPr/>
+        <p:nvPr/>
+      </p:nvGrpSpPr>
+      <p:grpSpPr>
+        <a:xfrm>
+          <a:off x="0" y="0"/>
+          <a:ext cx="0" cy="0"/>
+          <a:chOff x="0" y="0"/>
+          <a:chExt cx="0" cy="0"/>
+        </a:xfrm>
+      </p:grpSpPr>
+      <p:sp>
+        <p:nvSpPr>
+          <p:cNvPr id="2" name="Segnaposto immagine diapositiva 1"/>
+          <p:cNvSpPr>
+            <a:spLocks noGrp="1" noRot="1" noChangeAspect="1"/>
+          </p:cNvSpPr>
+          <p:nvPr>
+            <p:ph type="sldImg"/>
+          </p:nvPr>
+        </p:nvSpPr>
+        <p:spPr/>
+      </p:sp>
+      <p:sp>
+        <p:nvSpPr>
+          <p:cNvPr id="3" name="Segnaposto note 2"/>
+          <p:cNvSpPr>
+            <a:spLocks noGrp="1"/>
+          </p:cNvSpPr>
+          <p:nvPr>
+            <p:ph type="body" idx="1"/>
+          </p:nvPr>
+        </p:nvSpPr>
+        <p:spPr/>
+        <p:txBody>
+          <a:bodyPr>
+            <a:normAutofit/>
+          </a:bodyPr>
+          <a:lstStyle/>
+          <a:p>
+            <a:endParaRPr lang="it-IT" dirty="0"/>
+          </a:p>
+        </p:txBody>
+      </p:sp>
+      <p:sp>
+        <p:nvSpPr>
+          <p:cNvPr id="4" name="Segnaposto numero diapositiva 3"/>
+          <p:cNvSpPr>
+            <a:spLocks noGrp="1"/>
+          </p:cNvSpPr>
+          <p:nvPr>
+            <p:ph type="sldNum" sz="quarter" idx="10"/>
+          </p:nvPr>
+        </p:nvSpPr>
+        <p:spPr/>
+        <p:txBody>
+          <a:bodyPr/>
+          <a:lstStyle/>
+          <a:p>
+            <a:fld id="{7758B646-FDF7-4CF1-8E1D-DFBF11E39D61}" type="slidenum">
+              <a:rPr lang="it-IT" smtClean="0"/>
+              <a:pPr/>
+              <a:t>33</a:t>
+            </a:fld>
+            <a:endParaRPr lang="it-IT"/>
+          </a:p>
+        </p:txBody>
+      </p:sp>
+    </p:spTree>
+    <p:extLst>
+      <p:ext uri="{BB962C8B-B14F-4D97-AF65-F5344CB8AC3E}">
+        <p14:creationId xmlns:p14="http://schemas.microsoft.com/office/powerpoint/2010/main" val="3961674019"/>
+      </p:ext>
+    </p:extLst>
+  </p:cSld>
+  <p:clrMapOvr>
+    <a:masterClrMapping/>
+  </p:clrMapOvr>
+</p:notes>
+</file>
+
+<file path=ppt/notesSlides/notesSlide16.xml><?xml version="1.0" encoding="utf-8"?>
+<p:notes xmlns:a="http://schemas.openxmlformats.org/drawingml/2006/main" xmlns:r="http://schemas.openxmlformats.org/officeDocument/2006/relationships" xmlns:p="http://schemas.openxmlformats.org/presentationml/2006/main">
+  <p:cSld>
+    <p:spTree>
+      <p:nvGrpSpPr>
+        <p:cNvPr id="1" name=""/>
+        <p:cNvGrpSpPr/>
+        <p:nvPr/>
+      </p:nvGrpSpPr>
+      <p:grpSpPr>
+        <a:xfrm>
+          <a:off x="0" y="0"/>
+          <a:ext cx="0" cy="0"/>
+          <a:chOff x="0" y="0"/>
+          <a:chExt cx="0" cy="0"/>
+        </a:xfrm>
+      </p:grpSpPr>
+      <p:sp>
+        <p:nvSpPr>
+          <p:cNvPr id="2" name="Segnaposto immagine diapositiva 1"/>
+          <p:cNvSpPr>
+            <a:spLocks noGrp="1" noRot="1" noChangeAspect="1"/>
+          </p:cNvSpPr>
+          <p:nvPr>
+            <p:ph type="sldImg"/>
+          </p:nvPr>
+        </p:nvSpPr>
+        <p:spPr/>
+      </p:sp>
+      <p:sp>
+        <p:nvSpPr>
+          <p:cNvPr id="3" name="Segnaposto note 2"/>
+          <p:cNvSpPr>
+            <a:spLocks noGrp="1"/>
+          </p:cNvSpPr>
+          <p:nvPr>
+            <p:ph type="body" idx="1"/>
+          </p:nvPr>
+        </p:nvSpPr>
+        <p:spPr/>
+        <p:txBody>
+          <a:bodyPr/>
+          <a:lstStyle/>
+          <a:p>
+            <a:r>
+              <a:rPr lang="it-IT" dirty="0" smtClean="0"/>
+              <a:t>Con i</a:t>
+            </a:r>
+            <a:r>
+              <a:rPr lang="it-IT" baseline="0" dirty="0" smtClean="0"/>
+              <a:t> tre tipi di input fai tutti e tre i test live</a:t>
+            </a:r>
+            <a:endParaRPr lang="it-IT" dirty="0"/>
+          </a:p>
+        </p:txBody>
+      </p:sp>
+      <p:sp>
+        <p:nvSpPr>
+          <p:cNvPr id="4" name="Segnaposto numero diapositiva 3"/>
+          <p:cNvSpPr>
+            <a:spLocks noGrp="1"/>
+          </p:cNvSpPr>
+          <p:nvPr>
+            <p:ph type="sldNum" sz="quarter" idx="10"/>
+          </p:nvPr>
+        </p:nvSpPr>
+        <p:spPr/>
+        <p:txBody>
+          <a:bodyPr/>
+          <a:lstStyle/>
+          <a:p>
+            <a:fld id="{7758B646-FDF7-4CF1-8E1D-DFBF11E39D61}" type="slidenum">
+              <a:rPr lang="it-IT" smtClean="0"/>
+              <a:pPr/>
+              <a:t>34</a:t>
+            </a:fld>
+            <a:endParaRPr lang="it-IT"/>
+          </a:p>
+        </p:txBody>
+      </p:sp>
+    </p:spTree>
+    <p:extLst>
+      <p:ext uri="{BB962C8B-B14F-4D97-AF65-F5344CB8AC3E}">
+        <p14:creationId xmlns:p14="http://schemas.microsoft.com/office/powerpoint/2010/main" val="3303985320"/>
       </p:ext>
     </p:extLst>
   </p:cSld>
@@ -1665,7 +1937,7 @@
     </p:spTree>
     <p:extLst>
       <p:ext uri="{BB962C8B-B14F-4D97-AF65-F5344CB8AC3E}">
-        <p14:creationId xmlns:p14="http://schemas.microsoft.com/office/powerpoint/2010/main" xmlns="" val="2566373566"/>
+        <p14:creationId xmlns:p14="http://schemas.microsoft.com/office/powerpoint/2010/main" val="2566373566"/>
       </p:ext>
     </p:extLst>
   </p:cSld>
@@ -1755,7 +2027,7 @@
     </p:spTree>
     <p:extLst>
       <p:ext uri="{BB962C8B-B14F-4D97-AF65-F5344CB8AC3E}">
-        <p14:creationId xmlns:p14="http://schemas.microsoft.com/office/powerpoint/2010/main" xmlns="" val="3864048904"/>
+        <p14:creationId xmlns:p14="http://schemas.microsoft.com/office/powerpoint/2010/main" val="3864048904"/>
       </p:ext>
     </p:extLst>
   </p:cSld>
@@ -1870,7 +2142,7 @@
     </p:spTree>
     <p:extLst>
       <p:ext uri="{BB962C8B-B14F-4D97-AF65-F5344CB8AC3E}">
-        <p14:creationId xmlns:p14="http://schemas.microsoft.com/office/powerpoint/2010/main" xmlns="" val="1340662249"/>
+        <p14:creationId xmlns:p14="http://schemas.microsoft.com/office/powerpoint/2010/main" val="1340662249"/>
       </p:ext>
     </p:extLst>
   </p:cSld>
@@ -1958,7 +2230,7 @@
     </p:spTree>
     <p:extLst>
       <p:ext uri="{BB962C8B-B14F-4D97-AF65-F5344CB8AC3E}">
-        <p14:creationId xmlns:p14="http://schemas.microsoft.com/office/powerpoint/2010/main" xmlns="" val="2039818474"/>
+        <p14:creationId xmlns:p14="http://schemas.microsoft.com/office/powerpoint/2010/main" val="2039818474"/>
       </p:ext>
     </p:extLst>
   </p:cSld>
@@ -2045,7 +2317,7 @@
     </p:spTree>
     <p:extLst>
       <p:ext uri="{BB962C8B-B14F-4D97-AF65-F5344CB8AC3E}">
-        <p14:creationId xmlns:p14="http://schemas.microsoft.com/office/powerpoint/2010/main" xmlns="" val="62535827"/>
+        <p14:creationId xmlns:p14="http://schemas.microsoft.com/office/powerpoint/2010/main" val="62535827"/>
       </p:ext>
     </p:extLst>
   </p:cSld>
@@ -2205,7 +2477,7 @@
     </p:spTree>
     <p:extLst>
       <p:ext uri="{BB962C8B-B14F-4D97-AF65-F5344CB8AC3E}">
-        <p14:creationId xmlns:p14="http://schemas.microsoft.com/office/powerpoint/2010/main" xmlns="" val="866599220"/>
+        <p14:creationId xmlns:p14="http://schemas.microsoft.com/office/powerpoint/2010/main" val="866599220"/>
       </p:ext>
     </p:extLst>
   </p:cSld>
@@ -2304,7 +2576,7 @@
     </p:spTree>
     <p:extLst>
       <p:ext uri="{BB962C8B-B14F-4D97-AF65-F5344CB8AC3E}">
-        <p14:creationId xmlns:p14="http://schemas.microsoft.com/office/powerpoint/2010/main" xmlns="" val="1967474803"/>
+        <p14:creationId xmlns:p14="http://schemas.microsoft.com/office/powerpoint/2010/main" val="1967474803"/>
       </p:ext>
     </p:extLst>
   </p:cSld>
@@ -2391,7 +2663,7 @@
     </p:spTree>
     <p:extLst>
       <p:ext uri="{BB962C8B-B14F-4D97-AF65-F5344CB8AC3E}">
-        <p14:creationId xmlns:p14="http://schemas.microsoft.com/office/powerpoint/2010/main" xmlns="" val="2689595240"/>
+        <p14:creationId xmlns:p14="http://schemas.microsoft.com/office/powerpoint/2010/main" val="2689595240"/>
       </p:ext>
     </p:extLst>
   </p:cSld>
@@ -2533,7 +2805,7 @@
             <a:fld id="{8205E794-A549-463B-B7B3-711DAAF83CCF}" type="datetimeFigureOut">
               <a:rPr lang="it-IT" smtClean="0"/>
               <a:pPr/>
-              <a:t>19/07/2016</a:t>
+              <a:t>06/09/2016</a:t>
             </a:fld>
             <a:endParaRPr lang="it-IT"/>
           </a:p>
@@ -2585,7 +2857,7 @@
     </p:spTree>
     <p:extLst>
       <p:ext uri="{BB962C8B-B14F-4D97-AF65-F5344CB8AC3E}">
-        <p14:creationId xmlns:p14="http://schemas.microsoft.com/office/powerpoint/2010/main" xmlns="" val="2467898897"/>
+        <p14:creationId xmlns:p14="http://schemas.microsoft.com/office/powerpoint/2010/main" val="2467898897"/>
       </p:ext>
     </p:extLst>
   </p:cSld>
@@ -2705,7 +2977,7 @@
             <a:fld id="{8205E794-A549-463B-B7B3-711DAAF83CCF}" type="datetimeFigureOut">
               <a:rPr lang="it-IT" smtClean="0"/>
               <a:pPr/>
-              <a:t>19/07/2016</a:t>
+              <a:t>06/09/2016</a:t>
             </a:fld>
             <a:endParaRPr lang="it-IT"/>
           </a:p>
@@ -2757,7 +3029,7 @@
     </p:spTree>
     <p:extLst>
       <p:ext uri="{BB962C8B-B14F-4D97-AF65-F5344CB8AC3E}">
-        <p14:creationId xmlns:p14="http://schemas.microsoft.com/office/powerpoint/2010/main" xmlns="" val="1226489116"/>
+        <p14:creationId xmlns:p14="http://schemas.microsoft.com/office/powerpoint/2010/main" val="1226489116"/>
       </p:ext>
     </p:extLst>
   </p:cSld>
@@ -2887,7 +3159,7 @@
             <a:fld id="{8205E794-A549-463B-B7B3-711DAAF83CCF}" type="datetimeFigureOut">
               <a:rPr lang="it-IT" smtClean="0"/>
               <a:pPr/>
-              <a:t>19/07/2016</a:t>
+              <a:t>06/09/2016</a:t>
             </a:fld>
             <a:endParaRPr lang="it-IT"/>
           </a:p>
@@ -2939,7 +3211,7 @@
     </p:spTree>
     <p:extLst>
       <p:ext uri="{BB962C8B-B14F-4D97-AF65-F5344CB8AC3E}">
-        <p14:creationId xmlns:p14="http://schemas.microsoft.com/office/powerpoint/2010/main" xmlns="" val="202761330"/>
+        <p14:creationId xmlns:p14="http://schemas.microsoft.com/office/powerpoint/2010/main" val="202761330"/>
       </p:ext>
     </p:extLst>
   </p:cSld>
@@ -3059,7 +3331,7 @@
             <a:fld id="{8205E794-A549-463B-B7B3-711DAAF83CCF}" type="datetimeFigureOut">
               <a:rPr lang="it-IT" smtClean="0"/>
               <a:pPr/>
-              <a:t>19/07/2016</a:t>
+              <a:t>06/09/2016</a:t>
             </a:fld>
             <a:endParaRPr lang="it-IT"/>
           </a:p>
@@ -3120,7 +3392,7 @@
           <a:blip r:embed="rId2" cstate="print">
             <a:extLst>
               <a:ext uri="{28A0092B-C50C-407E-A947-70E740481C1C}">
-                <a14:useLocalDpi xmlns:a14="http://schemas.microsoft.com/office/drawing/2010/main" xmlns="" val="0"/>
+                <a14:useLocalDpi xmlns:a14="http://schemas.microsoft.com/office/drawing/2010/main" val="0"/>
               </a:ext>
             </a:extLst>
           </a:blip>
@@ -3141,7 +3413,7 @@
     </p:spTree>
     <p:extLst>
       <p:ext uri="{BB962C8B-B14F-4D97-AF65-F5344CB8AC3E}">
-        <p14:creationId xmlns:p14="http://schemas.microsoft.com/office/powerpoint/2010/main" xmlns="" val="2280935655"/>
+        <p14:creationId xmlns:p14="http://schemas.microsoft.com/office/powerpoint/2010/main" val="2280935655"/>
       </p:ext>
     </p:extLst>
   </p:cSld>
@@ -3337,7 +3609,7 @@
             <a:fld id="{8205E794-A549-463B-B7B3-711DAAF83CCF}" type="datetimeFigureOut">
               <a:rPr lang="it-IT" smtClean="0"/>
               <a:pPr/>
-              <a:t>19/07/2016</a:t>
+              <a:t>06/09/2016</a:t>
             </a:fld>
             <a:endParaRPr lang="it-IT"/>
           </a:p>
@@ -3389,7 +3661,7 @@
     </p:spTree>
     <p:extLst>
       <p:ext uri="{BB962C8B-B14F-4D97-AF65-F5344CB8AC3E}">
-        <p14:creationId xmlns:p14="http://schemas.microsoft.com/office/powerpoint/2010/main" xmlns="" val="2347033222"/>
+        <p14:creationId xmlns:p14="http://schemas.microsoft.com/office/powerpoint/2010/main" val="2347033222"/>
       </p:ext>
     </p:extLst>
   </p:cSld>
@@ -3571,7 +3843,7 @@
             <a:fld id="{8205E794-A549-463B-B7B3-711DAAF83CCF}" type="datetimeFigureOut">
               <a:rPr lang="it-IT" smtClean="0"/>
               <a:pPr/>
-              <a:t>19/07/2016</a:t>
+              <a:t>06/09/2016</a:t>
             </a:fld>
             <a:endParaRPr lang="it-IT"/>
           </a:p>
@@ -3623,7 +3895,7 @@
     </p:spTree>
     <p:extLst>
       <p:ext uri="{BB962C8B-B14F-4D97-AF65-F5344CB8AC3E}">
-        <p14:creationId xmlns:p14="http://schemas.microsoft.com/office/powerpoint/2010/main" xmlns="" val="3375851038"/>
+        <p14:creationId xmlns:p14="http://schemas.microsoft.com/office/powerpoint/2010/main" val="3375851038"/>
       </p:ext>
     </p:extLst>
   </p:cSld>
@@ -3940,7 +4212,7 @@
             <a:fld id="{8205E794-A549-463B-B7B3-711DAAF83CCF}" type="datetimeFigureOut">
               <a:rPr lang="it-IT" smtClean="0"/>
               <a:pPr/>
-              <a:t>19/07/2016</a:t>
+              <a:t>06/09/2016</a:t>
             </a:fld>
             <a:endParaRPr lang="it-IT"/>
           </a:p>
@@ -3992,7 +4264,7 @@
     </p:spTree>
     <p:extLst>
       <p:ext uri="{BB962C8B-B14F-4D97-AF65-F5344CB8AC3E}">
-        <p14:creationId xmlns:p14="http://schemas.microsoft.com/office/powerpoint/2010/main" xmlns="" val="4034434462"/>
+        <p14:creationId xmlns:p14="http://schemas.microsoft.com/office/powerpoint/2010/main" val="4034434462"/>
       </p:ext>
     </p:extLst>
   </p:cSld>
@@ -4060,7 +4332,7 @@
             <a:fld id="{8205E794-A549-463B-B7B3-711DAAF83CCF}" type="datetimeFigureOut">
               <a:rPr lang="it-IT" smtClean="0"/>
               <a:pPr/>
-              <a:t>19/07/2016</a:t>
+              <a:t>06/09/2016</a:t>
             </a:fld>
             <a:endParaRPr lang="it-IT"/>
           </a:p>
@@ -4112,7 +4384,7 @@
     </p:spTree>
     <p:extLst>
       <p:ext uri="{BB962C8B-B14F-4D97-AF65-F5344CB8AC3E}">
-        <p14:creationId xmlns:p14="http://schemas.microsoft.com/office/powerpoint/2010/main" xmlns="" val="3749792400"/>
+        <p14:creationId xmlns:p14="http://schemas.microsoft.com/office/powerpoint/2010/main" val="3749792400"/>
       </p:ext>
     </p:extLst>
   </p:cSld>
@@ -4157,7 +4429,7 @@
             <a:fld id="{8205E794-A549-463B-B7B3-711DAAF83CCF}" type="datetimeFigureOut">
               <a:rPr lang="it-IT" smtClean="0"/>
               <a:pPr/>
-              <a:t>19/07/2016</a:t>
+              <a:t>06/09/2016</a:t>
             </a:fld>
             <a:endParaRPr lang="it-IT"/>
           </a:p>
@@ -4209,7 +4481,7 @@
     </p:spTree>
     <p:extLst>
       <p:ext uri="{BB962C8B-B14F-4D97-AF65-F5344CB8AC3E}">
-        <p14:creationId xmlns:p14="http://schemas.microsoft.com/office/powerpoint/2010/main" xmlns="" val="4169612450"/>
+        <p14:creationId xmlns:p14="http://schemas.microsoft.com/office/powerpoint/2010/main" val="4169612450"/>
       </p:ext>
     </p:extLst>
   </p:cSld>
@@ -4436,7 +4708,7 @@
             <a:fld id="{8205E794-A549-463B-B7B3-711DAAF83CCF}" type="datetimeFigureOut">
               <a:rPr lang="it-IT" smtClean="0"/>
               <a:pPr/>
-              <a:t>19/07/2016</a:t>
+              <a:t>06/09/2016</a:t>
             </a:fld>
             <a:endParaRPr lang="it-IT"/>
           </a:p>
@@ -4488,7 +4760,7 @@
     </p:spTree>
     <p:extLst>
       <p:ext uri="{BB962C8B-B14F-4D97-AF65-F5344CB8AC3E}">
-        <p14:creationId xmlns:p14="http://schemas.microsoft.com/office/powerpoint/2010/main" xmlns="" val="4052208649"/>
+        <p14:creationId xmlns:p14="http://schemas.microsoft.com/office/powerpoint/2010/main" val="4052208649"/>
       </p:ext>
     </p:extLst>
   </p:cSld>
@@ -4691,7 +4963,7 @@
             <a:fld id="{8205E794-A549-463B-B7B3-711DAAF83CCF}" type="datetimeFigureOut">
               <a:rPr lang="it-IT" smtClean="0"/>
               <a:pPr/>
-              <a:t>19/07/2016</a:t>
+              <a:t>06/09/2016</a:t>
             </a:fld>
             <a:endParaRPr lang="it-IT"/>
           </a:p>
@@ -4743,7 +5015,7 @@
     </p:spTree>
     <p:extLst>
       <p:ext uri="{BB962C8B-B14F-4D97-AF65-F5344CB8AC3E}">
-        <p14:creationId xmlns:p14="http://schemas.microsoft.com/office/powerpoint/2010/main" xmlns="" val="219685599"/>
+        <p14:creationId xmlns:p14="http://schemas.microsoft.com/office/powerpoint/2010/main" val="219685599"/>
       </p:ext>
     </p:extLst>
   </p:cSld>
@@ -4906,7 +5178,7 @@
             <a:fld id="{8205E794-A549-463B-B7B3-711DAAF83CCF}" type="datetimeFigureOut">
               <a:rPr lang="it-IT" smtClean="0"/>
               <a:pPr/>
-              <a:t>19/07/2016</a:t>
+              <a:t>06/09/2016</a:t>
             </a:fld>
             <a:endParaRPr lang="it-IT"/>
           </a:p>
@@ -4994,7 +5266,7 @@
     </p:spTree>
     <p:extLst>
       <p:ext uri="{BB962C8B-B14F-4D97-AF65-F5344CB8AC3E}">
-        <p14:creationId xmlns:p14="http://schemas.microsoft.com/office/powerpoint/2010/main" xmlns="" val="3099137687"/>
+        <p14:creationId xmlns:p14="http://schemas.microsoft.com/office/powerpoint/2010/main" val="3099137687"/>
       </p:ext>
     </p:extLst>
   </p:cSld>
@@ -5373,7 +5645,7 @@
             <a:blip r:embed="rId2" cstate="print">
               <a:extLst>
                 <a:ext uri="{28A0092B-C50C-407E-A947-70E740481C1C}">
-                  <a14:useLocalDpi xmlns:a14="http://schemas.microsoft.com/office/drawing/2010/main" xmlns="" val="0"/>
+                  <a14:useLocalDpi xmlns:a14="http://schemas.microsoft.com/office/drawing/2010/main" val="0"/>
                 </a:ext>
               </a:extLst>
             </a:blip>
@@ -5403,7 +5675,7 @@
             <a:blip r:embed="rId3" cstate="print">
               <a:extLst>
                 <a:ext uri="{28A0092B-C50C-407E-A947-70E740481C1C}">
-                  <a14:useLocalDpi xmlns:a14="http://schemas.microsoft.com/office/drawing/2010/main" xmlns="" val="0"/>
+                  <a14:useLocalDpi xmlns:a14="http://schemas.microsoft.com/office/drawing/2010/main" val="0"/>
                 </a:ext>
               </a:extLst>
             </a:blip>
@@ -5433,7 +5705,7 @@
             <a:blip r:embed="rId4" cstate="print">
               <a:extLst>
                 <a:ext uri="{28A0092B-C50C-407E-A947-70E740481C1C}">
-                  <a14:useLocalDpi xmlns:a14="http://schemas.microsoft.com/office/drawing/2010/main" xmlns="" val="0"/>
+                  <a14:useLocalDpi xmlns:a14="http://schemas.microsoft.com/office/drawing/2010/main" val="0"/>
                 </a:ext>
               </a:extLst>
             </a:blip>
@@ -5463,7 +5735,7 @@
             <a:blip r:embed="rId5" cstate="print">
               <a:extLst>
                 <a:ext uri="{28A0092B-C50C-407E-A947-70E740481C1C}">
-                  <a14:useLocalDpi xmlns:a14="http://schemas.microsoft.com/office/drawing/2010/main" xmlns="" val="0"/>
+                  <a14:useLocalDpi xmlns:a14="http://schemas.microsoft.com/office/drawing/2010/main" val="0"/>
                 </a:ext>
               </a:extLst>
             </a:blip>
@@ -5493,7 +5765,7 @@
             <a:blip r:embed="rId6" cstate="print">
               <a:extLst>
                 <a:ext uri="{28A0092B-C50C-407E-A947-70E740481C1C}">
-                  <a14:useLocalDpi xmlns:a14="http://schemas.microsoft.com/office/drawing/2010/main" xmlns="" val="0"/>
+                  <a14:useLocalDpi xmlns:a14="http://schemas.microsoft.com/office/drawing/2010/main" val="0"/>
                 </a:ext>
               </a:extLst>
             </a:blip>
@@ -5534,7 +5806,7 @@
             </a:clrChange>
             <a:extLst>
               <a:ext uri="{28A0092B-C50C-407E-A947-70E740481C1C}">
-                <a14:useLocalDpi xmlns:a14="http://schemas.microsoft.com/office/drawing/2010/main" xmlns="" val="0"/>
+                <a14:useLocalDpi xmlns:a14="http://schemas.microsoft.com/office/drawing/2010/main" val="0"/>
               </a:ext>
             </a:extLst>
           </a:blip>
@@ -5552,10 +5824,123 @@
           </a:prstGeom>
         </p:spPr>
       </p:pic>
+      <p:sp>
+        <p:nvSpPr>
+          <p:cNvPr id="15" name="Rettangolo 14"/>
+          <p:cNvSpPr/>
+          <p:nvPr/>
+        </p:nvSpPr>
+        <p:spPr>
+          <a:xfrm>
+            <a:off x="-590099" y="4997692"/>
+            <a:ext cx="8834726" cy="923330"/>
+          </a:xfrm>
+          <a:prstGeom prst="rect">
+            <a:avLst/>
+          </a:prstGeom>
+          <a:noFill/>
+        </p:spPr>
+        <p:txBody>
+          <a:bodyPr wrap="none" lIns="91440" tIns="45720" rIns="91440" bIns="45720">
+            <a:spAutoFit/>
+          </a:bodyPr>
+          <a:lstStyle/>
+          <a:p>
+            <a:pPr algn="ctr"/>
+            <a:r>
+              <a:rPr lang="it-IT" sz="5400" b="1" cap="none" spc="0" dirty="0" smtClean="0">
+                <a:ln w="22225">
+                  <a:solidFill>
+                    <a:schemeClr val="accent2"/>
+                  </a:solidFill>
+                  <a:prstDash val="solid"/>
+                </a:ln>
+                <a:solidFill>
+                  <a:schemeClr val="accent2">
+                    <a:lumMod val="40000"/>
+                    <a:lumOff val="60000"/>
+                  </a:schemeClr>
+                </a:solidFill>
+                <a:effectLst/>
+              </a:rPr>
+              <a:t>Sostituisci con logo </a:t>
+            </a:r>
+            <a:r>
+              <a:rPr lang="it-IT" sz="5400" b="1" cap="none" spc="0" dirty="0" err="1" smtClean="0">
+                <a:ln w="22225">
+                  <a:solidFill>
+                    <a:schemeClr val="accent2"/>
+                  </a:solidFill>
+                  <a:prstDash val="solid"/>
+                </a:ln>
+                <a:solidFill>
+                  <a:schemeClr val="accent2">
+                    <a:lumMod val="40000"/>
+                    <a:lumOff val="60000"/>
+                  </a:schemeClr>
+                </a:solidFill>
+                <a:effectLst/>
+              </a:rPr>
+              <a:t>spring</a:t>
+            </a:r>
+            <a:r>
+              <a:rPr lang="it-IT" sz="5400" b="1" cap="none" spc="0" dirty="0" smtClean="0">
+                <a:ln w="22225">
+                  <a:solidFill>
+                    <a:schemeClr val="accent2"/>
+                  </a:solidFill>
+                  <a:prstDash val="solid"/>
+                </a:ln>
+                <a:solidFill>
+                  <a:schemeClr val="accent2">
+                    <a:lumMod val="40000"/>
+                    <a:lumOff val="60000"/>
+                  </a:schemeClr>
+                </a:solidFill>
+                <a:effectLst/>
+              </a:rPr>
+              <a:t> </a:t>
+            </a:r>
+            <a:r>
+              <a:rPr lang="it-IT" sz="5400" b="1" cap="none" spc="0" dirty="0" err="1" smtClean="0">
+                <a:ln w="22225">
+                  <a:solidFill>
+                    <a:schemeClr val="accent2"/>
+                  </a:solidFill>
+                  <a:prstDash val="solid"/>
+                </a:ln>
+                <a:solidFill>
+                  <a:schemeClr val="accent2">
+                    <a:lumMod val="40000"/>
+                    <a:lumOff val="60000"/>
+                  </a:schemeClr>
+                </a:solidFill>
+                <a:effectLst/>
+              </a:rPr>
+              <a:t>rest</a:t>
+            </a:r>
+            <a:endParaRPr lang="it-IT" sz="5400" b="1" cap="none" spc="0" dirty="0" smtClean="0">
+              <a:ln w="22225">
+                <a:solidFill>
+                  <a:schemeClr val="accent2"/>
+                </a:solidFill>
+                <a:prstDash val="solid"/>
+              </a:ln>
+              <a:solidFill>
+                <a:schemeClr val="accent2">
+                  <a:lumMod val="40000"/>
+                  <a:lumOff val="60000"/>
+                </a:schemeClr>
+              </a:solidFill>
+              <a:effectLst/>
+            </a:endParaRPr>
+          </a:p>
+        </p:txBody>
+      </p:sp>
     </p:spTree>
     <p:extLst>
       <p:ext uri="{BB962C8B-B14F-4D97-AF65-F5344CB8AC3E}">
-        <p14:creationId xmlns:p14="http://schemas.microsoft.com/office/powerpoint/2010/main" xmlns="" val="3637569378"/>
+        <p14:creationId xmlns:p14="http://schemas.microsoft.com/office/powerpoint/2010/main" val="3637569378"/>
       </p:ext>
     </p:extLst>
   </p:cSld>
@@ -5878,7 +6263,7 @@
     </p:spTree>
     <p:extLst>
       <p:ext uri="{BB962C8B-B14F-4D97-AF65-F5344CB8AC3E}">
-        <p14:creationId xmlns:p14="http://schemas.microsoft.com/office/powerpoint/2010/main" xmlns="" val="1871927297"/>
+        <p14:creationId xmlns:p14="http://schemas.microsoft.com/office/powerpoint/2010/main" val="1871927297"/>
       </p:ext>
     </p:extLst>
   </p:cSld>
@@ -6194,7 +6579,7 @@
     </p:spTree>
     <p:extLst>
       <p:ext uri="{BB962C8B-B14F-4D97-AF65-F5344CB8AC3E}">
-        <p14:creationId xmlns:p14="http://schemas.microsoft.com/office/powerpoint/2010/main" xmlns="" val="2318545518"/>
+        <p14:creationId xmlns:p14="http://schemas.microsoft.com/office/powerpoint/2010/main" val="2318545518"/>
       </p:ext>
     </p:extLst>
   </p:cSld>
@@ -6346,7 +6731,7 @@
             </a:clrChange>
             <a:extLst>
               <a:ext uri="{28A0092B-C50C-407E-A947-70E740481C1C}">
-                <a14:useLocalDpi xmlns:a14="http://schemas.microsoft.com/office/drawing/2010/main" xmlns="" val="0"/>
+                <a14:useLocalDpi xmlns:a14="http://schemas.microsoft.com/office/drawing/2010/main" val="0"/>
               </a:ext>
             </a:extLst>
           </a:blip>
@@ -6585,7 +6970,7 @@
     </p:spTree>
     <p:extLst>
       <p:ext uri="{BB962C8B-B14F-4D97-AF65-F5344CB8AC3E}">
-        <p14:creationId xmlns:p14="http://schemas.microsoft.com/office/powerpoint/2010/main" xmlns="" val="2877390917"/>
+        <p14:creationId xmlns:p14="http://schemas.microsoft.com/office/powerpoint/2010/main" val="2877390917"/>
       </p:ext>
     </p:extLst>
   </p:cSld>
@@ -7006,7 +7391,7 @@
     </p:spTree>
     <p:extLst>
       <p:ext uri="{BB962C8B-B14F-4D97-AF65-F5344CB8AC3E}">
-        <p14:creationId xmlns:p14="http://schemas.microsoft.com/office/powerpoint/2010/main" xmlns="" val="369963551"/>
+        <p14:creationId xmlns:p14="http://schemas.microsoft.com/office/powerpoint/2010/main" val="369963551"/>
       </p:ext>
     </p:extLst>
   </p:cSld>
@@ -7277,7 +7662,7 @@
     </p:spTree>
     <p:extLst>
       <p:ext uri="{BB962C8B-B14F-4D97-AF65-F5344CB8AC3E}">
-        <p14:creationId xmlns:p14="http://schemas.microsoft.com/office/powerpoint/2010/main" xmlns="" val="2489631046"/>
+        <p14:creationId xmlns:p14="http://schemas.microsoft.com/office/powerpoint/2010/main" val="2489631046"/>
       </p:ext>
     </p:extLst>
   </p:cSld>
@@ -7521,7 +7906,7 @@
               </a:clrChange>
               <a:extLst>
                 <a:ext uri="{28A0092B-C50C-407E-A947-70E740481C1C}">
-                  <a14:useLocalDpi xmlns:a14="http://schemas.microsoft.com/office/drawing/2010/main" xmlns="" val="0"/>
+                  <a14:useLocalDpi xmlns:a14="http://schemas.microsoft.com/office/drawing/2010/main" val="0"/>
                 </a:ext>
               </a:extLst>
             </a:blip>
@@ -7578,7 +7963,7 @@
     </p:spTree>
     <p:extLst>
       <p:ext uri="{BB962C8B-B14F-4D97-AF65-F5344CB8AC3E}">
-        <p14:creationId xmlns:p14="http://schemas.microsoft.com/office/powerpoint/2010/main" xmlns="" val="4017922449"/>
+        <p14:creationId xmlns:p14="http://schemas.microsoft.com/office/powerpoint/2010/main" val="4017922449"/>
       </p:ext>
     </p:extLst>
   </p:cSld>
@@ -7915,7 +8300,7 @@
               </a:clrChange>
               <a:extLst>
                 <a:ext uri="{28A0092B-C50C-407E-A947-70E740481C1C}">
-                  <a14:useLocalDpi xmlns:a14="http://schemas.microsoft.com/office/drawing/2010/main" xmlns="" val="0"/>
+                  <a14:useLocalDpi xmlns:a14="http://schemas.microsoft.com/office/drawing/2010/main" val="0"/>
                 </a:ext>
               </a:extLst>
             </a:blip>
@@ -7972,7 +8357,7 @@
     </p:spTree>
     <p:extLst>
       <p:ext uri="{BB962C8B-B14F-4D97-AF65-F5344CB8AC3E}">
-        <p14:creationId xmlns:p14="http://schemas.microsoft.com/office/powerpoint/2010/main" xmlns="" val="2670590789"/>
+        <p14:creationId xmlns:p14="http://schemas.microsoft.com/office/powerpoint/2010/main" val="2670590789"/>
       </p:ext>
     </p:extLst>
   </p:cSld>
@@ -8596,7 +8981,7 @@
               </a:clrChange>
               <a:extLst>
                 <a:ext uri="{28A0092B-C50C-407E-A947-70E740481C1C}">
-                  <a14:useLocalDpi xmlns:a14="http://schemas.microsoft.com/office/drawing/2010/main" xmlns="" val="0"/>
+                  <a14:useLocalDpi xmlns:a14="http://schemas.microsoft.com/office/drawing/2010/main" val="0"/>
                 </a:ext>
               </a:extLst>
             </a:blip>
@@ -8653,7 +9038,7 @@
     </p:spTree>
     <p:extLst>
       <p:ext uri="{BB962C8B-B14F-4D97-AF65-F5344CB8AC3E}">
-        <p14:creationId xmlns:p14="http://schemas.microsoft.com/office/powerpoint/2010/main" xmlns="" val="2670590789"/>
+        <p14:creationId xmlns:p14="http://schemas.microsoft.com/office/powerpoint/2010/main" val="2670590789"/>
       </p:ext>
     </p:extLst>
   </p:cSld>
@@ -9350,7 +9735,7 @@
               </a:clrChange>
               <a:extLst>
                 <a:ext uri="{28A0092B-C50C-407E-A947-70E740481C1C}">
-                  <a14:useLocalDpi xmlns:a14="http://schemas.microsoft.com/office/drawing/2010/main" xmlns="" val="0"/>
+                  <a14:useLocalDpi xmlns:a14="http://schemas.microsoft.com/office/drawing/2010/main" val="0"/>
                 </a:ext>
               </a:extLst>
             </a:blip>
@@ -9407,7 +9792,7 @@
     </p:spTree>
     <p:extLst>
       <p:ext uri="{BB962C8B-B14F-4D97-AF65-F5344CB8AC3E}">
-        <p14:creationId xmlns:p14="http://schemas.microsoft.com/office/powerpoint/2010/main" xmlns="" val="945723450"/>
+        <p14:creationId xmlns:p14="http://schemas.microsoft.com/office/powerpoint/2010/main" val="945723450"/>
       </p:ext>
     </p:extLst>
   </p:cSld>
@@ -9897,7 +10282,7 @@
               </a:clrChange>
               <a:extLst>
                 <a:ext uri="{28A0092B-C50C-407E-A947-70E740481C1C}">
-                  <a14:useLocalDpi xmlns:a14="http://schemas.microsoft.com/office/drawing/2010/main" xmlns="" val="0"/>
+                  <a14:useLocalDpi xmlns:a14="http://schemas.microsoft.com/office/drawing/2010/main" val="0"/>
                 </a:ext>
               </a:extLst>
             </a:blip>
@@ -9954,7 +10339,7 @@
     </p:spTree>
     <p:extLst>
       <p:ext uri="{BB962C8B-B14F-4D97-AF65-F5344CB8AC3E}">
-        <p14:creationId xmlns:p14="http://schemas.microsoft.com/office/powerpoint/2010/main" xmlns="" val="2699938049"/>
+        <p14:creationId xmlns:p14="http://schemas.microsoft.com/office/powerpoint/2010/main" val="2699938049"/>
       </p:ext>
     </p:extLst>
   </p:cSld>
@@ -10389,12 +10774,8 @@
               <a:buChar char="-"/>
             </a:pPr>
             <a:r>
-              <a:rPr lang="it-IT" b="1" dirty="0" smtClean="0">
-                <a:solidFill>
-                  <a:srgbClr val="FF0000"/>
-                </a:solidFill>
-              </a:rPr>
-              <a:t>ADVANCED</a:t>
+              <a:rPr lang="it-IT" dirty="0" smtClean="0"/>
+              <a:t>HANDLING EXCEPTION</a:t>
             </a:r>
           </a:p>
           <a:p>
@@ -10504,7 +10885,7 @@
     </p:spTree>
     <p:extLst>
       <p:ext uri="{BB962C8B-B14F-4D97-AF65-F5344CB8AC3E}">
-        <p14:creationId xmlns:p14="http://schemas.microsoft.com/office/powerpoint/2010/main" xmlns="" val="2405057134"/>
+        <p14:creationId xmlns:p14="http://schemas.microsoft.com/office/powerpoint/2010/main" val="2405057134"/>
       </p:ext>
     </p:extLst>
   </p:cSld>
@@ -10789,7 +11170,7 @@
               </a:clrChange>
               <a:extLst>
                 <a:ext uri="{28A0092B-C50C-407E-A947-70E740481C1C}">
-                  <a14:useLocalDpi xmlns:a14="http://schemas.microsoft.com/office/drawing/2010/main" xmlns="" val="0"/>
+                  <a14:useLocalDpi xmlns:a14="http://schemas.microsoft.com/office/drawing/2010/main" val="0"/>
                 </a:ext>
               </a:extLst>
             </a:blip>
@@ -10846,7 +11227,7 @@
     </p:spTree>
     <p:extLst>
       <p:ext uri="{BB962C8B-B14F-4D97-AF65-F5344CB8AC3E}">
-        <p14:creationId xmlns:p14="http://schemas.microsoft.com/office/powerpoint/2010/main" xmlns="" val="2699938049"/>
+        <p14:creationId xmlns:p14="http://schemas.microsoft.com/office/powerpoint/2010/main" val="2699938049"/>
       </p:ext>
     </p:extLst>
   </p:cSld>
@@ -11058,7 +11439,7 @@
               </a:clrChange>
               <a:extLst>
                 <a:ext uri="{28A0092B-C50C-407E-A947-70E740481C1C}">
-                  <a14:useLocalDpi xmlns:a14="http://schemas.microsoft.com/office/drawing/2010/main" xmlns="" val="0"/>
+                  <a14:useLocalDpi xmlns:a14="http://schemas.microsoft.com/office/drawing/2010/main" val="0"/>
                 </a:ext>
               </a:extLst>
             </a:blip>
@@ -11115,7 +11496,7 @@
     </p:spTree>
     <p:extLst>
       <p:ext uri="{BB962C8B-B14F-4D97-AF65-F5344CB8AC3E}">
-        <p14:creationId xmlns:p14="http://schemas.microsoft.com/office/powerpoint/2010/main" xmlns="" val="2699938049"/>
+        <p14:creationId xmlns:p14="http://schemas.microsoft.com/office/powerpoint/2010/main" val="2699938049"/>
       </p:ext>
     </p:extLst>
   </p:cSld>
@@ -11392,7 +11773,7 @@
               </a:clrChange>
               <a:extLst>
                 <a:ext uri="{28A0092B-C50C-407E-A947-70E740481C1C}">
-                  <a14:useLocalDpi xmlns:a14="http://schemas.microsoft.com/office/drawing/2010/main" xmlns="" val="0"/>
+                  <a14:useLocalDpi xmlns:a14="http://schemas.microsoft.com/office/drawing/2010/main" val="0"/>
                 </a:ext>
               </a:extLst>
             </a:blip>
@@ -11449,7 +11830,7 @@
     </p:spTree>
     <p:extLst>
       <p:ext uri="{BB962C8B-B14F-4D97-AF65-F5344CB8AC3E}">
-        <p14:creationId xmlns:p14="http://schemas.microsoft.com/office/powerpoint/2010/main" xmlns="" val="2699938049"/>
+        <p14:creationId xmlns:p14="http://schemas.microsoft.com/office/powerpoint/2010/main" val="2699938049"/>
       </p:ext>
     </p:extLst>
   </p:cSld>
@@ -11804,7 +12185,7 @@
               </a:clrChange>
               <a:extLst>
                 <a:ext uri="{28A0092B-C50C-407E-A947-70E740481C1C}">
-                  <a14:useLocalDpi xmlns:a14="http://schemas.microsoft.com/office/drawing/2010/main" xmlns="" val="0"/>
+                  <a14:useLocalDpi xmlns:a14="http://schemas.microsoft.com/office/drawing/2010/main" val="0"/>
                 </a:ext>
               </a:extLst>
             </a:blip>
@@ -11861,7 +12242,7 @@
     </p:spTree>
     <p:extLst>
       <p:ext uri="{BB962C8B-B14F-4D97-AF65-F5344CB8AC3E}">
-        <p14:creationId xmlns:p14="http://schemas.microsoft.com/office/powerpoint/2010/main" xmlns="" val="995637413"/>
+        <p14:creationId xmlns:p14="http://schemas.microsoft.com/office/powerpoint/2010/main" val="995637413"/>
       </p:ext>
     </p:extLst>
   </p:cSld>
@@ -12301,7 +12682,7 @@
               </a:clrChange>
               <a:extLst>
                 <a:ext uri="{28A0092B-C50C-407E-A947-70E740481C1C}">
-                  <a14:useLocalDpi xmlns:a14="http://schemas.microsoft.com/office/drawing/2010/main" xmlns="" val="0"/>
+                  <a14:useLocalDpi xmlns:a14="http://schemas.microsoft.com/office/drawing/2010/main" val="0"/>
                 </a:ext>
               </a:extLst>
             </a:blip>
@@ -12358,7 +12739,7 @@
     </p:spTree>
     <p:extLst>
       <p:ext uri="{BB962C8B-B14F-4D97-AF65-F5344CB8AC3E}">
-        <p14:creationId xmlns:p14="http://schemas.microsoft.com/office/powerpoint/2010/main" xmlns="" val="995637413"/>
+        <p14:creationId xmlns:p14="http://schemas.microsoft.com/office/powerpoint/2010/main" val="995637413"/>
       </p:ext>
     </p:extLst>
   </p:cSld>
@@ -12487,7 +12868,7 @@
               </a:clrChange>
               <a:extLst>
                 <a:ext uri="{28A0092B-C50C-407E-A947-70E740481C1C}">
-                  <a14:useLocalDpi xmlns:a14="http://schemas.microsoft.com/office/drawing/2010/main" xmlns="" val="0"/>
+                  <a14:useLocalDpi xmlns:a14="http://schemas.microsoft.com/office/drawing/2010/main" val="0"/>
                 </a:ext>
               </a:extLst>
             </a:blip>
@@ -12636,19 +13017,7 @@
             </a:pPr>
             <a:r>
               <a:rPr lang="it-IT" sz="2400" dirty="0" smtClean="0"/>
-              <a:t> Il controller è responsabile di elaborare le richieste degli utenti, di costruire il modello appropriato e </a:t>
-            </a:r>
-            <a:r>
-              <a:rPr lang="it-IT" sz="2400" dirty="0" smtClean="0"/>
-              <a:t>di</a:t>
-            </a:r>
-            <a:r>
-              <a:rPr lang="it-IT" sz="2400" dirty="0" smtClean="0"/>
-              <a:t> </a:t>
-            </a:r>
-            <a:r>
-              <a:rPr lang="it-IT" sz="2400" dirty="0" smtClean="0"/>
-              <a:t>passarlo alla vista per il </a:t>
+              <a:t> Il controller è responsabile di elaborare le richieste degli utenti, di costruire il modello appropriato e di passarlo alla vista per il </a:t>
             </a:r>
             <a:r>
               <a:rPr lang="it-IT" sz="2400" dirty="0" err="1" smtClean="0"/>
@@ -12664,7 +13033,7 @@
     </p:spTree>
     <p:extLst>
       <p:ext uri="{BB962C8B-B14F-4D97-AF65-F5344CB8AC3E}">
-        <p14:creationId xmlns:p14="http://schemas.microsoft.com/office/powerpoint/2010/main" xmlns="" val="1143146084"/>
+        <p14:creationId xmlns:p14="http://schemas.microsoft.com/office/powerpoint/2010/main" val="1143146084"/>
       </p:ext>
     </p:extLst>
   </p:cSld>
@@ -12789,7 +13158,7 @@
               </a:clrChange>
               <a:extLst>
                 <a:ext uri="{28A0092B-C50C-407E-A947-70E740481C1C}">
-                  <a14:useLocalDpi xmlns:a14="http://schemas.microsoft.com/office/drawing/2010/main" xmlns="" val="0"/>
+                  <a14:useLocalDpi xmlns:a14="http://schemas.microsoft.com/office/drawing/2010/main" val="0"/>
                 </a:ext>
               </a:extLst>
             </a:blip>
@@ -13123,7 +13492,7 @@
     </p:spTree>
     <p:extLst>
       <p:ext uri="{BB962C8B-B14F-4D97-AF65-F5344CB8AC3E}">
-        <p14:creationId xmlns:p14="http://schemas.microsoft.com/office/powerpoint/2010/main" xmlns="" val="1143146084"/>
+        <p14:creationId xmlns:p14="http://schemas.microsoft.com/office/powerpoint/2010/main" val="1143146084"/>
       </p:ext>
     </p:extLst>
   </p:cSld>
@@ -13691,7 +14060,7 @@
               </a:clrChange>
               <a:extLst>
                 <a:ext uri="{28A0092B-C50C-407E-A947-70E740481C1C}">
-                  <a14:useLocalDpi xmlns:a14="http://schemas.microsoft.com/office/drawing/2010/main" xmlns="" val="0"/>
+                  <a14:useLocalDpi xmlns:a14="http://schemas.microsoft.com/office/drawing/2010/main" val="0"/>
                 </a:ext>
               </a:extLst>
             </a:blip>
@@ -14298,7 +14667,7 @@
     </p:spTree>
     <p:extLst>
       <p:ext uri="{BB962C8B-B14F-4D97-AF65-F5344CB8AC3E}">
-        <p14:creationId xmlns:p14="http://schemas.microsoft.com/office/powerpoint/2010/main" xmlns="" val="1143146084"/>
+        <p14:creationId xmlns:p14="http://schemas.microsoft.com/office/powerpoint/2010/main" val="1143146084"/>
       </p:ext>
     </p:extLst>
   </p:cSld>
@@ -14883,7 +15252,7 @@
               </a:clrChange>
               <a:extLst>
                 <a:ext uri="{28A0092B-C50C-407E-A947-70E740481C1C}">
-                  <a14:useLocalDpi xmlns:a14="http://schemas.microsoft.com/office/drawing/2010/main" xmlns="" val="0"/>
+                  <a14:useLocalDpi xmlns:a14="http://schemas.microsoft.com/office/drawing/2010/main" val="0"/>
                 </a:ext>
               </a:extLst>
             </a:blip>
@@ -15177,7 +15546,7 @@
     </p:spTree>
     <p:extLst>
       <p:ext uri="{BB962C8B-B14F-4D97-AF65-F5344CB8AC3E}">
-        <p14:creationId xmlns:p14="http://schemas.microsoft.com/office/powerpoint/2010/main" xmlns="" val="1143146084"/>
+        <p14:creationId xmlns:p14="http://schemas.microsoft.com/office/powerpoint/2010/main" val="1143146084"/>
       </p:ext>
     </p:extLst>
   </p:cSld>
@@ -15286,7 +15655,7 @@
               </a:clrChange>
               <a:extLst>
                 <a:ext uri="{28A0092B-C50C-407E-A947-70E740481C1C}">
-                  <a14:useLocalDpi xmlns:a14="http://schemas.microsoft.com/office/drawing/2010/main" xmlns="" val="0"/>
+                  <a14:useLocalDpi xmlns:a14="http://schemas.microsoft.com/office/drawing/2010/main" val="0"/>
                 </a:ext>
               </a:extLst>
             </a:blip>
@@ -15549,7 +15918,7 @@
     </p:spTree>
     <p:extLst>
       <p:ext uri="{BB962C8B-B14F-4D97-AF65-F5344CB8AC3E}">
-        <p14:creationId xmlns:p14="http://schemas.microsoft.com/office/powerpoint/2010/main" xmlns="" val="1143146084"/>
+        <p14:creationId xmlns:p14="http://schemas.microsoft.com/office/powerpoint/2010/main" val="1143146084"/>
       </p:ext>
     </p:extLst>
   </p:cSld>
@@ -15699,7 +16068,7 @@
     </p:spTree>
     <p:extLst>
       <p:ext uri="{BB962C8B-B14F-4D97-AF65-F5344CB8AC3E}">
-        <p14:creationId xmlns:p14="http://schemas.microsoft.com/office/powerpoint/2010/main" xmlns="" val="3712385755"/>
+        <p14:creationId xmlns:p14="http://schemas.microsoft.com/office/powerpoint/2010/main" val="3712385755"/>
       </p:ext>
     </p:extLst>
   </p:cSld>
@@ -15808,7 +16177,7 @@
               </a:clrChange>
               <a:extLst>
                 <a:ext uri="{28A0092B-C50C-407E-A947-70E740481C1C}">
-                  <a14:useLocalDpi xmlns:a14="http://schemas.microsoft.com/office/drawing/2010/main" xmlns="" val="0"/>
+                  <a14:useLocalDpi xmlns:a14="http://schemas.microsoft.com/office/drawing/2010/main" val="0"/>
                 </a:ext>
               </a:extLst>
             </a:blip>
@@ -16006,7 +16375,7 @@
     </p:spTree>
     <p:extLst>
       <p:ext uri="{BB962C8B-B14F-4D97-AF65-F5344CB8AC3E}">
-        <p14:creationId xmlns:p14="http://schemas.microsoft.com/office/powerpoint/2010/main" xmlns="" val="1143146084"/>
+        <p14:creationId xmlns:p14="http://schemas.microsoft.com/office/powerpoint/2010/main" val="1143146084"/>
       </p:ext>
     </p:extLst>
   </p:cSld>
@@ -16115,7 +16484,7 @@
               </a:clrChange>
               <a:extLst>
                 <a:ext uri="{28A0092B-C50C-407E-A947-70E740481C1C}">
-                  <a14:useLocalDpi xmlns:a14="http://schemas.microsoft.com/office/drawing/2010/main" xmlns="" val="0"/>
+                  <a14:useLocalDpi xmlns:a14="http://schemas.microsoft.com/office/drawing/2010/main" val="0"/>
                 </a:ext>
               </a:extLst>
             </a:blip>
@@ -16235,11 +16604,7 @@
             <a:pPr marL="457200" indent="-457200"/>
             <a:r>
               <a:rPr lang="it-IT" sz="2400" dirty="0" smtClean="0"/>
-              <a:t>		</a:t>
-            </a:r>
-            <a:r>
-              <a:rPr lang="it-IT" sz="2400" dirty="0" smtClean="0"/>
-              <a:t>Parametri inviati tramite URI:  http://url/users</a:t>
+              <a:t>		Parametri inviati tramite URI:  http://url/users</a:t>
             </a:r>
             <a:r>
               <a:rPr lang="it-IT" sz="2400" b="1" dirty="0" smtClean="0"/>
@@ -16345,20 +16710,15 @@
             </a:r>
             <a:r>
               <a:rPr lang="it-IT" sz="2400" dirty="0" smtClean="0"/>
-              <a:t> inviato tramite URI: http://url</a:t>
-            </a:r>
-            <a:r>
-              <a:rPr lang="it-IT" sz="2400" dirty="0" smtClean="0"/>
-              <a:t>/users/Claudio  (si invia direttamente il valore senza specificare il nome del parametro) – Utile quando si richiede un operazione di GET e si passa come input l’identificativo univoco di quella risorsa</a:t>
-            </a:r>
-            <a:endParaRPr lang="it-IT" sz="2400" dirty="0" smtClean="0"/>
+              <a:t> inviato tramite URI: http://url/users/Claudio  (si invia direttamente il valore senza specificare il nome del parametro) – Utile quando si richiede un operazione di GET e si passa come input l’identificativo univoco di quella risorsa</a:t>
+            </a:r>
           </a:p>
         </p:txBody>
       </p:sp>
     </p:spTree>
     <p:extLst>
       <p:ext uri="{BB962C8B-B14F-4D97-AF65-F5344CB8AC3E}">
-        <p14:creationId xmlns:p14="http://schemas.microsoft.com/office/powerpoint/2010/main" xmlns="" val="2632412783"/>
+        <p14:creationId xmlns:p14="http://schemas.microsoft.com/office/powerpoint/2010/main" val="2632412783"/>
       </p:ext>
     </p:extLst>
   </p:cSld>
@@ -16376,6 +16736,721 @@
 </file>
 
 <file path=ppt/slides/slide32.xml><?xml version="1.0" encoding="utf-8"?>
+<p:sld xmlns:a="http://schemas.openxmlformats.org/drawingml/2006/main" xmlns:r="http://schemas.openxmlformats.org/officeDocument/2006/relationships" xmlns:p="http://schemas.openxmlformats.org/presentationml/2006/main">
+  <p:cSld>
+    <p:spTree>
+      <p:nvGrpSpPr>
+        <p:cNvPr id="1" name=""/>
+        <p:cNvGrpSpPr/>
+        <p:nvPr/>
+      </p:nvGrpSpPr>
+      <p:grpSpPr>
+        <a:xfrm>
+          <a:off x="0" y="0"/>
+          <a:ext cx="0" cy="0"/>
+          <a:chOff x="0" y="0"/>
+          <a:chExt cx="0" cy="0"/>
+        </a:xfrm>
+      </p:grpSpPr>
+      <p:sp>
+        <p:nvSpPr>
+          <p:cNvPr id="2" name="CasellaDiTesto 1"/>
+          <p:cNvSpPr txBox="1"/>
+          <p:nvPr/>
+        </p:nvSpPr>
+        <p:spPr>
+          <a:xfrm>
+            <a:off x="2246699" y="395784"/>
+            <a:ext cx="7698603" cy="584775"/>
+          </a:xfrm>
+          <a:prstGeom prst="rect">
+            <a:avLst/>
+          </a:prstGeom>
+          <a:noFill/>
+        </p:spPr>
+        <p:txBody>
+          <a:bodyPr wrap="square" rtlCol="0">
+            <a:spAutoFit/>
+          </a:bodyPr>
+          <a:lstStyle/>
+          <a:p>
+            <a:pPr algn="ctr"/>
+            <a:r>
+              <a:rPr lang="it-IT" sz="3200" b="1" dirty="0" smtClean="0">
+                <a:solidFill>
+                  <a:prstClr val="black"/>
+                </a:solidFill>
+              </a:rPr>
+              <a:t>SPRING MVC – ADVANCED</a:t>
+            </a:r>
+            <a:endParaRPr lang="it-IT" sz="3200" b="1" dirty="0">
+              <a:solidFill>
+                <a:prstClr val="black"/>
+              </a:solidFill>
+            </a:endParaRPr>
+          </a:p>
+        </p:txBody>
+      </p:sp>
+      <p:grpSp>
+        <p:nvGrpSpPr>
+          <p:cNvPr id="3" name="Gruppo 5"/>
+          <p:cNvGrpSpPr/>
+          <p:nvPr/>
+        </p:nvGrpSpPr>
+        <p:grpSpPr>
+          <a:xfrm>
+            <a:off x="9956801" y="0"/>
+            <a:ext cx="2235199" cy="800942"/>
+            <a:chOff x="9956801" y="0"/>
+            <a:chExt cx="2235199" cy="800942"/>
+          </a:xfrm>
+        </p:grpSpPr>
+        <p:pic>
+          <p:nvPicPr>
+            <p:cNvPr id="5" name="Immagine 4"/>
+            <p:cNvPicPr>
+              <a:picLocks noChangeAspect="1"/>
+            </p:cNvPicPr>
+            <p:nvPr/>
+          </p:nvPicPr>
+          <p:blipFill>
+            <a:blip r:embed="rId3" cstate="print">
+              <a:clrChange>
+                <a:clrFrom>
+                  <a:srgbClr val="FFFFFF"/>
+                </a:clrFrom>
+                <a:clrTo>
+                  <a:srgbClr val="FFFFFF">
+                    <a:alpha val="0"/>
+                  </a:srgbClr>
+                </a:clrTo>
+              </a:clrChange>
+              <a:extLst>
+                <a:ext uri="{28A0092B-C50C-407E-A947-70E740481C1C}">
+                  <a14:useLocalDpi xmlns:a14="http://schemas.microsoft.com/office/drawing/2010/main" val="0"/>
+                </a:ext>
+              </a:extLst>
+            </a:blip>
+            <a:srcRect r="87620" b="85479"/>
+            <a:stretch>
+              <a:fillRect/>
+            </a:stretch>
+          </p:blipFill>
+          <p:spPr>
+            <a:xfrm>
+              <a:off x="9956801" y="0"/>
+              <a:ext cx="982133" cy="800942"/>
+            </a:xfrm>
+            <a:prstGeom prst="rect">
+              <a:avLst/>
+            </a:prstGeom>
+          </p:spPr>
+        </p:pic>
+        <p:sp>
+          <p:nvSpPr>
+            <p:cNvPr id="6" name="CasellaDiTesto 5"/>
+            <p:cNvSpPr txBox="1"/>
+            <p:nvPr/>
+          </p:nvSpPr>
+          <p:spPr>
+            <a:xfrm>
+              <a:off x="10905067" y="237068"/>
+              <a:ext cx="1286933" cy="461665"/>
+            </a:xfrm>
+            <a:prstGeom prst="rect">
+              <a:avLst/>
+            </a:prstGeom>
+            <a:noFill/>
+          </p:spPr>
+          <p:txBody>
+            <a:bodyPr wrap="square" rtlCol="0">
+              <a:spAutoFit/>
+            </a:bodyPr>
+            <a:lstStyle/>
+            <a:p>
+              <a:r>
+                <a:rPr lang="it-IT" sz="2400" b="1" dirty="0" smtClean="0">
+                  <a:solidFill>
+                    <a:srgbClr val="92D050"/>
+                  </a:solidFill>
+                  <a:latin typeface="Arial Black" pitchFamily="34" charset="0"/>
+                </a:rPr>
+                <a:t> MVC</a:t>
+              </a:r>
+            </a:p>
+          </p:txBody>
+        </p:sp>
+      </p:grpSp>
+      <p:sp>
+        <p:nvSpPr>
+          <p:cNvPr id="7" name="CasellaDiTesto 6"/>
+          <p:cNvSpPr txBox="1"/>
+          <p:nvPr/>
+        </p:nvSpPr>
+        <p:spPr>
+          <a:xfrm>
+            <a:off x="711200" y="1066806"/>
+            <a:ext cx="10752666" cy="3785652"/>
+          </a:xfrm>
+          <a:prstGeom prst="rect">
+            <a:avLst/>
+          </a:prstGeom>
+          <a:noFill/>
+        </p:spPr>
+        <p:txBody>
+          <a:bodyPr wrap="square" rtlCol="0">
+            <a:spAutoFit/>
+          </a:bodyPr>
+          <a:lstStyle/>
+          <a:p>
+            <a:r>
+              <a:rPr lang="it-IT" sz="2400" dirty="0" smtClean="0"/>
+              <a:t>Tutte le Auto-configurazioni descritte precedentemente sfruttano le </a:t>
+            </a:r>
+            <a:r>
+              <a:rPr lang="it-IT" sz="2400" dirty="0" err="1" smtClean="0"/>
+              <a:t>features</a:t>
+            </a:r>
+            <a:r>
+              <a:rPr lang="it-IT" sz="2400" dirty="0" smtClean="0"/>
+              <a:t> del container </a:t>
+            </a:r>
+            <a:r>
+              <a:rPr lang="it-IT" sz="2400" dirty="0" err="1" smtClean="0"/>
+              <a:t>Servlet</a:t>
+            </a:r>
+            <a:r>
+              <a:rPr lang="it-IT" sz="2400" dirty="0" smtClean="0"/>
+              <a:t> 3.0. </a:t>
+            </a:r>
+          </a:p>
+          <a:p>
+            <a:endParaRPr lang="it-IT" sz="2400" dirty="0" smtClean="0"/>
+          </a:p>
+          <a:p>
+            <a:pPr marL="365125" indent="-365125"/>
+            <a:r>
+              <a:rPr lang="it-IT" sz="2400" dirty="0"/>
+              <a:t>- </a:t>
+            </a:r>
+            <a:r>
+              <a:rPr lang="it-IT" sz="2400" dirty="0" smtClean="0"/>
+              <a:t>	Se </a:t>
+            </a:r>
+            <a:r>
+              <a:rPr lang="it-IT" sz="2400" dirty="0"/>
+              <a:t>vogliamo registrare esplicitamente delle </a:t>
+            </a:r>
+            <a:r>
+              <a:rPr lang="it-IT" sz="2400" dirty="0" err="1"/>
+              <a:t>servlet</a:t>
+            </a:r>
+            <a:r>
+              <a:rPr lang="it-IT" sz="2400" dirty="0"/>
+              <a:t> e dei filtri, lo possiamo fare implementando l’interfaccia </a:t>
+            </a:r>
+            <a:r>
+              <a:rPr lang="it-IT" sz="2400" dirty="0" err="1"/>
+              <a:t>WebApplicationInitializer</a:t>
+            </a:r>
+            <a:r>
+              <a:rPr lang="it-IT" sz="2400" dirty="0"/>
+              <a:t> con la quale si </a:t>
+            </a:r>
+            <a:r>
+              <a:rPr lang="it-IT" sz="2400" dirty="0" err="1"/>
+              <a:t>gestitce</a:t>
+            </a:r>
+            <a:r>
+              <a:rPr lang="it-IT" sz="2400" dirty="0"/>
+              <a:t> in modo più “fine” (di basso livello) la loro creazione e configurazione.</a:t>
+            </a:r>
+          </a:p>
+          <a:p>
+            <a:pPr marL="342900" indent="-342900">
+              <a:buFontTx/>
+              <a:buChar char="-"/>
+            </a:pPr>
+            <a:r>
+              <a:rPr lang="it-IT" sz="2400" dirty="0" smtClean="0"/>
+              <a:t>Se </a:t>
+            </a:r>
+            <a:r>
+              <a:rPr lang="it-IT" sz="2400" dirty="0" err="1" smtClean="0"/>
+              <a:t>l’application</a:t>
+            </a:r>
+            <a:r>
+              <a:rPr lang="it-IT" sz="2400" dirty="0" smtClean="0"/>
+              <a:t> server utilizzato non supporta le </a:t>
+            </a:r>
+            <a:r>
+              <a:rPr lang="it-IT" sz="2400" dirty="0" err="1" smtClean="0"/>
+              <a:t>Servlet</a:t>
+            </a:r>
+            <a:r>
+              <a:rPr lang="it-IT" sz="2400" dirty="0" smtClean="0"/>
+              <a:t> 3.0 si può comunque dichiarare </a:t>
+            </a:r>
+            <a:r>
+              <a:rPr lang="it-IT" sz="2400" dirty="0" err="1" smtClean="0"/>
+              <a:t>Servlet</a:t>
+            </a:r>
+            <a:r>
+              <a:rPr lang="it-IT" sz="2400" dirty="0" smtClean="0"/>
+              <a:t> sul file web.xml</a:t>
+            </a:r>
+          </a:p>
+          <a:p>
+            <a:pPr marL="342900" indent="-342900">
+              <a:buFontTx/>
+              <a:buChar char="-"/>
+            </a:pPr>
+            <a:r>
+              <a:rPr lang="it-IT" sz="2400" dirty="0" smtClean="0"/>
+              <a:t>E’ supportato un approccio ibrido, che permette di dichiarare </a:t>
+            </a:r>
+            <a:r>
+              <a:rPr lang="it-IT" sz="2400" dirty="0" err="1" smtClean="0"/>
+              <a:t>servlet</a:t>
+            </a:r>
+            <a:r>
+              <a:rPr lang="it-IT" sz="2400" dirty="0" smtClean="0"/>
+              <a:t> sia tramite web.xml che codice java</a:t>
+            </a:r>
+          </a:p>
+        </p:txBody>
+      </p:sp>
+    </p:spTree>
+    <p:extLst>
+      <p:ext uri="{BB962C8B-B14F-4D97-AF65-F5344CB8AC3E}">
+        <p14:creationId xmlns:p14="http://schemas.microsoft.com/office/powerpoint/2010/main" val="4263395926"/>
+      </p:ext>
+    </p:extLst>
+  </p:cSld>
+  <p:clrMapOvr>
+    <a:masterClrMapping/>
+  </p:clrMapOvr>
+  <p:timing>
+    <p:tnLst>
+      <p:par>
+        <p:cTn id="1" dur="indefinite" restart="never" nodeType="tmRoot"/>
+      </p:par>
+    </p:tnLst>
+  </p:timing>
+</p:sld>
+</file>
+
+<file path=ppt/slides/slide33.xml><?xml version="1.0" encoding="utf-8"?>
+<p:sld xmlns:a="http://schemas.openxmlformats.org/drawingml/2006/main" xmlns:r="http://schemas.openxmlformats.org/officeDocument/2006/relationships" xmlns:p="http://schemas.openxmlformats.org/presentationml/2006/main">
+  <p:cSld>
+    <p:spTree>
+      <p:nvGrpSpPr>
+        <p:cNvPr id="1" name=""/>
+        <p:cNvGrpSpPr/>
+        <p:nvPr/>
+      </p:nvGrpSpPr>
+      <p:grpSpPr>
+        <a:xfrm>
+          <a:off x="0" y="0"/>
+          <a:ext cx="0" cy="0"/>
+          <a:chOff x="0" y="0"/>
+          <a:chExt cx="0" cy="0"/>
+        </a:xfrm>
+      </p:grpSpPr>
+      <p:sp>
+        <p:nvSpPr>
+          <p:cNvPr id="2" name="CasellaDiTesto 1"/>
+          <p:cNvSpPr txBox="1"/>
+          <p:nvPr/>
+        </p:nvSpPr>
+        <p:spPr>
+          <a:xfrm>
+            <a:off x="2246699" y="395784"/>
+            <a:ext cx="7698603" cy="584775"/>
+          </a:xfrm>
+          <a:prstGeom prst="rect">
+            <a:avLst/>
+          </a:prstGeom>
+          <a:noFill/>
+        </p:spPr>
+        <p:txBody>
+          <a:bodyPr wrap="square" rtlCol="0">
+            <a:spAutoFit/>
+          </a:bodyPr>
+          <a:lstStyle/>
+          <a:p>
+            <a:pPr algn="ctr"/>
+            <a:r>
+              <a:rPr lang="it-IT" sz="3200" b="1" dirty="0" smtClean="0">
+                <a:solidFill>
+                  <a:prstClr val="black"/>
+                </a:solidFill>
+              </a:rPr>
+              <a:t>SPRING MVC – HANDLING EXCEPTIONS</a:t>
+            </a:r>
+            <a:endParaRPr lang="it-IT" sz="3200" b="1" dirty="0">
+              <a:solidFill>
+                <a:prstClr val="black"/>
+              </a:solidFill>
+            </a:endParaRPr>
+          </a:p>
+        </p:txBody>
+      </p:sp>
+      <p:grpSp>
+        <p:nvGrpSpPr>
+          <p:cNvPr id="3" name="Gruppo 5"/>
+          <p:cNvGrpSpPr/>
+          <p:nvPr/>
+        </p:nvGrpSpPr>
+        <p:grpSpPr>
+          <a:xfrm>
+            <a:off x="9956801" y="0"/>
+            <a:ext cx="2235199" cy="800942"/>
+            <a:chOff x="9956801" y="0"/>
+            <a:chExt cx="2235199" cy="800942"/>
+          </a:xfrm>
+        </p:grpSpPr>
+        <p:pic>
+          <p:nvPicPr>
+            <p:cNvPr id="5" name="Immagine 4"/>
+            <p:cNvPicPr>
+              <a:picLocks noChangeAspect="1"/>
+            </p:cNvPicPr>
+            <p:nvPr/>
+          </p:nvPicPr>
+          <p:blipFill>
+            <a:blip r:embed="rId3" cstate="print">
+              <a:clrChange>
+                <a:clrFrom>
+                  <a:srgbClr val="FFFFFF"/>
+                </a:clrFrom>
+                <a:clrTo>
+                  <a:srgbClr val="FFFFFF">
+                    <a:alpha val="0"/>
+                  </a:srgbClr>
+                </a:clrTo>
+              </a:clrChange>
+              <a:extLst>
+                <a:ext uri="{28A0092B-C50C-407E-A947-70E740481C1C}">
+                  <a14:useLocalDpi xmlns:a14="http://schemas.microsoft.com/office/drawing/2010/main" val="0"/>
+                </a:ext>
+              </a:extLst>
+            </a:blip>
+            <a:srcRect r="87620" b="85479"/>
+            <a:stretch>
+              <a:fillRect/>
+            </a:stretch>
+          </p:blipFill>
+          <p:spPr>
+            <a:xfrm>
+              <a:off x="9956801" y="0"/>
+              <a:ext cx="982133" cy="800942"/>
+            </a:xfrm>
+            <a:prstGeom prst="rect">
+              <a:avLst/>
+            </a:prstGeom>
+          </p:spPr>
+        </p:pic>
+        <p:sp>
+          <p:nvSpPr>
+            <p:cNvPr id="6" name="CasellaDiTesto 5"/>
+            <p:cNvSpPr txBox="1"/>
+            <p:nvPr/>
+          </p:nvSpPr>
+          <p:spPr>
+            <a:xfrm>
+              <a:off x="10905067" y="237068"/>
+              <a:ext cx="1286933" cy="461665"/>
+            </a:xfrm>
+            <a:prstGeom prst="rect">
+              <a:avLst/>
+            </a:prstGeom>
+            <a:noFill/>
+          </p:spPr>
+          <p:txBody>
+            <a:bodyPr wrap="square" rtlCol="0">
+              <a:spAutoFit/>
+            </a:bodyPr>
+            <a:lstStyle/>
+            <a:p>
+              <a:r>
+                <a:rPr lang="it-IT" sz="2400" b="1" dirty="0" smtClean="0">
+                  <a:solidFill>
+                    <a:srgbClr val="92D050"/>
+                  </a:solidFill>
+                  <a:latin typeface="Arial Black" pitchFamily="34" charset="0"/>
+                </a:rPr>
+                <a:t> MVC</a:t>
+              </a:r>
+            </a:p>
+          </p:txBody>
+        </p:sp>
+      </p:grpSp>
+      <p:sp>
+        <p:nvSpPr>
+          <p:cNvPr id="7" name="CasellaDiTesto 6"/>
+          <p:cNvSpPr txBox="1"/>
+          <p:nvPr/>
+        </p:nvSpPr>
+        <p:spPr>
+          <a:xfrm>
+            <a:off x="711200" y="1066806"/>
+            <a:ext cx="10752666" cy="4154984"/>
+          </a:xfrm>
+          <a:prstGeom prst="rect">
+            <a:avLst/>
+          </a:prstGeom>
+          <a:noFill/>
+        </p:spPr>
+        <p:txBody>
+          <a:bodyPr wrap="square" rtlCol="0">
+            <a:spAutoFit/>
+          </a:bodyPr>
+          <a:lstStyle/>
+          <a:p>
+            <a:r>
+              <a:rPr lang="it-IT" sz="2400" dirty="0" smtClean="0"/>
+              <a:t>Durante il </a:t>
+            </a:r>
+            <a:r>
+              <a:rPr lang="it-IT" sz="2400" dirty="0" err="1" smtClean="0"/>
+              <a:t>processamento</a:t>
+            </a:r>
+            <a:r>
+              <a:rPr lang="it-IT" sz="2400" dirty="0" smtClean="0"/>
+              <a:t> di una richiesta, anche in caso di errore, dovrà essere fornita una pagina di output all’utente, mostrando o meno l’eventuale errore.</a:t>
+            </a:r>
+          </a:p>
+          <a:p>
+            <a:endParaRPr lang="it-IT" sz="2400" dirty="0"/>
+          </a:p>
+          <a:p>
+            <a:r>
+              <a:rPr lang="it-IT" sz="2400" dirty="0" smtClean="0"/>
+              <a:t>Spring  offre tre strumenti per la gestione delle eccezioni:</a:t>
+            </a:r>
+          </a:p>
+          <a:p>
+            <a:pPr marL="342900" indent="-342900">
+              <a:buFontTx/>
+              <a:buChar char="-"/>
+            </a:pPr>
+            <a:r>
+              <a:rPr lang="it-IT" sz="2400" dirty="0" smtClean="0"/>
+              <a:t>Alcune eccezioni Spring vengono automaticamente mappate su specifici HTTP status </a:t>
+            </a:r>
+            <a:r>
+              <a:rPr lang="it-IT" sz="2400" dirty="0" err="1" smtClean="0"/>
+              <a:t>codes</a:t>
+            </a:r>
+            <a:endParaRPr lang="it-IT" sz="2400" dirty="0" smtClean="0"/>
+          </a:p>
+          <a:p>
+            <a:pPr marL="342900" indent="-342900">
+              <a:buFontTx/>
+              <a:buChar char="-"/>
+            </a:pPr>
+            <a:r>
+              <a:rPr lang="it-IT" sz="2400" dirty="0" smtClean="0"/>
+              <a:t>Un’eccezione può essere annotata con @</a:t>
+            </a:r>
+            <a:r>
+              <a:rPr lang="it-IT" sz="2400" dirty="0" err="1" smtClean="0"/>
+              <a:t>ResponseStatus</a:t>
+            </a:r>
+            <a:r>
+              <a:rPr lang="it-IT" sz="2400" dirty="0" smtClean="0"/>
+              <a:t> per mapparla ad un HTTP status code</a:t>
+            </a:r>
+          </a:p>
+          <a:p>
+            <a:pPr marL="342900" indent="-342900">
+              <a:buFontTx/>
+              <a:buChar char="-"/>
+            </a:pPr>
+            <a:r>
+              <a:rPr lang="it-IT" sz="2400" dirty="0" smtClean="0"/>
+              <a:t>Un metodo può essere annotato con </a:t>
+            </a:r>
+            <a:r>
+              <a:rPr lang="en-US" sz="2400" dirty="0" smtClean="0"/>
+              <a:t>@</a:t>
+            </a:r>
+            <a:r>
+              <a:rPr lang="en-US" sz="2400" dirty="0" err="1"/>
+              <a:t>ExceptionHandler</a:t>
+            </a:r>
+            <a:r>
+              <a:rPr lang="en-US" sz="2400" dirty="0"/>
+              <a:t> </a:t>
+            </a:r>
+            <a:r>
+              <a:rPr lang="en-US" sz="2400" dirty="0" smtClean="0"/>
+              <a:t>per </a:t>
+            </a:r>
+            <a:r>
+              <a:rPr lang="en-US" sz="2400" dirty="0" err="1" smtClean="0"/>
+              <a:t>catturare</a:t>
+            </a:r>
+            <a:r>
+              <a:rPr lang="en-US" sz="2400" dirty="0" smtClean="0"/>
+              <a:t> </a:t>
+            </a:r>
+            <a:r>
+              <a:rPr lang="en-US" sz="2400" dirty="0" err="1" smtClean="0"/>
+              <a:t>l’eccezione</a:t>
+            </a:r>
+            <a:endParaRPr lang="en-US" sz="2400" dirty="0"/>
+          </a:p>
+          <a:p>
+            <a:r>
+              <a:rPr lang="en-US" sz="2400" dirty="0"/>
+              <a:t> </a:t>
+            </a:r>
+            <a:r>
+              <a:rPr lang="en-US" sz="2400" dirty="0" smtClean="0"/>
+              <a:t>    (</a:t>
+            </a:r>
+            <a:r>
+              <a:rPr lang="en-US" sz="2400" dirty="0" err="1" smtClean="0"/>
+              <a:t>cattura</a:t>
+            </a:r>
+            <a:r>
+              <a:rPr lang="en-US" sz="2400" dirty="0" smtClean="0"/>
+              <a:t> solo le </a:t>
+            </a:r>
+            <a:r>
+              <a:rPr lang="en-US" sz="2400" dirty="0" err="1" smtClean="0"/>
+              <a:t>eccezioni</a:t>
+            </a:r>
+            <a:r>
+              <a:rPr lang="en-US" sz="2400" dirty="0" smtClean="0"/>
+              <a:t> </a:t>
+            </a:r>
+            <a:r>
+              <a:rPr lang="en-US" sz="2400" dirty="0" err="1" smtClean="0"/>
+              <a:t>che</a:t>
+            </a:r>
+            <a:r>
+              <a:rPr lang="en-US" sz="2400" dirty="0" smtClean="0"/>
+              <a:t> </a:t>
+            </a:r>
+            <a:r>
+              <a:rPr lang="en-US" sz="2400" dirty="0" err="1" smtClean="0"/>
+              <a:t>avvengono</a:t>
+            </a:r>
+            <a:r>
+              <a:rPr lang="en-US" sz="2400" dirty="0" smtClean="0"/>
+              <a:t> in </a:t>
+            </a:r>
+            <a:r>
+              <a:rPr lang="en-US" sz="2400" dirty="0" err="1" smtClean="0"/>
+              <a:t>quel</a:t>
+            </a:r>
+            <a:r>
+              <a:rPr lang="en-US" sz="2400" dirty="0" smtClean="0"/>
+              <a:t> </a:t>
+            </a:r>
+            <a:r>
+              <a:rPr lang="en-US" sz="2400" dirty="0" err="1" smtClean="0"/>
+              <a:t>singolo</a:t>
+            </a:r>
+            <a:r>
+              <a:rPr lang="en-US" sz="2400" dirty="0" smtClean="0"/>
+              <a:t> controller)</a:t>
+            </a:r>
+            <a:endParaRPr lang="en-US" sz="2400" dirty="0"/>
+          </a:p>
+          <a:p>
+            <a:r>
+              <a:rPr lang="en-US" sz="2400" dirty="0" smtClean="0"/>
+              <a:t>-    </a:t>
+            </a:r>
+            <a:r>
+              <a:rPr lang="en-US" sz="2400" dirty="0" err="1" smtClean="0"/>
+              <a:t>Metodo</a:t>
+            </a:r>
+            <a:r>
+              <a:rPr lang="en-US" sz="2400" dirty="0" smtClean="0"/>
+              <a:t> con @</a:t>
+            </a:r>
+            <a:r>
+              <a:rPr lang="en-US" sz="2400" dirty="0" err="1" smtClean="0"/>
+              <a:t>ExceptionHandler</a:t>
+            </a:r>
+            <a:r>
+              <a:rPr lang="en-US" sz="2400" dirty="0" smtClean="0"/>
+              <a:t> </a:t>
+            </a:r>
+            <a:r>
+              <a:rPr lang="en-US" sz="2400" dirty="0" err="1" smtClean="0"/>
+              <a:t>dichiarato</a:t>
+            </a:r>
+            <a:r>
+              <a:rPr lang="en-US" sz="2400" dirty="0" smtClean="0"/>
+              <a:t> in un Controller Advice    	</a:t>
+            </a:r>
+            <a:endParaRPr lang="en-US" sz="2400" dirty="0"/>
+          </a:p>
+        </p:txBody>
+      </p:sp>
+      <p:sp>
+        <p:nvSpPr>
+          <p:cNvPr id="8" name="CasellaDiTesto 7"/>
+          <p:cNvSpPr txBox="1"/>
+          <p:nvPr/>
+        </p:nvSpPr>
+        <p:spPr>
+          <a:xfrm>
+            <a:off x="880532" y="5472435"/>
+            <a:ext cx="10566400" cy="461665"/>
+          </a:xfrm>
+          <a:prstGeom prst="rect">
+            <a:avLst/>
+          </a:prstGeom>
+          <a:solidFill>
+            <a:srgbClr val="92D050"/>
+          </a:solidFill>
+        </p:spPr>
+        <p:txBody>
+          <a:bodyPr wrap="square" rtlCol="0">
+            <a:spAutoFit/>
+          </a:bodyPr>
+          <a:lstStyle/>
+          <a:p>
+            <a:pPr algn="ctr"/>
+            <a:r>
+              <a:rPr lang="it-IT" sz="2400" b="1" dirty="0"/>
+              <a:t>E</a:t>
+            </a:r>
+            <a:r>
+              <a:rPr lang="it-IT" sz="2400" b="1" dirty="0" smtClean="0"/>
+              <a:t>sempio su codice</a:t>
+            </a:r>
+          </a:p>
+        </p:txBody>
+      </p:sp>
+    </p:spTree>
+    <p:extLst>
+      <p:ext uri="{BB962C8B-B14F-4D97-AF65-F5344CB8AC3E}">
+        <p14:creationId xmlns:p14="http://schemas.microsoft.com/office/powerpoint/2010/main" val="2802116414"/>
+      </p:ext>
+    </p:extLst>
+  </p:cSld>
+  <p:clrMapOvr>
+    <a:masterClrMapping/>
+  </p:clrMapOvr>
+  <p:timing>
+    <p:tnLst>
+      <p:par>
+        <p:cTn id="1" dur="indefinite" restart="never" nodeType="tmRoot"/>
+      </p:par>
+    </p:tnLst>
+  </p:timing>
+</p:sld>
+</file>
+
+<file path=ppt/slides/slide34.xml><?xml version="1.0" encoding="utf-8"?>
 <p:sld xmlns:a="http://schemas.openxmlformats.org/drawingml/2006/main" xmlns:r="http://schemas.openxmlformats.org/officeDocument/2006/relationships" xmlns:p="http://schemas.openxmlformats.org/presentationml/2006/main">
   <p:cSld>
     <p:bg>
@@ -16496,15 +17571,7 @@
                   <a:prstClr val="black"/>
                 </a:solidFill>
               </a:rPr>
-              <a:t>Lista </a:t>
-            </a:r>
-            <a:r>
-              <a:rPr lang="it-IT" dirty="0" smtClean="0">
-                <a:solidFill>
-                  <a:prstClr val="black"/>
-                </a:solidFill>
-              </a:rPr>
-              <a:t>di slide con principali oggetti e </a:t>
+              <a:t>Lista di slide con principali oggetti e </a:t>
             </a:r>
             <a:r>
               <a:rPr lang="it-IT" dirty="0" err="1" smtClean="0">
@@ -16608,7 +17675,7 @@
     </p:spTree>
     <p:extLst>
       <p:ext uri="{BB962C8B-B14F-4D97-AF65-F5344CB8AC3E}">
-        <p14:creationId xmlns:p14="http://schemas.microsoft.com/office/powerpoint/2010/main" xmlns="" val="3379396984"/>
+        <p14:creationId xmlns:p14="http://schemas.microsoft.com/office/powerpoint/2010/main" val="3379396984"/>
       </p:ext>
     </p:extLst>
   </p:cSld>
@@ -16625,7 +17692,7 @@
 </p:sld>
 </file>
 
-<file path=ppt/slides/slide33.xml><?xml version="1.0" encoding="utf-8"?>
+<file path=ppt/slides/slide35.xml><?xml version="1.0" encoding="utf-8"?>
 <p:sld xmlns:a="http://schemas.openxmlformats.org/drawingml/2006/main" xmlns:r="http://schemas.openxmlformats.org/officeDocument/2006/relationships" xmlns:p="http://schemas.openxmlformats.org/presentationml/2006/main">
   <p:cSld>
     <p:spTree>
@@ -16644,14 +17711,14 @@
       </p:grpSpPr>
       <p:sp>
         <p:nvSpPr>
-          <p:cNvPr id="4" name="CasellaDiTesto 3"/>
+          <p:cNvPr id="2" name="CasellaDiTesto 1"/>
           <p:cNvSpPr txBox="1"/>
           <p:nvPr/>
         </p:nvSpPr>
         <p:spPr>
           <a:xfrm>
-            <a:off x="241540" y="215660"/>
-            <a:ext cx="8143335" cy="923330"/>
+            <a:off x="3257266" y="395784"/>
+            <a:ext cx="5677469" cy="584775"/>
           </a:xfrm>
           <a:prstGeom prst="rect">
             <a:avLst/>
@@ -16664,6 +17731,806 @@
           </a:bodyPr>
           <a:lstStyle/>
           <a:p>
+            <a:pPr algn="ctr"/>
+            <a:r>
+              <a:rPr lang="it-IT" sz="3200" b="1" dirty="0" smtClean="0">
+                <a:solidFill>
+                  <a:prstClr val="black"/>
+                </a:solidFill>
+              </a:rPr>
+              <a:t>SPRING BACK END - JDBC</a:t>
+            </a:r>
+            <a:endParaRPr lang="it-IT" sz="3200" b="1" dirty="0">
+              <a:solidFill>
+                <a:prstClr val="black"/>
+              </a:solidFill>
+            </a:endParaRPr>
+          </a:p>
+        </p:txBody>
+      </p:sp>
+      <p:grpSp>
+        <p:nvGrpSpPr>
+          <p:cNvPr id="4" name="Gruppo 5"/>
+          <p:cNvGrpSpPr/>
+          <p:nvPr/>
+        </p:nvGrpSpPr>
+        <p:grpSpPr>
+          <a:xfrm>
+            <a:off x="9956801" y="0"/>
+            <a:ext cx="2235199" cy="800942"/>
+            <a:chOff x="9956801" y="0"/>
+            <a:chExt cx="2235199" cy="800942"/>
+          </a:xfrm>
+        </p:grpSpPr>
+        <p:pic>
+          <p:nvPicPr>
+            <p:cNvPr id="5" name="Immagine 4"/>
+            <p:cNvPicPr>
+              <a:picLocks noChangeAspect="1"/>
+            </p:cNvPicPr>
+            <p:nvPr/>
+          </p:nvPicPr>
+          <p:blipFill>
+            <a:blip r:embed="rId2" cstate="print">
+              <a:clrChange>
+                <a:clrFrom>
+                  <a:srgbClr val="FFFFFF"/>
+                </a:clrFrom>
+                <a:clrTo>
+                  <a:srgbClr val="FFFFFF">
+                    <a:alpha val="0"/>
+                  </a:srgbClr>
+                </a:clrTo>
+              </a:clrChange>
+              <a:extLst>
+                <a:ext uri="{28A0092B-C50C-407E-A947-70E740481C1C}">
+                  <a14:useLocalDpi xmlns:a14="http://schemas.microsoft.com/office/drawing/2010/main" val="0"/>
+                </a:ext>
+              </a:extLst>
+            </a:blip>
+            <a:srcRect r="87620" b="85479"/>
+            <a:stretch>
+              <a:fillRect/>
+            </a:stretch>
+          </p:blipFill>
+          <p:spPr>
+            <a:xfrm>
+              <a:off x="9956801" y="0"/>
+              <a:ext cx="982133" cy="800942"/>
+            </a:xfrm>
+            <a:prstGeom prst="rect">
+              <a:avLst/>
+            </a:prstGeom>
+          </p:spPr>
+        </p:pic>
+        <p:sp>
+          <p:nvSpPr>
+            <p:cNvPr id="6" name="CasellaDiTesto 5"/>
+            <p:cNvSpPr txBox="1"/>
+            <p:nvPr/>
+          </p:nvSpPr>
+          <p:spPr>
+            <a:xfrm>
+              <a:off x="10905067" y="237068"/>
+              <a:ext cx="1286933" cy="461665"/>
+            </a:xfrm>
+            <a:prstGeom prst="rect">
+              <a:avLst/>
+            </a:prstGeom>
+            <a:noFill/>
+          </p:spPr>
+          <p:txBody>
+            <a:bodyPr wrap="square" rtlCol="0">
+              <a:spAutoFit/>
+            </a:bodyPr>
+            <a:lstStyle/>
+            <a:p>
+              <a:r>
+                <a:rPr lang="it-IT" sz="2400" b="1" dirty="0" smtClean="0">
+                  <a:solidFill>
+                    <a:srgbClr val="92D050"/>
+                  </a:solidFill>
+                  <a:latin typeface="Arial Black" pitchFamily="34" charset="0"/>
+                </a:rPr>
+                <a:t> DB</a:t>
+              </a:r>
+            </a:p>
+          </p:txBody>
+        </p:sp>
+      </p:grpSp>
+      <p:sp>
+        <p:nvSpPr>
+          <p:cNvPr id="7" name="CasellaDiTesto 6"/>
+          <p:cNvSpPr txBox="1"/>
+          <p:nvPr/>
+        </p:nvSpPr>
+        <p:spPr>
+          <a:xfrm>
+            <a:off x="660400" y="1117604"/>
+            <a:ext cx="11133668" cy="461665"/>
+          </a:xfrm>
+          <a:prstGeom prst="rect">
+            <a:avLst/>
+          </a:prstGeom>
+          <a:noFill/>
+        </p:spPr>
+        <p:txBody>
+          <a:bodyPr wrap="square" rtlCol="0">
+            <a:spAutoFit/>
+          </a:bodyPr>
+          <a:lstStyle/>
+          <a:p>
+            <a:r>
+              <a:rPr lang="it-IT" sz="2400" dirty="0" smtClean="0"/>
+              <a:t>TESTO </a:t>
+            </a:r>
+            <a:r>
+              <a:rPr lang="it-IT" sz="2400" dirty="0" err="1" smtClean="0"/>
+              <a:t>TESTO</a:t>
+            </a:r>
+            <a:endParaRPr lang="it-IT" sz="2400" dirty="0" smtClean="0"/>
+          </a:p>
+        </p:txBody>
+      </p:sp>
+    </p:spTree>
+    <p:extLst>
+      <p:ext uri="{BB962C8B-B14F-4D97-AF65-F5344CB8AC3E}">
+        <p14:creationId xmlns:p14="http://schemas.microsoft.com/office/powerpoint/2010/main" val="2349088221"/>
+      </p:ext>
+    </p:extLst>
+  </p:cSld>
+  <p:clrMapOvr>
+    <a:masterClrMapping/>
+  </p:clrMapOvr>
+  <p:timing>
+    <p:tnLst>
+      <p:par>
+        <p:cTn id="1" dur="indefinite" restart="never" nodeType="tmRoot"/>
+      </p:par>
+    </p:tnLst>
+  </p:timing>
+</p:sld>
+</file>
+
+<file path=ppt/slides/slide36.xml><?xml version="1.0" encoding="utf-8"?>
+<p:sld xmlns:a="http://schemas.openxmlformats.org/drawingml/2006/main" xmlns:r="http://schemas.openxmlformats.org/officeDocument/2006/relationships" xmlns:p="http://schemas.openxmlformats.org/presentationml/2006/main">
+  <p:cSld>
+    <p:spTree>
+      <p:nvGrpSpPr>
+        <p:cNvPr id="1" name=""/>
+        <p:cNvGrpSpPr/>
+        <p:nvPr/>
+      </p:nvGrpSpPr>
+      <p:grpSpPr>
+        <a:xfrm>
+          <a:off x="0" y="0"/>
+          <a:ext cx="0" cy="0"/>
+          <a:chOff x="0" y="0"/>
+          <a:chExt cx="0" cy="0"/>
+        </a:xfrm>
+      </p:grpSpPr>
+      <p:sp>
+        <p:nvSpPr>
+          <p:cNvPr id="2" name="CasellaDiTesto 1"/>
+          <p:cNvSpPr txBox="1"/>
+          <p:nvPr/>
+        </p:nvSpPr>
+        <p:spPr>
+          <a:xfrm>
+            <a:off x="3257266" y="395784"/>
+            <a:ext cx="5677469" cy="584775"/>
+          </a:xfrm>
+          <a:prstGeom prst="rect">
+            <a:avLst/>
+          </a:prstGeom>
+          <a:noFill/>
+        </p:spPr>
+        <p:txBody>
+          <a:bodyPr wrap="square" rtlCol="0">
+            <a:spAutoFit/>
+          </a:bodyPr>
+          <a:lstStyle/>
+          <a:p>
+            <a:pPr algn="ctr"/>
+            <a:r>
+              <a:rPr lang="it-IT" sz="3200" b="1" dirty="0" smtClean="0">
+                <a:solidFill>
+                  <a:prstClr val="black"/>
+                </a:solidFill>
+              </a:rPr>
+              <a:t>SPRING BACK END - ORM</a:t>
+            </a:r>
+            <a:endParaRPr lang="it-IT" sz="3200" b="1" dirty="0">
+              <a:solidFill>
+                <a:prstClr val="black"/>
+              </a:solidFill>
+            </a:endParaRPr>
+          </a:p>
+        </p:txBody>
+      </p:sp>
+      <p:grpSp>
+        <p:nvGrpSpPr>
+          <p:cNvPr id="4" name="Gruppo 5"/>
+          <p:cNvGrpSpPr/>
+          <p:nvPr/>
+        </p:nvGrpSpPr>
+        <p:grpSpPr>
+          <a:xfrm>
+            <a:off x="9956801" y="0"/>
+            <a:ext cx="2235199" cy="800942"/>
+            <a:chOff x="9956801" y="0"/>
+            <a:chExt cx="2235199" cy="800942"/>
+          </a:xfrm>
+        </p:grpSpPr>
+        <p:pic>
+          <p:nvPicPr>
+            <p:cNvPr id="5" name="Immagine 4"/>
+            <p:cNvPicPr>
+              <a:picLocks noChangeAspect="1"/>
+            </p:cNvPicPr>
+            <p:nvPr/>
+          </p:nvPicPr>
+          <p:blipFill>
+            <a:blip r:embed="rId2" cstate="print">
+              <a:clrChange>
+                <a:clrFrom>
+                  <a:srgbClr val="FFFFFF"/>
+                </a:clrFrom>
+                <a:clrTo>
+                  <a:srgbClr val="FFFFFF">
+                    <a:alpha val="0"/>
+                  </a:srgbClr>
+                </a:clrTo>
+              </a:clrChange>
+              <a:extLst>
+                <a:ext uri="{28A0092B-C50C-407E-A947-70E740481C1C}">
+                  <a14:useLocalDpi xmlns:a14="http://schemas.microsoft.com/office/drawing/2010/main" val="0"/>
+                </a:ext>
+              </a:extLst>
+            </a:blip>
+            <a:srcRect r="87620" b="85479"/>
+            <a:stretch>
+              <a:fillRect/>
+            </a:stretch>
+          </p:blipFill>
+          <p:spPr>
+            <a:xfrm>
+              <a:off x="9956801" y="0"/>
+              <a:ext cx="982133" cy="800942"/>
+            </a:xfrm>
+            <a:prstGeom prst="rect">
+              <a:avLst/>
+            </a:prstGeom>
+          </p:spPr>
+        </p:pic>
+        <p:sp>
+          <p:nvSpPr>
+            <p:cNvPr id="6" name="CasellaDiTesto 5"/>
+            <p:cNvSpPr txBox="1"/>
+            <p:nvPr/>
+          </p:nvSpPr>
+          <p:spPr>
+            <a:xfrm>
+              <a:off x="10905067" y="237068"/>
+              <a:ext cx="1286933" cy="461665"/>
+            </a:xfrm>
+            <a:prstGeom prst="rect">
+              <a:avLst/>
+            </a:prstGeom>
+            <a:noFill/>
+          </p:spPr>
+          <p:txBody>
+            <a:bodyPr wrap="square" rtlCol="0">
+              <a:spAutoFit/>
+            </a:bodyPr>
+            <a:lstStyle/>
+            <a:p>
+              <a:r>
+                <a:rPr lang="it-IT" sz="2400" b="1" dirty="0" smtClean="0">
+                  <a:solidFill>
+                    <a:srgbClr val="92D050"/>
+                  </a:solidFill>
+                  <a:latin typeface="Arial Black" pitchFamily="34" charset="0"/>
+                </a:rPr>
+                <a:t> DB</a:t>
+              </a:r>
+            </a:p>
+          </p:txBody>
+        </p:sp>
+      </p:grpSp>
+      <p:sp>
+        <p:nvSpPr>
+          <p:cNvPr id="7" name="CasellaDiTesto 6"/>
+          <p:cNvSpPr txBox="1"/>
+          <p:nvPr/>
+        </p:nvSpPr>
+        <p:spPr>
+          <a:xfrm>
+            <a:off x="660400" y="1117604"/>
+            <a:ext cx="11133668" cy="461665"/>
+          </a:xfrm>
+          <a:prstGeom prst="rect">
+            <a:avLst/>
+          </a:prstGeom>
+          <a:noFill/>
+        </p:spPr>
+        <p:txBody>
+          <a:bodyPr wrap="square" rtlCol="0">
+            <a:spAutoFit/>
+          </a:bodyPr>
+          <a:lstStyle/>
+          <a:p>
+            <a:r>
+              <a:rPr lang="it-IT" sz="2400" dirty="0" smtClean="0"/>
+              <a:t>TESTO </a:t>
+            </a:r>
+            <a:r>
+              <a:rPr lang="it-IT" sz="2400" dirty="0" err="1" smtClean="0"/>
+              <a:t>TESTO</a:t>
+            </a:r>
+            <a:endParaRPr lang="it-IT" sz="2400" dirty="0" smtClean="0"/>
+          </a:p>
+        </p:txBody>
+      </p:sp>
+    </p:spTree>
+    <p:extLst>
+      <p:ext uri="{BB962C8B-B14F-4D97-AF65-F5344CB8AC3E}">
+        <p14:creationId xmlns:p14="http://schemas.microsoft.com/office/powerpoint/2010/main" val="3183345575"/>
+      </p:ext>
+    </p:extLst>
+  </p:cSld>
+  <p:clrMapOvr>
+    <a:masterClrMapping/>
+  </p:clrMapOvr>
+  <p:timing>
+    <p:tnLst>
+      <p:par>
+        <p:cTn id="1" dur="indefinite" restart="never" nodeType="tmRoot"/>
+      </p:par>
+    </p:tnLst>
+  </p:timing>
+</p:sld>
+</file>
+
+<file path=ppt/slides/slide37.xml><?xml version="1.0" encoding="utf-8"?>
+<p:sld xmlns:a="http://schemas.openxmlformats.org/drawingml/2006/main" xmlns:r="http://schemas.openxmlformats.org/officeDocument/2006/relationships" xmlns:p="http://schemas.openxmlformats.org/presentationml/2006/main">
+  <p:cSld>
+    <p:spTree>
+      <p:nvGrpSpPr>
+        <p:cNvPr id="1" name=""/>
+        <p:cNvGrpSpPr/>
+        <p:nvPr/>
+      </p:nvGrpSpPr>
+      <p:grpSpPr>
+        <a:xfrm>
+          <a:off x="0" y="0"/>
+          <a:ext cx="0" cy="0"/>
+          <a:chOff x="0" y="0"/>
+          <a:chExt cx="0" cy="0"/>
+        </a:xfrm>
+      </p:grpSpPr>
+      <p:sp>
+        <p:nvSpPr>
+          <p:cNvPr id="2" name="CasellaDiTesto 1"/>
+          <p:cNvSpPr txBox="1"/>
+          <p:nvPr/>
+        </p:nvSpPr>
+        <p:spPr>
+          <a:xfrm>
+            <a:off x="3257266" y="395784"/>
+            <a:ext cx="5677469" cy="584775"/>
+          </a:xfrm>
+          <a:prstGeom prst="rect">
+            <a:avLst/>
+          </a:prstGeom>
+          <a:noFill/>
+        </p:spPr>
+        <p:txBody>
+          <a:bodyPr wrap="square" rtlCol="0">
+            <a:spAutoFit/>
+          </a:bodyPr>
+          <a:lstStyle/>
+          <a:p>
+            <a:pPr algn="ctr"/>
+            <a:r>
+              <a:rPr lang="it-IT" sz="3200" b="1" dirty="0" smtClean="0">
+                <a:solidFill>
+                  <a:prstClr val="black"/>
+                </a:solidFill>
+              </a:rPr>
+              <a:t>SPRING BACK END - JPA</a:t>
+            </a:r>
+            <a:endParaRPr lang="it-IT" sz="3200" b="1" dirty="0">
+              <a:solidFill>
+                <a:prstClr val="black"/>
+              </a:solidFill>
+            </a:endParaRPr>
+          </a:p>
+        </p:txBody>
+      </p:sp>
+      <p:grpSp>
+        <p:nvGrpSpPr>
+          <p:cNvPr id="4" name="Gruppo 5"/>
+          <p:cNvGrpSpPr/>
+          <p:nvPr/>
+        </p:nvGrpSpPr>
+        <p:grpSpPr>
+          <a:xfrm>
+            <a:off x="9956801" y="0"/>
+            <a:ext cx="2235199" cy="800942"/>
+            <a:chOff x="9956801" y="0"/>
+            <a:chExt cx="2235199" cy="800942"/>
+          </a:xfrm>
+        </p:grpSpPr>
+        <p:pic>
+          <p:nvPicPr>
+            <p:cNvPr id="5" name="Immagine 4"/>
+            <p:cNvPicPr>
+              <a:picLocks noChangeAspect="1"/>
+            </p:cNvPicPr>
+            <p:nvPr/>
+          </p:nvPicPr>
+          <p:blipFill>
+            <a:blip r:embed="rId2" cstate="print">
+              <a:clrChange>
+                <a:clrFrom>
+                  <a:srgbClr val="FFFFFF"/>
+                </a:clrFrom>
+                <a:clrTo>
+                  <a:srgbClr val="FFFFFF">
+                    <a:alpha val="0"/>
+                  </a:srgbClr>
+                </a:clrTo>
+              </a:clrChange>
+              <a:extLst>
+                <a:ext uri="{28A0092B-C50C-407E-A947-70E740481C1C}">
+                  <a14:useLocalDpi xmlns:a14="http://schemas.microsoft.com/office/drawing/2010/main" val="0"/>
+                </a:ext>
+              </a:extLst>
+            </a:blip>
+            <a:srcRect r="87620" b="85479"/>
+            <a:stretch>
+              <a:fillRect/>
+            </a:stretch>
+          </p:blipFill>
+          <p:spPr>
+            <a:xfrm>
+              <a:off x="9956801" y="0"/>
+              <a:ext cx="982133" cy="800942"/>
+            </a:xfrm>
+            <a:prstGeom prst="rect">
+              <a:avLst/>
+            </a:prstGeom>
+          </p:spPr>
+        </p:pic>
+        <p:sp>
+          <p:nvSpPr>
+            <p:cNvPr id="6" name="CasellaDiTesto 5"/>
+            <p:cNvSpPr txBox="1"/>
+            <p:nvPr/>
+          </p:nvSpPr>
+          <p:spPr>
+            <a:xfrm>
+              <a:off x="10905067" y="237068"/>
+              <a:ext cx="1286933" cy="461665"/>
+            </a:xfrm>
+            <a:prstGeom prst="rect">
+              <a:avLst/>
+            </a:prstGeom>
+            <a:noFill/>
+          </p:spPr>
+          <p:txBody>
+            <a:bodyPr wrap="square" rtlCol="0">
+              <a:spAutoFit/>
+            </a:bodyPr>
+            <a:lstStyle/>
+            <a:p>
+              <a:r>
+                <a:rPr lang="it-IT" sz="2400" b="1" dirty="0" smtClean="0">
+                  <a:solidFill>
+                    <a:srgbClr val="92D050"/>
+                  </a:solidFill>
+                  <a:latin typeface="Arial Black" pitchFamily="34" charset="0"/>
+                </a:rPr>
+                <a:t> DB</a:t>
+              </a:r>
+            </a:p>
+          </p:txBody>
+        </p:sp>
+      </p:grpSp>
+      <p:sp>
+        <p:nvSpPr>
+          <p:cNvPr id="7" name="CasellaDiTesto 6"/>
+          <p:cNvSpPr txBox="1"/>
+          <p:nvPr/>
+        </p:nvSpPr>
+        <p:spPr>
+          <a:xfrm>
+            <a:off x="660400" y="1117604"/>
+            <a:ext cx="11133668" cy="461665"/>
+          </a:xfrm>
+          <a:prstGeom prst="rect">
+            <a:avLst/>
+          </a:prstGeom>
+          <a:noFill/>
+        </p:spPr>
+        <p:txBody>
+          <a:bodyPr wrap="square" rtlCol="0">
+            <a:spAutoFit/>
+          </a:bodyPr>
+          <a:lstStyle/>
+          <a:p>
+            <a:r>
+              <a:rPr lang="it-IT" sz="2400" dirty="0" smtClean="0"/>
+              <a:t>TESTO </a:t>
+            </a:r>
+            <a:r>
+              <a:rPr lang="it-IT" sz="2400" dirty="0" err="1" smtClean="0"/>
+              <a:t>TESTO</a:t>
+            </a:r>
+            <a:endParaRPr lang="it-IT" sz="2400" dirty="0" smtClean="0"/>
+          </a:p>
+        </p:txBody>
+      </p:sp>
+    </p:spTree>
+    <p:extLst>
+      <p:ext uri="{BB962C8B-B14F-4D97-AF65-F5344CB8AC3E}">
+        <p14:creationId xmlns:p14="http://schemas.microsoft.com/office/powerpoint/2010/main" val="1424728404"/>
+      </p:ext>
+    </p:extLst>
+  </p:cSld>
+  <p:clrMapOvr>
+    <a:masterClrMapping/>
+  </p:clrMapOvr>
+  <p:timing>
+    <p:tnLst>
+      <p:par>
+        <p:cTn id="1" dur="indefinite" restart="never" nodeType="tmRoot"/>
+      </p:par>
+    </p:tnLst>
+  </p:timing>
+</p:sld>
+</file>
+
+<file path=ppt/slides/slide38.xml><?xml version="1.0" encoding="utf-8"?>
+<p:sld xmlns:a="http://schemas.openxmlformats.org/drawingml/2006/main" xmlns:r="http://schemas.openxmlformats.org/officeDocument/2006/relationships" xmlns:p="http://schemas.openxmlformats.org/presentationml/2006/main">
+  <p:cSld>
+    <p:spTree>
+      <p:nvGrpSpPr>
+        <p:cNvPr id="1" name=""/>
+        <p:cNvGrpSpPr/>
+        <p:nvPr/>
+      </p:nvGrpSpPr>
+      <p:grpSpPr>
+        <a:xfrm>
+          <a:off x="0" y="0"/>
+          <a:ext cx="0" cy="0"/>
+          <a:chOff x="0" y="0"/>
+          <a:chExt cx="0" cy="0"/>
+        </a:xfrm>
+      </p:grpSpPr>
+      <p:sp>
+        <p:nvSpPr>
+          <p:cNvPr id="2" name="CasellaDiTesto 1"/>
+          <p:cNvSpPr txBox="1"/>
+          <p:nvPr/>
+        </p:nvSpPr>
+        <p:spPr>
+          <a:xfrm>
+            <a:off x="3257266" y="395784"/>
+            <a:ext cx="5677469" cy="584775"/>
+          </a:xfrm>
+          <a:prstGeom prst="rect">
+            <a:avLst/>
+          </a:prstGeom>
+          <a:noFill/>
+        </p:spPr>
+        <p:txBody>
+          <a:bodyPr wrap="square" rtlCol="0">
+            <a:spAutoFit/>
+          </a:bodyPr>
+          <a:lstStyle/>
+          <a:p>
+            <a:pPr algn="ctr"/>
+            <a:r>
+              <a:rPr lang="it-IT" sz="3200" b="1" dirty="0" smtClean="0">
+                <a:solidFill>
+                  <a:prstClr val="black"/>
+                </a:solidFill>
+              </a:rPr>
+              <a:t>SPRING REST</a:t>
+            </a:r>
+            <a:endParaRPr lang="it-IT" sz="3200" b="1" dirty="0">
+              <a:solidFill>
+                <a:prstClr val="black"/>
+              </a:solidFill>
+            </a:endParaRPr>
+          </a:p>
+        </p:txBody>
+      </p:sp>
+      <p:grpSp>
+        <p:nvGrpSpPr>
+          <p:cNvPr id="4" name="Gruppo 5"/>
+          <p:cNvGrpSpPr/>
+          <p:nvPr/>
+        </p:nvGrpSpPr>
+        <p:grpSpPr>
+          <a:xfrm>
+            <a:off x="9956801" y="0"/>
+            <a:ext cx="2235199" cy="800942"/>
+            <a:chOff x="9956801" y="0"/>
+            <a:chExt cx="2235199" cy="800942"/>
+          </a:xfrm>
+        </p:grpSpPr>
+        <p:pic>
+          <p:nvPicPr>
+            <p:cNvPr id="5" name="Immagine 4"/>
+            <p:cNvPicPr>
+              <a:picLocks noChangeAspect="1"/>
+            </p:cNvPicPr>
+            <p:nvPr/>
+          </p:nvPicPr>
+          <p:blipFill>
+            <a:blip r:embed="rId2" cstate="print">
+              <a:clrChange>
+                <a:clrFrom>
+                  <a:srgbClr val="FFFFFF"/>
+                </a:clrFrom>
+                <a:clrTo>
+                  <a:srgbClr val="FFFFFF">
+                    <a:alpha val="0"/>
+                  </a:srgbClr>
+                </a:clrTo>
+              </a:clrChange>
+              <a:extLst>
+                <a:ext uri="{28A0092B-C50C-407E-A947-70E740481C1C}">
+                  <a14:useLocalDpi xmlns:a14="http://schemas.microsoft.com/office/drawing/2010/main" val="0"/>
+                </a:ext>
+              </a:extLst>
+            </a:blip>
+            <a:srcRect r="87620" b="85479"/>
+            <a:stretch>
+              <a:fillRect/>
+            </a:stretch>
+          </p:blipFill>
+          <p:spPr>
+            <a:xfrm>
+              <a:off x="9956801" y="0"/>
+              <a:ext cx="982133" cy="800942"/>
+            </a:xfrm>
+            <a:prstGeom prst="rect">
+              <a:avLst/>
+            </a:prstGeom>
+          </p:spPr>
+        </p:pic>
+        <p:sp>
+          <p:nvSpPr>
+            <p:cNvPr id="6" name="CasellaDiTesto 5"/>
+            <p:cNvSpPr txBox="1"/>
+            <p:nvPr/>
+          </p:nvSpPr>
+          <p:spPr>
+            <a:xfrm>
+              <a:off x="10905067" y="237068"/>
+              <a:ext cx="1286933" cy="461665"/>
+            </a:xfrm>
+            <a:prstGeom prst="rect">
+              <a:avLst/>
+            </a:prstGeom>
+            <a:noFill/>
+          </p:spPr>
+          <p:txBody>
+            <a:bodyPr wrap="square" rtlCol="0">
+              <a:spAutoFit/>
+            </a:bodyPr>
+            <a:lstStyle/>
+            <a:p>
+              <a:r>
+                <a:rPr lang="it-IT" sz="2400" b="1" dirty="0" smtClean="0">
+                  <a:solidFill>
+                    <a:srgbClr val="92D050"/>
+                  </a:solidFill>
+                  <a:latin typeface="Arial Black" pitchFamily="34" charset="0"/>
+                </a:rPr>
+                <a:t> REST</a:t>
+              </a:r>
+            </a:p>
+          </p:txBody>
+        </p:sp>
+      </p:grpSp>
+      <p:sp>
+        <p:nvSpPr>
+          <p:cNvPr id="7" name="CasellaDiTesto 6"/>
+          <p:cNvSpPr txBox="1"/>
+          <p:nvPr/>
+        </p:nvSpPr>
+        <p:spPr>
+          <a:xfrm>
+            <a:off x="660400" y="1117604"/>
+            <a:ext cx="11133668" cy="461665"/>
+          </a:xfrm>
+          <a:prstGeom prst="rect">
+            <a:avLst/>
+          </a:prstGeom>
+          <a:noFill/>
+        </p:spPr>
+        <p:txBody>
+          <a:bodyPr wrap="square" rtlCol="0">
+            <a:spAutoFit/>
+          </a:bodyPr>
+          <a:lstStyle/>
+          <a:p>
+            <a:r>
+              <a:rPr lang="it-IT" sz="2400" dirty="0" smtClean="0"/>
+              <a:t>TESTO </a:t>
+            </a:r>
+            <a:r>
+              <a:rPr lang="it-IT" sz="2400" dirty="0" err="1" smtClean="0"/>
+              <a:t>TESTO</a:t>
+            </a:r>
+            <a:endParaRPr lang="it-IT" sz="2400" dirty="0" smtClean="0"/>
+          </a:p>
+        </p:txBody>
+      </p:sp>
+    </p:spTree>
+    <p:extLst>
+      <p:ext uri="{BB962C8B-B14F-4D97-AF65-F5344CB8AC3E}">
+        <p14:creationId xmlns:p14="http://schemas.microsoft.com/office/powerpoint/2010/main" val="2809883294"/>
+      </p:ext>
+    </p:extLst>
+  </p:cSld>
+  <p:clrMapOvr>
+    <a:masterClrMapping/>
+  </p:clrMapOvr>
+  <p:timing>
+    <p:tnLst>
+      <p:par>
+        <p:cTn id="1" dur="indefinite" restart="never" nodeType="tmRoot"/>
+      </p:par>
+    </p:tnLst>
+  </p:timing>
+</p:sld>
+</file>
+
+<file path=ppt/slides/slide39.xml><?xml version="1.0" encoding="utf-8"?>
+<p:sld xmlns:a="http://schemas.openxmlformats.org/drawingml/2006/main" xmlns:r="http://schemas.openxmlformats.org/officeDocument/2006/relationships" xmlns:p="http://schemas.openxmlformats.org/presentationml/2006/main">
+  <p:cSld>
+    <p:spTree>
+      <p:nvGrpSpPr>
+        <p:cNvPr id="1" name=""/>
+        <p:cNvGrpSpPr/>
+        <p:nvPr/>
+      </p:nvGrpSpPr>
+      <p:grpSpPr>
+        <a:xfrm>
+          <a:off x="0" y="0"/>
+          <a:ext cx="0" cy="0"/>
+          <a:chOff x="0" y="0"/>
+          <a:chExt cx="0" cy="0"/>
+        </a:xfrm>
+      </p:grpSpPr>
+      <p:sp>
+        <p:nvSpPr>
+          <p:cNvPr id="4" name="CasellaDiTesto 3"/>
+          <p:cNvSpPr txBox="1"/>
+          <p:nvPr/>
+        </p:nvSpPr>
+        <p:spPr>
+          <a:xfrm>
+            <a:off x="673802" y="431791"/>
+            <a:ext cx="8143335" cy="1754326"/>
+          </a:xfrm>
+          <a:prstGeom prst="rect">
+            <a:avLst/>
+          </a:prstGeom>
+          <a:noFill/>
+        </p:spPr>
+        <p:txBody>
+          <a:bodyPr wrap="square" rtlCol="0">
+            <a:spAutoFit/>
+          </a:bodyPr>
+          <a:lstStyle/>
+          <a:p>
             <a:r>
               <a:rPr lang="it-IT" dirty="0" smtClean="0"/>
               <a:t>EXTRA E SVILUPPI FUTURI</a:t>
@@ -16675,8 +18542,8 @@
               <a:buChar char="-"/>
             </a:pPr>
             <a:r>
-              <a:rPr lang="it-IT" dirty="0" smtClean="0"/>
-              <a:t>Programmazione ad aspetti</a:t>
+              <a:rPr lang="it-IT" dirty="0"/>
+              <a:t>AOP</a:t>
             </a:r>
           </a:p>
           <a:p>
@@ -16685,6 +18552,37 @@
               <a:buChar char="-"/>
             </a:pPr>
             <a:r>
+              <a:rPr lang="it-IT" dirty="0" err="1"/>
+              <a:t>WebSocket</a:t>
+            </a:r>
+            <a:endParaRPr lang="it-IT" dirty="0"/>
+          </a:p>
+          <a:p>
+            <a:pPr marL="285750" indent="-285750">
+              <a:buFontTx/>
+              <a:buChar char="-"/>
+            </a:pPr>
+            <a:r>
+              <a:rPr lang="it-IT" dirty="0"/>
+              <a:t>JMS</a:t>
+            </a:r>
+          </a:p>
+          <a:p>
+            <a:pPr marL="285750" indent="-285750">
+              <a:buFontTx/>
+              <a:buChar char="-"/>
+            </a:pPr>
+            <a:r>
+              <a:rPr lang="it-IT" dirty="0" smtClean="0"/>
+              <a:t>JMX</a:t>
+            </a:r>
+          </a:p>
+          <a:p>
+            <a:pPr marL="285750" indent="-285750">
+              <a:buFontTx/>
+              <a:buChar char="-"/>
+            </a:pPr>
+            <a:r>
               <a:rPr lang="it-IT" dirty="0" smtClean="0"/>
               <a:t>Unit test con DB in </a:t>
             </a:r>
@@ -16699,7 +18597,7 @@
     </p:spTree>
     <p:extLst>
       <p:ext uri="{BB962C8B-B14F-4D97-AF65-F5344CB8AC3E}">
-        <p14:creationId xmlns:p14="http://schemas.microsoft.com/office/powerpoint/2010/main" xmlns="" val="3518210870"/>
+        <p14:creationId xmlns:p14="http://schemas.microsoft.com/office/powerpoint/2010/main" val="1554632522"/>
       </p:ext>
     </p:extLst>
   </p:cSld>
@@ -17146,7 +19044,7 @@
     </p:spTree>
     <p:extLst>
       <p:ext uri="{BB962C8B-B14F-4D97-AF65-F5344CB8AC3E}">
-        <p14:creationId xmlns:p14="http://schemas.microsoft.com/office/powerpoint/2010/main" xmlns="" val="224944657"/>
+        <p14:creationId xmlns:p14="http://schemas.microsoft.com/office/powerpoint/2010/main" val="224944657"/>
       </p:ext>
     </p:extLst>
   </p:cSld>
@@ -17850,7 +19748,7 @@
     </p:spTree>
     <p:extLst>
       <p:ext uri="{BB962C8B-B14F-4D97-AF65-F5344CB8AC3E}">
-        <p14:creationId xmlns:p14="http://schemas.microsoft.com/office/powerpoint/2010/main" xmlns="" val="1418548180"/>
+        <p14:creationId xmlns:p14="http://schemas.microsoft.com/office/powerpoint/2010/main" val="1418548180"/>
       </p:ext>
     </p:extLst>
   </p:cSld>
@@ -18553,7 +20451,7 @@
     </p:spTree>
     <p:extLst>
       <p:ext uri="{BB962C8B-B14F-4D97-AF65-F5344CB8AC3E}">
-        <p14:creationId xmlns:p14="http://schemas.microsoft.com/office/powerpoint/2010/main" xmlns="" val="2373193717"/>
+        <p14:creationId xmlns:p14="http://schemas.microsoft.com/office/powerpoint/2010/main" val="2373193717"/>
       </p:ext>
     </p:extLst>
   </p:cSld>
@@ -18791,7 +20689,7 @@
     </p:spTree>
     <p:extLst>
       <p:ext uri="{BB962C8B-B14F-4D97-AF65-F5344CB8AC3E}">
-        <p14:creationId xmlns:p14="http://schemas.microsoft.com/office/powerpoint/2010/main" xmlns="" val="4006077807"/>
+        <p14:creationId xmlns:p14="http://schemas.microsoft.com/office/powerpoint/2010/main" val="4006077807"/>
       </p:ext>
     </p:extLst>
   </p:cSld>
@@ -18938,7 +20836,7 @@
     </p:spTree>
     <p:extLst>
       <p:ext uri="{BB962C8B-B14F-4D97-AF65-F5344CB8AC3E}">
-        <p14:creationId xmlns:p14="http://schemas.microsoft.com/office/powerpoint/2010/main" xmlns="" val="4006077807"/>
+        <p14:creationId xmlns:p14="http://schemas.microsoft.com/office/powerpoint/2010/main" val="4006077807"/>
       </p:ext>
     </p:extLst>
   </p:cSld>
@@ -19085,7 +20983,7 @@
     </p:spTree>
     <p:extLst>
       <p:ext uri="{BB962C8B-B14F-4D97-AF65-F5344CB8AC3E}">
-        <p14:creationId xmlns:p14="http://schemas.microsoft.com/office/powerpoint/2010/main" xmlns="" val="4006077807"/>
+        <p14:creationId xmlns:p14="http://schemas.microsoft.com/office/powerpoint/2010/main" val="4006077807"/>
       </p:ext>
     </p:extLst>
   </p:cSld>
@@ -19357,7 +21255,7 @@
   <a:extraClrSchemeLst/>
   <a:extLst>
     <a:ext uri="{05A4C25C-085E-4340-85A3-A5531E510DB2}">
-      <thm15:themeFamily xmlns:thm15="http://schemas.microsoft.com/office/thememl/2012/main" xmlns="" name="Office Theme" id="{62F939B6-93AF-4DB8-9C6B-D6C7DFDC589F}" vid="{4A3C46E8-61CC-4603-A589-7422A47A8E4A}"/>
+      <thm15:themeFamily xmlns:thm15="http://schemas.microsoft.com/office/thememl/2012/main" name="Office Theme" id="{62F939B6-93AF-4DB8-9C6B-D6C7DFDC589F}" vid="{4A3C46E8-61CC-4603-A589-7422A47A8E4A}"/>
     </a:ext>
   </a:extLst>
 </a:theme>
